--- a/Diapositivas/6. Legacy Code.pptx
+++ b/Diapositivas/6. Legacy Code.pptx
@@ -12,8 +12,8 @@
     <p:sldId id="629" r:id="rId3"/>
     <p:sldId id="632" r:id="rId4"/>
     <p:sldId id="633" r:id="rId5"/>
-    <p:sldId id="698" r:id="rId6"/>
-    <p:sldId id="699" r:id="rId7"/>
+    <p:sldId id="699" r:id="rId6"/>
+    <p:sldId id="698" r:id="rId7"/>
     <p:sldId id="686" r:id="rId8"/>
     <p:sldId id="687" r:id="rId9"/>
     <p:sldId id="688" r:id="rId10"/>
@@ -218,7 +218,7 @@
           <a:p>
             <a:fld id="{63D5FC4C-9EE1-4746-A368-724F618FC790}" type="datetimeFigureOut">
               <a:rPr lang="es-PE" smtClean="0"/>
-              <a:t>26/11/2013</a:t>
+              <a:t>11/12/2013</a:t>
             </a:fld>
             <a:endParaRPr lang="es-PE"/>
           </a:p>
@@ -2387,7 +2387,7 @@
             <a:fld id="{807CB568-C05F-482F-9F26-AA302B8892DF}" type="datetimeFigureOut">
               <a:rPr lang="es-ES" smtClean="0"/>
               <a:pPr/>
-              <a:t>26/11/2013</a:t>
+              <a:t>11/12/2013</a:t>
             </a:fld>
             <a:endParaRPr lang="es-ES"/>
           </a:p>
@@ -2566,7 +2566,7 @@
             <a:fld id="{807CB568-C05F-482F-9F26-AA302B8892DF}" type="datetimeFigureOut">
               <a:rPr lang="es-ES" smtClean="0"/>
               <a:pPr/>
-              <a:t>26/11/2013</a:t>
+              <a:t>11/12/2013</a:t>
             </a:fld>
             <a:endParaRPr lang="es-ES"/>
           </a:p>
@@ -2755,7 +2755,7 @@
             <a:fld id="{807CB568-C05F-482F-9F26-AA302B8892DF}" type="datetimeFigureOut">
               <a:rPr lang="es-ES" smtClean="0"/>
               <a:pPr/>
-              <a:t>26/11/2013</a:t>
+              <a:t>11/12/2013</a:t>
             </a:fld>
             <a:endParaRPr lang="es-ES"/>
           </a:p>
@@ -2934,7 +2934,7 @@
             <a:fld id="{807CB568-C05F-482F-9F26-AA302B8892DF}" type="datetimeFigureOut">
               <a:rPr lang="es-ES" smtClean="0"/>
               <a:pPr/>
-              <a:t>26/11/2013</a:t>
+              <a:t>11/12/2013</a:t>
             </a:fld>
             <a:endParaRPr lang="es-ES"/>
           </a:p>
@@ -3189,7 +3189,7 @@
             <a:fld id="{807CB568-C05F-482F-9F26-AA302B8892DF}" type="datetimeFigureOut">
               <a:rPr lang="es-ES" smtClean="0"/>
               <a:pPr/>
-              <a:t>26/11/2013</a:t>
+              <a:t>11/12/2013</a:t>
             </a:fld>
             <a:endParaRPr lang="es-ES"/>
           </a:p>
@@ -3486,7 +3486,7 @@
             <a:fld id="{807CB568-C05F-482F-9F26-AA302B8892DF}" type="datetimeFigureOut">
               <a:rPr lang="es-ES" smtClean="0"/>
               <a:pPr/>
-              <a:t>26/11/2013</a:t>
+              <a:t>11/12/2013</a:t>
             </a:fld>
             <a:endParaRPr lang="es-ES"/>
           </a:p>
@@ -3917,7 +3917,7 @@
             <a:fld id="{807CB568-C05F-482F-9F26-AA302B8892DF}" type="datetimeFigureOut">
               <a:rPr lang="es-ES" smtClean="0"/>
               <a:pPr/>
-              <a:t>26/11/2013</a:t>
+              <a:t>11/12/2013</a:t>
             </a:fld>
             <a:endParaRPr lang="es-ES"/>
           </a:p>
@@ -4044,7 +4044,7 @@
             <a:fld id="{807CB568-C05F-482F-9F26-AA302B8892DF}" type="datetimeFigureOut">
               <a:rPr lang="es-ES" smtClean="0"/>
               <a:pPr/>
-              <a:t>26/11/2013</a:t>
+              <a:t>11/12/2013</a:t>
             </a:fld>
             <a:endParaRPr lang="es-ES"/>
           </a:p>
@@ -4148,7 +4148,7 @@
             <a:fld id="{807CB568-C05F-482F-9F26-AA302B8892DF}" type="datetimeFigureOut">
               <a:rPr lang="es-ES" smtClean="0"/>
               <a:pPr/>
-              <a:t>26/11/2013</a:t>
+              <a:t>11/12/2013</a:t>
             </a:fld>
             <a:endParaRPr lang="es-ES"/>
           </a:p>
@@ -4434,7 +4434,7 @@
             <a:fld id="{807CB568-C05F-482F-9F26-AA302B8892DF}" type="datetimeFigureOut">
               <a:rPr lang="es-ES" smtClean="0"/>
               <a:pPr/>
-              <a:t>26/11/2013</a:t>
+              <a:t>11/12/2013</a:t>
             </a:fld>
             <a:endParaRPr lang="es-ES"/>
           </a:p>
@@ -4703,7 +4703,7 @@
             <a:fld id="{807CB568-C05F-482F-9F26-AA302B8892DF}" type="datetimeFigureOut">
               <a:rPr lang="es-ES" smtClean="0"/>
               <a:pPr/>
-              <a:t>26/11/2013</a:t>
+              <a:t>11/12/2013</a:t>
             </a:fld>
             <a:endParaRPr lang="es-ES"/>
           </a:p>
@@ -4954,7 +4954,7 @@
             <a:fld id="{807CB568-C05F-482F-9F26-AA302B8892DF}" type="datetimeFigureOut">
               <a:rPr lang="es-ES" smtClean="0"/>
               <a:pPr/>
-              <a:t>26/11/2013</a:t>
+              <a:t>11/12/2013</a:t>
             </a:fld>
             <a:endParaRPr lang="es-ES"/>
           </a:p>
@@ -7592,14 +7592,6 @@
               </a:rPr>
               <a:t>Legacy Code</a:t>
             </a:r>
-            <a:r>
-              <a:rPr lang="en-US" sz="11500" b="1" dirty="0" smtClean="0">
-                <a:solidFill>
-                  <a:srgbClr val="FF0000"/>
-                </a:solidFill>
-              </a:rPr>
-              <a:t/>
-            </a:r>
             <a:br>
               <a:rPr lang="en-US" sz="11500" b="1" dirty="0" smtClean="0">
                 <a:solidFill>
@@ -9083,135 +9075,6 @@
 </file>
 
 <file path=ppt/slides/slide5.xml><?xml version="1.0" encoding="utf-8"?>
-<p:sld xmlns:a="http://schemas.openxmlformats.org/drawingml/2006/main" xmlns:r="http://schemas.openxmlformats.org/officeDocument/2006/relationships" xmlns:p="http://schemas.openxmlformats.org/presentationml/2006/main">
-  <p:cSld>
-    <p:spTree>
-      <p:nvGrpSpPr>
-        <p:cNvPr id="1" name=""/>
-        <p:cNvGrpSpPr/>
-        <p:nvPr/>
-      </p:nvGrpSpPr>
-      <p:grpSpPr>
-        <a:xfrm>
-          <a:off x="0" y="0"/>
-          <a:ext cx="0" cy="0"/>
-          <a:chOff x="0" y="0"/>
-          <a:chExt cx="0" cy="0"/>
-        </a:xfrm>
-      </p:grpSpPr>
-      <p:sp>
-        <p:nvSpPr>
-          <p:cNvPr id="5" name="2 Título"/>
-          <p:cNvSpPr>
-            <a:spLocks noGrp="1"/>
-          </p:cNvSpPr>
-          <p:nvPr>
-            <p:ph type="title"/>
-          </p:nvPr>
-        </p:nvSpPr>
-        <p:spPr>
-          <a:xfrm>
-            <a:off x="179512" y="260648"/>
-            <a:ext cx="8712968" cy="844646"/>
-          </a:xfrm>
-        </p:spPr>
-        <p:txBody>
-          <a:bodyPr/>
-          <a:lstStyle/>
-          <a:p>
-            <a:r>
-              <a:rPr lang="es-PE" dirty="0" smtClean="0">
-                <a:solidFill>
-                  <a:srgbClr val="00823B"/>
-                </a:solidFill>
-              </a:rPr>
-              <a:t>Distribuir en Cada Sprint</a:t>
-            </a:r>
-            <a:endParaRPr lang="es-PE" dirty="0">
-              <a:solidFill>
-                <a:srgbClr val="00823B"/>
-              </a:solidFill>
-            </a:endParaRPr>
-          </a:p>
-        </p:txBody>
-      </p:sp>
-      <p:pic>
-        <p:nvPicPr>
-          <p:cNvPr id="4" name="Picture 2"/>
-          <p:cNvPicPr>
-            <a:picLocks noChangeAspect="1" noChangeArrowheads="1"/>
-          </p:cNvPicPr>
-          <p:nvPr/>
-        </p:nvPicPr>
-        <p:blipFill>
-          <a:blip r:embed="rId3">
-            <a:extLst>
-              <a:ext uri="{28A0092B-C50C-407E-A947-70E740481C1C}">
-                <a14:useLocalDpi xmlns:a14="http://schemas.microsoft.com/office/drawing/2010/main" val="0"/>
-              </a:ext>
-            </a:extLst>
-          </a:blip>
-          <a:srcRect/>
-          <a:stretch>
-            <a:fillRect/>
-          </a:stretch>
-        </p:blipFill>
-        <p:spPr bwMode="auto">
-          <a:xfrm>
-            <a:off x="1851281" y="1079292"/>
-            <a:ext cx="5441437" cy="5200886"/>
-          </a:xfrm>
-          <a:prstGeom prst="rect">
-            <a:avLst/>
-          </a:prstGeom>
-          <a:ln>
-            <a:noFill/>
-          </a:ln>
-          <a:effectLst>
-            <a:softEdge rad="112500"/>
-          </a:effectLst>
-          <a:extLst>
-            <a:ext uri="{909E8E84-426E-40DD-AFC4-6F175D3DCCD1}">
-              <a14:hiddenFill xmlns:a14="http://schemas.microsoft.com/office/drawing/2010/main">
-                <a:solidFill>
-                  <a:schemeClr val="accent1"/>
-                </a:solidFill>
-              </a14:hiddenFill>
-            </a:ext>
-            <a:ext uri="{91240B29-F687-4F45-9708-019B960494DF}">
-              <a14:hiddenLine xmlns:a14="http://schemas.microsoft.com/office/drawing/2010/main" w="9525">
-                <a:solidFill>
-                  <a:schemeClr val="tx1"/>
-                </a:solidFill>
-                <a:miter lim="800000"/>
-                <a:headEnd/>
-                <a:tailEnd/>
-              </a14:hiddenLine>
-            </a:ext>
-          </a:extLst>
-        </p:spPr>
-      </p:pic>
-    </p:spTree>
-    <p:extLst>
-      <p:ext uri="{BB962C8B-B14F-4D97-AF65-F5344CB8AC3E}">
-        <p14:creationId xmlns:p14="http://schemas.microsoft.com/office/powerpoint/2010/main" val="2301672281"/>
-      </p:ext>
-    </p:extLst>
-  </p:cSld>
-  <p:clrMapOvr>
-    <a:masterClrMapping/>
-  </p:clrMapOvr>
-  <p:timing>
-    <p:tnLst>
-      <p:par>
-        <p:cTn id="1" dur="indefinite" restart="never" nodeType="tmRoot"/>
-      </p:par>
-    </p:tnLst>
-  </p:timing>
-</p:sld>
-</file>
-
-<file path=ppt/slides/slide6.xml><?xml version="1.0" encoding="utf-8"?>
 <p:sld xmlns:a="http://schemas.openxmlformats.org/drawingml/2006/main" xmlns:r="http://schemas.openxmlformats.org/officeDocument/2006/relationships" xmlns:p="http://schemas.openxmlformats.org/presentationml/2006/main">
   <p:cSld>
     <p:spTree>
@@ -10206,6 +10069,135 @@
 </p:sld>
 </file>
 
+<file path=ppt/slides/slide6.xml><?xml version="1.0" encoding="utf-8"?>
+<p:sld xmlns:a="http://schemas.openxmlformats.org/drawingml/2006/main" xmlns:r="http://schemas.openxmlformats.org/officeDocument/2006/relationships" xmlns:p="http://schemas.openxmlformats.org/presentationml/2006/main">
+  <p:cSld>
+    <p:spTree>
+      <p:nvGrpSpPr>
+        <p:cNvPr id="1" name=""/>
+        <p:cNvGrpSpPr/>
+        <p:nvPr/>
+      </p:nvGrpSpPr>
+      <p:grpSpPr>
+        <a:xfrm>
+          <a:off x="0" y="0"/>
+          <a:ext cx="0" cy="0"/>
+          <a:chOff x="0" y="0"/>
+          <a:chExt cx="0" cy="0"/>
+        </a:xfrm>
+      </p:grpSpPr>
+      <p:sp>
+        <p:nvSpPr>
+          <p:cNvPr id="5" name="2 Título"/>
+          <p:cNvSpPr>
+            <a:spLocks noGrp="1"/>
+          </p:cNvSpPr>
+          <p:nvPr>
+            <p:ph type="title"/>
+          </p:nvPr>
+        </p:nvSpPr>
+        <p:spPr>
+          <a:xfrm>
+            <a:off x="179512" y="260648"/>
+            <a:ext cx="8712968" cy="844646"/>
+          </a:xfrm>
+        </p:spPr>
+        <p:txBody>
+          <a:bodyPr/>
+          <a:lstStyle/>
+          <a:p>
+            <a:r>
+              <a:rPr lang="es-PE" dirty="0" smtClean="0">
+                <a:solidFill>
+                  <a:srgbClr val="00823B"/>
+                </a:solidFill>
+              </a:rPr>
+              <a:t>Distribuir en Cada Sprint</a:t>
+            </a:r>
+            <a:endParaRPr lang="es-PE" dirty="0">
+              <a:solidFill>
+                <a:srgbClr val="00823B"/>
+              </a:solidFill>
+            </a:endParaRPr>
+          </a:p>
+        </p:txBody>
+      </p:sp>
+      <p:pic>
+        <p:nvPicPr>
+          <p:cNvPr id="4" name="Picture 2"/>
+          <p:cNvPicPr>
+            <a:picLocks noChangeAspect="1" noChangeArrowheads="1"/>
+          </p:cNvPicPr>
+          <p:nvPr/>
+        </p:nvPicPr>
+        <p:blipFill>
+          <a:blip r:embed="rId3">
+            <a:extLst>
+              <a:ext uri="{28A0092B-C50C-407E-A947-70E740481C1C}">
+                <a14:useLocalDpi xmlns:a14="http://schemas.microsoft.com/office/drawing/2010/main" val="0"/>
+              </a:ext>
+            </a:extLst>
+          </a:blip>
+          <a:srcRect/>
+          <a:stretch>
+            <a:fillRect/>
+          </a:stretch>
+        </p:blipFill>
+        <p:spPr bwMode="auto">
+          <a:xfrm>
+            <a:off x="1851281" y="1079292"/>
+            <a:ext cx="5441437" cy="5200886"/>
+          </a:xfrm>
+          <a:prstGeom prst="rect">
+            <a:avLst/>
+          </a:prstGeom>
+          <a:ln>
+            <a:noFill/>
+          </a:ln>
+          <a:effectLst>
+            <a:softEdge rad="112500"/>
+          </a:effectLst>
+          <a:extLst>
+            <a:ext uri="{909E8E84-426E-40DD-AFC4-6F175D3DCCD1}">
+              <a14:hiddenFill xmlns:a14="http://schemas.microsoft.com/office/drawing/2010/main">
+                <a:solidFill>
+                  <a:schemeClr val="accent1"/>
+                </a:solidFill>
+              </a14:hiddenFill>
+            </a:ext>
+            <a:ext uri="{91240B29-F687-4F45-9708-019B960494DF}">
+              <a14:hiddenLine xmlns:a14="http://schemas.microsoft.com/office/drawing/2010/main" w="9525">
+                <a:solidFill>
+                  <a:schemeClr val="tx1"/>
+                </a:solidFill>
+                <a:miter lim="800000"/>
+                <a:headEnd/>
+                <a:tailEnd/>
+              </a14:hiddenLine>
+            </a:ext>
+          </a:extLst>
+        </p:spPr>
+      </p:pic>
+    </p:spTree>
+    <p:extLst>
+      <p:ext uri="{BB962C8B-B14F-4D97-AF65-F5344CB8AC3E}">
+        <p14:creationId xmlns:p14="http://schemas.microsoft.com/office/powerpoint/2010/main" val="2301672281"/>
+      </p:ext>
+    </p:extLst>
+  </p:cSld>
+  <p:clrMapOvr>
+    <a:masterClrMapping/>
+  </p:clrMapOvr>
+  <p:timing>
+    <p:tnLst>
+      <p:par>
+        <p:cTn id="1" dur="indefinite" restart="never" nodeType="tmRoot"/>
+      </p:par>
+    </p:tnLst>
+  </p:timing>
+</p:sld>
+</file>
+
 <file path=ppt/slides/slide7.xml><?xml version="1.0" encoding="utf-8"?>
 <p:sld xmlns:a="http://schemas.openxmlformats.org/drawingml/2006/main" xmlns:r="http://schemas.openxmlformats.org/officeDocument/2006/relationships" xmlns:p="http://schemas.openxmlformats.org/presentationml/2006/main">
   <p:cSld>

--- a/Diapositivas/6. Legacy Code.pptx
+++ b/Diapositivas/6. Legacy Code.pptx
@@ -2,32 +2,31 @@
 <file path=ppt/presentation.xml><?xml version="1.0" encoding="utf-8"?>
 <p:presentation xmlns:a="http://schemas.openxmlformats.org/drawingml/2006/main" xmlns:r="http://schemas.openxmlformats.org/officeDocument/2006/relationships" xmlns:p="http://schemas.openxmlformats.org/presentationml/2006/main" saveSubsetFonts="1">
   <p:sldMasterIdLst>
-    <p:sldMasterId id="2147483684" r:id="rId1"/>
+    <p:sldMasterId id="2147483696" r:id="rId1"/>
   </p:sldMasterIdLst>
   <p:notesMasterIdLst>
-    <p:notesMasterId r:id="rId22"/>
+    <p:notesMasterId r:id="rId21"/>
   </p:notesMasterIdLst>
   <p:sldIdLst>
-    <p:sldId id="684" r:id="rId2"/>
-    <p:sldId id="629" r:id="rId3"/>
-    <p:sldId id="632" r:id="rId4"/>
-    <p:sldId id="633" r:id="rId5"/>
-    <p:sldId id="699" r:id="rId6"/>
-    <p:sldId id="698" r:id="rId7"/>
-    <p:sldId id="686" r:id="rId8"/>
-    <p:sldId id="687" r:id="rId9"/>
-    <p:sldId id="688" r:id="rId10"/>
-    <p:sldId id="689" r:id="rId11"/>
-    <p:sldId id="690" r:id="rId12"/>
-    <p:sldId id="691" r:id="rId13"/>
-    <p:sldId id="692" r:id="rId14"/>
-    <p:sldId id="693" r:id="rId15"/>
-    <p:sldId id="694" r:id="rId16"/>
-    <p:sldId id="695" r:id="rId17"/>
-    <p:sldId id="696" r:id="rId18"/>
-    <p:sldId id="697" r:id="rId19"/>
-    <p:sldId id="700" r:id="rId20"/>
-    <p:sldId id="701" r:id="rId21"/>
+    <p:sldId id="629" r:id="rId2"/>
+    <p:sldId id="632" r:id="rId3"/>
+    <p:sldId id="633" r:id="rId4"/>
+    <p:sldId id="699" r:id="rId5"/>
+    <p:sldId id="698" r:id="rId6"/>
+    <p:sldId id="686" r:id="rId7"/>
+    <p:sldId id="687" r:id="rId8"/>
+    <p:sldId id="688" r:id="rId9"/>
+    <p:sldId id="689" r:id="rId10"/>
+    <p:sldId id="690" r:id="rId11"/>
+    <p:sldId id="691" r:id="rId12"/>
+    <p:sldId id="692" r:id="rId13"/>
+    <p:sldId id="693" r:id="rId14"/>
+    <p:sldId id="694" r:id="rId15"/>
+    <p:sldId id="695" r:id="rId16"/>
+    <p:sldId id="696" r:id="rId17"/>
+    <p:sldId id="697" r:id="rId18"/>
+    <p:sldId id="700" r:id="rId19"/>
+    <p:sldId id="701" r:id="rId20"/>
   </p:sldIdLst>
   <p:sldSz cx="9144000" cy="6858000" type="screen4x3"/>
   <p:notesSz cx="6858000" cy="9144000"/>
@@ -218,7 +217,7 @@
           <a:p>
             <a:fld id="{63D5FC4C-9EE1-4746-A368-724F618FC790}" type="datetimeFigureOut">
               <a:rPr lang="es-PE" smtClean="0"/>
-              <a:t>11/12/2013</a:t>
+              <a:t>10/10/14</a:t>
             </a:fld>
             <a:endParaRPr lang="es-PE"/>
           </a:p>
@@ -377,7 +376,7 @@
           <a:p>
             <a:fld id="{96DE5A63-0F1F-4DC0-ADE0-CC17EBA6F230}" type="slidenum">
               <a:rPr lang="es-PE" smtClean="0"/>
-              <a:t>‹Nº›</a:t>
+              <a:t>‹#›</a:t>
             </a:fld>
             <a:endParaRPr lang="es-PE"/>
           </a:p>
@@ -549,7 +548,7 @@
           <a:bodyPr/>
           <a:lstStyle/>
           <a:p>
-            <a:fld id="{80C14895-23C8-45AE-85D5-3B35E5980A68}" type="slidenum">
+            <a:fld id="{96DE5A63-0F1F-4DC0-ADE0-CC17EBA6F230}" type="slidenum">
               <a:rPr lang="es-PE" smtClean="0"/>
               <a:t>1</a:t>
             </a:fld>
@@ -560,7 +559,7 @@
     </p:spTree>
     <p:extLst>
       <p:ext uri="{BB962C8B-B14F-4D97-AF65-F5344CB8AC3E}">
-        <p14:creationId xmlns:p14="http://schemas.microsoft.com/office/powerpoint/2010/main" val="3432092158"/>
+        <p14:creationId xmlns:p14="http://schemas.microsoft.com/office/powerpoint/2010/main" val="1461112982"/>
       </p:ext>
     </p:extLst>
   </p:cSld>
@@ -614,12 +613,7 @@
           <a:bodyPr/>
           <a:lstStyle/>
           <a:p>
-            <a:pPr rtl="0"/>
-            <a:endParaRPr lang="es-PE" sz="1200" dirty="0" smtClean="0">
-              <a:solidFill>
-                <a:srgbClr val="FF0000"/>
-              </a:solidFill>
-            </a:endParaRPr>
+            <a:endParaRPr lang="es-PE" dirty="0"/>
           </a:p>
         </p:txBody>
       </p:sp>
@@ -1478,93 +1472,9 @@
           <a:bodyPr/>
           <a:lstStyle/>
           <a:p>
-            <a:fld id="{96DE5A63-0F1F-4DC0-ADE0-CC17EBA6F230}" type="slidenum">
+            <a:fld id="{80C14895-23C8-45AE-85D5-3B35E5980A68}" type="slidenum">
               <a:rPr lang="es-PE" smtClean="0"/>
               <a:t>2</a:t>
-            </a:fld>
-            <a:endParaRPr lang="es-PE"/>
-          </a:p>
-        </p:txBody>
-      </p:sp>
-    </p:spTree>
-    <p:extLst>
-      <p:ext uri="{BB962C8B-B14F-4D97-AF65-F5344CB8AC3E}">
-        <p14:creationId xmlns:p14="http://schemas.microsoft.com/office/powerpoint/2010/main" val="1461112982"/>
-      </p:ext>
-    </p:extLst>
-  </p:cSld>
-  <p:clrMapOvr>
-    <a:masterClrMapping/>
-  </p:clrMapOvr>
-</p:notes>
-</file>
-
-<file path=ppt/notesSlides/notesSlide20.xml><?xml version="1.0" encoding="utf-8"?>
-<p:notes xmlns:a="http://schemas.openxmlformats.org/drawingml/2006/main" xmlns:r="http://schemas.openxmlformats.org/officeDocument/2006/relationships" xmlns:p="http://schemas.openxmlformats.org/presentationml/2006/main">
-  <p:cSld>
-    <p:spTree>
-      <p:nvGrpSpPr>
-        <p:cNvPr id="1" name=""/>
-        <p:cNvGrpSpPr/>
-        <p:nvPr/>
-      </p:nvGrpSpPr>
-      <p:grpSpPr>
-        <a:xfrm>
-          <a:off x="0" y="0"/>
-          <a:ext cx="0" cy="0"/>
-          <a:chOff x="0" y="0"/>
-          <a:chExt cx="0" cy="0"/>
-        </a:xfrm>
-      </p:grpSpPr>
-      <p:sp>
-        <p:nvSpPr>
-          <p:cNvPr id="2" name="1 Marcador de imagen de diapositiva"/>
-          <p:cNvSpPr>
-            <a:spLocks noGrp="1" noRot="1" noChangeAspect="1"/>
-          </p:cNvSpPr>
-          <p:nvPr>
-            <p:ph type="sldImg"/>
-          </p:nvPr>
-        </p:nvSpPr>
-        <p:spPr/>
-      </p:sp>
-      <p:sp>
-        <p:nvSpPr>
-          <p:cNvPr id="3" name="2 Marcador de notas"/>
-          <p:cNvSpPr>
-            <a:spLocks noGrp="1"/>
-          </p:cNvSpPr>
-          <p:nvPr>
-            <p:ph type="body" idx="1"/>
-          </p:nvPr>
-        </p:nvSpPr>
-        <p:spPr/>
-        <p:txBody>
-          <a:bodyPr/>
-          <a:lstStyle/>
-          <a:p>
-            <a:endParaRPr lang="es-PE" dirty="0"/>
-          </a:p>
-        </p:txBody>
-      </p:sp>
-      <p:sp>
-        <p:nvSpPr>
-          <p:cNvPr id="4" name="3 Marcador de número de diapositiva"/>
-          <p:cNvSpPr>
-            <a:spLocks noGrp="1"/>
-          </p:cNvSpPr>
-          <p:nvPr>
-            <p:ph type="sldNum" sz="quarter" idx="10"/>
-          </p:nvPr>
-        </p:nvSpPr>
-        <p:spPr/>
-        <p:txBody>
-          <a:bodyPr/>
-          <a:lstStyle/>
-          <a:p>
-            <a:fld id="{80C14895-23C8-45AE-85D5-3B35E5980A68}" type="slidenum">
-              <a:rPr lang="es-PE" smtClean="0"/>
-              <a:t>20</a:t>
             </a:fld>
             <a:endParaRPr lang="es-PE"/>
           </a:p>
@@ -1627,7 +1537,12 @@
           <a:bodyPr/>
           <a:lstStyle/>
           <a:p>
-            <a:endParaRPr lang="es-PE" dirty="0"/>
+            <a:pPr rtl="0"/>
+            <a:endParaRPr lang="es-PE" sz="1200" dirty="0" smtClean="0">
+              <a:solidFill>
+                <a:srgbClr val="FF0000"/>
+              </a:solidFill>
+            </a:endParaRPr>
           </a:p>
         </p:txBody>
       </p:sp>
@@ -2203,7 +2118,7 @@
 
 <file path=ppt/slideLayouts/slideLayout1.xml><?xml version="1.0" encoding="utf-8"?>
 <p:sldLayout xmlns:a="http://schemas.openxmlformats.org/drawingml/2006/main" xmlns:r="http://schemas.openxmlformats.org/officeDocument/2006/relationships" xmlns:p="http://schemas.openxmlformats.org/presentationml/2006/main" type="title" preserve="1">
-  <p:cSld name="Diapositiva de título">
+  <p:cSld name="Title Slide">
     <p:spTree>
       <p:nvGrpSpPr>
         <p:cNvPr id="1" name=""/>
@@ -2220,7 +2135,7 @@
       </p:grpSpPr>
       <p:sp>
         <p:nvSpPr>
-          <p:cNvPr id="2" name="1 Título"/>
+          <p:cNvPr id="2" name="Title 1"/>
           <p:cNvSpPr>
             <a:spLocks noGrp="1"/>
           </p:cNvSpPr>
@@ -2230,7 +2145,7 @@
         </p:nvSpPr>
         <p:spPr>
           <a:xfrm>
-            <a:off x="685800" y="2130428"/>
+            <a:off x="685800" y="2130425"/>
             <a:ext cx="7772400" cy="1470025"/>
           </a:xfrm>
         </p:spPr>
@@ -2239,8 +2154,8 @@
           <a:lstStyle/>
           <a:p>
             <a:r>
-              <a:rPr lang="es-ES" smtClean="0"/>
-              <a:t>Haga clic para modificar el estilo de título del patrón</a:t>
+              <a:rPr lang="en-US" smtClean="0"/>
+              <a:t>Click to edit Master title style</a:t>
             </a:r>
             <a:endParaRPr lang="es-ES"/>
           </a:p>
@@ -2248,7 +2163,7 @@
       </p:sp>
       <p:sp>
         <p:nvSpPr>
-          <p:cNvPr id="3" name="2 Subtítulo"/>
+          <p:cNvPr id="3" name="Subtitle 2"/>
           <p:cNvSpPr>
             <a:spLocks noGrp="1"/>
           </p:cNvSpPr>
@@ -2358,8 +2273,8 @@
           </a:lstStyle>
           <a:p>
             <a:r>
-              <a:rPr lang="es-ES" smtClean="0"/>
-              <a:t>Haga clic para modificar el estilo de subtítulo del patrón</a:t>
+              <a:rPr lang="en-US" smtClean="0"/>
+              <a:t>Click to edit Master subtitle style</a:t>
             </a:r>
             <a:endParaRPr lang="es-ES"/>
           </a:p>
@@ -2367,7 +2282,7 @@
       </p:sp>
       <p:sp>
         <p:nvSpPr>
-          <p:cNvPr id="4" name="3 Marcador de fecha"/>
+          <p:cNvPr id="4" name="Date Placeholder 3"/>
           <p:cNvSpPr>
             <a:spLocks noGrp="1"/>
           </p:cNvSpPr>
@@ -2378,16 +2293,12 @@
         <p:spPr/>
         <p:txBody>
           <a:bodyPr/>
-          <a:lstStyle>
-            <a:lvl1pPr>
-              <a:defRPr/>
-            </a:lvl1pPr>
-          </a:lstStyle>
+          <a:lstStyle/>
           <a:p>
             <a:fld id="{807CB568-C05F-482F-9F26-AA302B8892DF}" type="datetimeFigureOut">
               <a:rPr lang="es-ES" smtClean="0"/>
               <a:pPr/>
-              <a:t>11/12/2013</a:t>
+              <a:t>10/10/14</a:t>
             </a:fld>
             <a:endParaRPr lang="es-ES"/>
           </a:p>
@@ -2395,7 +2306,7 @@
       </p:sp>
       <p:sp>
         <p:nvSpPr>
-          <p:cNvPr id="5" name="4 Marcador de pie de página"/>
+          <p:cNvPr id="5" name="Footer Placeholder 4"/>
           <p:cNvSpPr>
             <a:spLocks noGrp="1"/>
           </p:cNvSpPr>
@@ -2406,11 +2317,7 @@
         <p:spPr/>
         <p:txBody>
           <a:bodyPr/>
-          <a:lstStyle>
-            <a:lvl1pPr>
-              <a:defRPr/>
-            </a:lvl1pPr>
-          </a:lstStyle>
+          <a:lstStyle/>
           <a:p>
             <a:endParaRPr lang="es-ES"/>
           </a:p>
@@ -2418,7 +2325,7 @@
       </p:sp>
       <p:sp>
         <p:nvSpPr>
-          <p:cNvPr id="6" name="5 Marcador de número de diapositiva"/>
+          <p:cNvPr id="6" name="Slide Number Placeholder 5"/>
           <p:cNvSpPr>
             <a:spLocks noGrp="1"/>
           </p:cNvSpPr>
@@ -2429,22 +2336,23 @@
         <p:spPr/>
         <p:txBody>
           <a:bodyPr/>
-          <a:lstStyle>
-            <a:lvl1pPr>
-              <a:defRPr/>
-            </a:lvl1pPr>
-          </a:lstStyle>
+          <a:lstStyle/>
           <a:p>
             <a:fld id="{50178587-63F8-41F6-AE39-05E613E840AE}" type="slidenum">
               <a:rPr lang="es-ES" smtClean="0"/>
               <a:pPr/>
-              <a:t>‹Nº›</a:t>
+              <a:t>‹#›</a:t>
             </a:fld>
             <a:endParaRPr lang="es-ES"/>
           </a:p>
         </p:txBody>
       </p:sp>
     </p:spTree>
+    <p:extLst>
+      <p:ext uri="{BB962C8B-B14F-4D97-AF65-F5344CB8AC3E}">
+        <p14:creationId xmlns:p14="http://schemas.microsoft.com/office/powerpoint/2010/main" val="3766403422"/>
+      </p:ext>
+    </p:extLst>
   </p:cSld>
   <p:clrMapOvr>
     <a:masterClrMapping/>
@@ -2454,7 +2362,7 @@
 
 <file path=ppt/slideLayouts/slideLayout10.xml><?xml version="1.0" encoding="utf-8"?>
 <p:sldLayout xmlns:a="http://schemas.openxmlformats.org/drawingml/2006/main" xmlns:r="http://schemas.openxmlformats.org/officeDocument/2006/relationships" xmlns:p="http://schemas.openxmlformats.org/presentationml/2006/main" type="vertTx" preserve="1">
-  <p:cSld name="Título y texto vertical">
+  <p:cSld name="Title and Vertical Text">
     <p:spTree>
       <p:nvGrpSpPr>
         <p:cNvPr id="1" name=""/>
@@ -2471,7 +2379,7 @@
       </p:grpSpPr>
       <p:sp>
         <p:nvSpPr>
-          <p:cNvPr id="2" name="1 Título"/>
+          <p:cNvPr id="2" name="Title 1"/>
           <p:cNvSpPr>
             <a:spLocks noGrp="1"/>
           </p:cNvSpPr>
@@ -2485,8 +2393,8 @@
           <a:lstStyle/>
           <a:p>
             <a:r>
-              <a:rPr lang="es-ES" smtClean="0"/>
-              <a:t>Haga clic para modificar el estilo de título del patrón</a:t>
+              <a:rPr lang="en-US" smtClean="0"/>
+              <a:t>Click to edit Master title style</a:t>
             </a:r>
             <a:endParaRPr lang="es-ES"/>
           </a:p>
@@ -2494,7 +2402,7 @@
       </p:sp>
       <p:sp>
         <p:nvSpPr>
-          <p:cNvPr id="3" name="2 Marcador de texto vertical"/>
+          <p:cNvPr id="3" name="Vertical Text Placeholder 2"/>
           <p:cNvSpPr>
             <a:spLocks noGrp="1"/>
           </p:cNvSpPr>
@@ -2509,36 +2417,36 @@
           <a:p>
             <a:pPr lvl="0"/>
             <a:r>
-              <a:rPr lang="es-ES" smtClean="0"/>
-              <a:t>Haga clic para modificar el estilo de texto del patrón</a:t>
+              <a:rPr lang="en-US" smtClean="0"/>
+              <a:t>Click to edit Master text styles</a:t>
             </a:r>
           </a:p>
           <a:p>
             <a:pPr lvl="1"/>
             <a:r>
-              <a:rPr lang="es-ES" smtClean="0"/>
-              <a:t>Segundo nivel</a:t>
+              <a:rPr lang="en-US" smtClean="0"/>
+              <a:t>Second level</a:t>
             </a:r>
           </a:p>
           <a:p>
             <a:pPr lvl="2"/>
             <a:r>
-              <a:rPr lang="es-ES" smtClean="0"/>
-              <a:t>Tercer nivel</a:t>
+              <a:rPr lang="en-US" smtClean="0"/>
+              <a:t>Third level</a:t>
             </a:r>
           </a:p>
           <a:p>
             <a:pPr lvl="3"/>
             <a:r>
-              <a:rPr lang="es-ES" smtClean="0"/>
-              <a:t>Cuarto nivel</a:t>
+              <a:rPr lang="en-US" smtClean="0"/>
+              <a:t>Fourth level</a:t>
             </a:r>
           </a:p>
           <a:p>
             <a:pPr lvl="4"/>
             <a:r>
-              <a:rPr lang="es-ES" smtClean="0"/>
-              <a:t>Quinto nivel</a:t>
+              <a:rPr lang="en-US" smtClean="0"/>
+              <a:t>Fifth level</a:t>
             </a:r>
             <a:endParaRPr lang="es-ES"/>
           </a:p>
@@ -2546,7 +2454,7 @@
       </p:sp>
       <p:sp>
         <p:nvSpPr>
-          <p:cNvPr id="4" name="3 Marcador de fecha"/>
+          <p:cNvPr id="4" name="Date Placeholder 3"/>
           <p:cNvSpPr>
             <a:spLocks noGrp="1"/>
           </p:cNvSpPr>
@@ -2557,16 +2465,12 @@
         <p:spPr/>
         <p:txBody>
           <a:bodyPr/>
-          <a:lstStyle>
-            <a:lvl1pPr>
-              <a:defRPr/>
-            </a:lvl1pPr>
-          </a:lstStyle>
+          <a:lstStyle/>
           <a:p>
             <a:fld id="{807CB568-C05F-482F-9F26-AA302B8892DF}" type="datetimeFigureOut">
               <a:rPr lang="es-ES" smtClean="0"/>
               <a:pPr/>
-              <a:t>11/12/2013</a:t>
+              <a:t>10/10/14</a:t>
             </a:fld>
             <a:endParaRPr lang="es-ES"/>
           </a:p>
@@ -2574,7 +2478,7 @@
       </p:sp>
       <p:sp>
         <p:nvSpPr>
-          <p:cNvPr id="5" name="4 Marcador de pie de página"/>
+          <p:cNvPr id="5" name="Footer Placeholder 4"/>
           <p:cNvSpPr>
             <a:spLocks noGrp="1"/>
           </p:cNvSpPr>
@@ -2585,11 +2489,7 @@
         <p:spPr/>
         <p:txBody>
           <a:bodyPr/>
-          <a:lstStyle>
-            <a:lvl1pPr>
-              <a:defRPr/>
-            </a:lvl1pPr>
-          </a:lstStyle>
+          <a:lstStyle/>
           <a:p>
             <a:endParaRPr lang="es-ES"/>
           </a:p>
@@ -2597,7 +2497,7 @@
       </p:sp>
       <p:sp>
         <p:nvSpPr>
-          <p:cNvPr id="6" name="5 Marcador de número de diapositiva"/>
+          <p:cNvPr id="6" name="Slide Number Placeholder 5"/>
           <p:cNvSpPr>
             <a:spLocks noGrp="1"/>
           </p:cNvSpPr>
@@ -2608,22 +2508,23 @@
         <p:spPr/>
         <p:txBody>
           <a:bodyPr/>
-          <a:lstStyle>
-            <a:lvl1pPr>
-              <a:defRPr/>
-            </a:lvl1pPr>
-          </a:lstStyle>
+          <a:lstStyle/>
           <a:p>
             <a:fld id="{50178587-63F8-41F6-AE39-05E613E840AE}" type="slidenum">
               <a:rPr lang="es-ES" smtClean="0"/>
               <a:pPr/>
-              <a:t>‹Nº›</a:t>
+              <a:t>‹#›</a:t>
             </a:fld>
             <a:endParaRPr lang="es-ES"/>
           </a:p>
         </p:txBody>
       </p:sp>
     </p:spTree>
+    <p:extLst>
+      <p:ext uri="{BB962C8B-B14F-4D97-AF65-F5344CB8AC3E}">
+        <p14:creationId xmlns:p14="http://schemas.microsoft.com/office/powerpoint/2010/main" val="3378534173"/>
+      </p:ext>
+    </p:extLst>
   </p:cSld>
   <p:clrMapOvr>
     <a:masterClrMapping/>
@@ -2633,7 +2534,7 @@
 
 <file path=ppt/slideLayouts/slideLayout11.xml><?xml version="1.0" encoding="utf-8"?>
 <p:sldLayout xmlns:a="http://schemas.openxmlformats.org/drawingml/2006/main" xmlns:r="http://schemas.openxmlformats.org/officeDocument/2006/relationships" xmlns:p="http://schemas.openxmlformats.org/presentationml/2006/main" type="vertTitleAndTx" preserve="1">
-  <p:cSld name="Título vertical y texto">
+  <p:cSld name="Vertical Title and Text">
     <p:spTree>
       <p:nvGrpSpPr>
         <p:cNvPr id="1" name=""/>
@@ -2650,7 +2551,7 @@
       </p:grpSpPr>
       <p:sp>
         <p:nvSpPr>
-          <p:cNvPr id="2" name="1 Título vertical"/>
+          <p:cNvPr id="2" name="Vertical Title 1"/>
           <p:cNvSpPr>
             <a:spLocks noGrp="1"/>
           </p:cNvSpPr>
@@ -2660,7 +2561,7 @@
         </p:nvSpPr>
         <p:spPr>
           <a:xfrm>
-            <a:off x="6629400" y="274641"/>
+            <a:off x="6629400" y="274638"/>
             <a:ext cx="2057400" cy="5851525"/>
           </a:xfrm>
         </p:spPr>
@@ -2669,8 +2570,8 @@
           <a:lstStyle/>
           <a:p>
             <a:r>
-              <a:rPr lang="es-ES" smtClean="0"/>
-              <a:t>Haga clic para modificar el estilo de título del patrón</a:t>
+              <a:rPr lang="en-US" smtClean="0"/>
+              <a:t>Click to edit Master title style</a:t>
             </a:r>
             <a:endParaRPr lang="es-ES"/>
           </a:p>
@@ -2678,7 +2579,7 @@
       </p:sp>
       <p:sp>
         <p:nvSpPr>
-          <p:cNvPr id="3" name="2 Marcador de texto vertical"/>
+          <p:cNvPr id="3" name="Vertical Text Placeholder 2"/>
           <p:cNvSpPr>
             <a:spLocks noGrp="1"/>
           </p:cNvSpPr>
@@ -2688,7 +2589,7 @@
         </p:nvSpPr>
         <p:spPr>
           <a:xfrm>
-            <a:off x="457200" y="274641"/>
+            <a:off x="457200" y="274638"/>
             <a:ext cx="6019800" cy="5851525"/>
           </a:xfrm>
         </p:spPr>
@@ -2698,36 +2599,36 @@
           <a:p>
             <a:pPr lvl="0"/>
             <a:r>
-              <a:rPr lang="es-ES" smtClean="0"/>
-              <a:t>Haga clic para modificar el estilo de texto del patrón</a:t>
+              <a:rPr lang="en-US" smtClean="0"/>
+              <a:t>Click to edit Master text styles</a:t>
             </a:r>
           </a:p>
           <a:p>
             <a:pPr lvl="1"/>
             <a:r>
-              <a:rPr lang="es-ES" smtClean="0"/>
-              <a:t>Segundo nivel</a:t>
+              <a:rPr lang="en-US" smtClean="0"/>
+              <a:t>Second level</a:t>
             </a:r>
           </a:p>
           <a:p>
             <a:pPr lvl="2"/>
             <a:r>
-              <a:rPr lang="es-ES" smtClean="0"/>
-              <a:t>Tercer nivel</a:t>
+              <a:rPr lang="en-US" smtClean="0"/>
+              <a:t>Third level</a:t>
             </a:r>
           </a:p>
           <a:p>
             <a:pPr lvl="3"/>
             <a:r>
-              <a:rPr lang="es-ES" smtClean="0"/>
-              <a:t>Cuarto nivel</a:t>
+              <a:rPr lang="en-US" smtClean="0"/>
+              <a:t>Fourth level</a:t>
             </a:r>
           </a:p>
           <a:p>
             <a:pPr lvl="4"/>
             <a:r>
-              <a:rPr lang="es-ES" smtClean="0"/>
-              <a:t>Quinto nivel</a:t>
+              <a:rPr lang="en-US" smtClean="0"/>
+              <a:t>Fifth level</a:t>
             </a:r>
             <a:endParaRPr lang="es-ES"/>
           </a:p>
@@ -2735,7 +2636,7 @@
       </p:sp>
       <p:sp>
         <p:nvSpPr>
-          <p:cNvPr id="4" name="3 Marcador de fecha"/>
+          <p:cNvPr id="4" name="Date Placeholder 3"/>
           <p:cNvSpPr>
             <a:spLocks noGrp="1"/>
           </p:cNvSpPr>
@@ -2746,16 +2647,12 @@
         <p:spPr/>
         <p:txBody>
           <a:bodyPr/>
-          <a:lstStyle>
-            <a:lvl1pPr>
-              <a:defRPr/>
-            </a:lvl1pPr>
-          </a:lstStyle>
+          <a:lstStyle/>
           <a:p>
             <a:fld id="{807CB568-C05F-482F-9F26-AA302B8892DF}" type="datetimeFigureOut">
               <a:rPr lang="es-ES" smtClean="0"/>
               <a:pPr/>
-              <a:t>11/12/2013</a:t>
+              <a:t>10/10/14</a:t>
             </a:fld>
             <a:endParaRPr lang="es-ES"/>
           </a:p>
@@ -2763,7 +2660,7 @@
       </p:sp>
       <p:sp>
         <p:nvSpPr>
-          <p:cNvPr id="5" name="4 Marcador de pie de página"/>
+          <p:cNvPr id="5" name="Footer Placeholder 4"/>
           <p:cNvSpPr>
             <a:spLocks noGrp="1"/>
           </p:cNvSpPr>
@@ -2774,11 +2671,7 @@
         <p:spPr/>
         <p:txBody>
           <a:bodyPr/>
-          <a:lstStyle>
-            <a:lvl1pPr>
-              <a:defRPr/>
-            </a:lvl1pPr>
-          </a:lstStyle>
+          <a:lstStyle/>
           <a:p>
             <a:endParaRPr lang="es-ES"/>
           </a:p>
@@ -2786,7 +2679,7 @@
       </p:sp>
       <p:sp>
         <p:nvSpPr>
-          <p:cNvPr id="6" name="5 Marcador de número de diapositiva"/>
+          <p:cNvPr id="6" name="Slide Number Placeholder 5"/>
           <p:cNvSpPr>
             <a:spLocks noGrp="1"/>
           </p:cNvSpPr>
@@ -2797,22 +2690,23 @@
         <p:spPr/>
         <p:txBody>
           <a:bodyPr/>
-          <a:lstStyle>
-            <a:lvl1pPr>
-              <a:defRPr/>
-            </a:lvl1pPr>
-          </a:lstStyle>
+          <a:lstStyle/>
           <a:p>
             <a:fld id="{50178587-63F8-41F6-AE39-05E613E840AE}" type="slidenum">
               <a:rPr lang="es-ES" smtClean="0"/>
               <a:pPr/>
-              <a:t>‹Nº›</a:t>
+              <a:t>‹#›</a:t>
             </a:fld>
             <a:endParaRPr lang="es-ES"/>
           </a:p>
         </p:txBody>
       </p:sp>
     </p:spTree>
+    <p:extLst>
+      <p:ext uri="{BB962C8B-B14F-4D97-AF65-F5344CB8AC3E}">
+        <p14:creationId xmlns:p14="http://schemas.microsoft.com/office/powerpoint/2010/main" val="852048455"/>
+      </p:ext>
+    </p:extLst>
   </p:cSld>
   <p:clrMapOvr>
     <a:masterClrMapping/>
@@ -2822,7 +2716,7 @@
 
 <file path=ppt/slideLayouts/slideLayout2.xml><?xml version="1.0" encoding="utf-8"?>
 <p:sldLayout xmlns:a="http://schemas.openxmlformats.org/drawingml/2006/main" xmlns:r="http://schemas.openxmlformats.org/officeDocument/2006/relationships" xmlns:p="http://schemas.openxmlformats.org/presentationml/2006/main" type="obj" preserve="1">
-  <p:cSld name="Título y objetos">
+  <p:cSld name="Title and Content">
     <p:spTree>
       <p:nvGrpSpPr>
         <p:cNvPr id="1" name=""/>
@@ -2839,7 +2733,7 @@
       </p:grpSpPr>
       <p:sp>
         <p:nvSpPr>
-          <p:cNvPr id="2" name="1 Título"/>
+          <p:cNvPr id="2" name="Title 1"/>
           <p:cNvSpPr>
             <a:spLocks noGrp="1"/>
           </p:cNvSpPr>
@@ -2853,8 +2747,8 @@
           <a:lstStyle/>
           <a:p>
             <a:r>
-              <a:rPr lang="es-ES" smtClean="0"/>
-              <a:t>Haga clic para modificar el estilo de título del patrón</a:t>
+              <a:rPr lang="en-US" smtClean="0"/>
+              <a:t>Click to edit Master title style</a:t>
             </a:r>
             <a:endParaRPr lang="es-ES"/>
           </a:p>
@@ -2862,7 +2756,7 @@
       </p:sp>
       <p:sp>
         <p:nvSpPr>
-          <p:cNvPr id="3" name="2 Marcador de contenido"/>
+          <p:cNvPr id="3" name="Content Placeholder 2"/>
           <p:cNvSpPr>
             <a:spLocks noGrp="1"/>
           </p:cNvSpPr>
@@ -2877,36 +2771,36 @@
           <a:p>
             <a:pPr lvl="0"/>
             <a:r>
-              <a:rPr lang="es-ES" smtClean="0"/>
-              <a:t>Haga clic para modificar el estilo de texto del patrón</a:t>
+              <a:rPr lang="en-US" smtClean="0"/>
+              <a:t>Click to edit Master text styles</a:t>
             </a:r>
           </a:p>
           <a:p>
             <a:pPr lvl="1"/>
             <a:r>
-              <a:rPr lang="es-ES" smtClean="0"/>
-              <a:t>Segundo nivel</a:t>
+              <a:rPr lang="en-US" smtClean="0"/>
+              <a:t>Second level</a:t>
             </a:r>
           </a:p>
           <a:p>
             <a:pPr lvl="2"/>
             <a:r>
-              <a:rPr lang="es-ES" smtClean="0"/>
-              <a:t>Tercer nivel</a:t>
+              <a:rPr lang="en-US" smtClean="0"/>
+              <a:t>Third level</a:t>
             </a:r>
           </a:p>
           <a:p>
             <a:pPr lvl="3"/>
             <a:r>
-              <a:rPr lang="es-ES" smtClean="0"/>
-              <a:t>Cuarto nivel</a:t>
+              <a:rPr lang="en-US" smtClean="0"/>
+              <a:t>Fourth level</a:t>
             </a:r>
           </a:p>
           <a:p>
             <a:pPr lvl="4"/>
             <a:r>
-              <a:rPr lang="es-ES" smtClean="0"/>
-              <a:t>Quinto nivel</a:t>
+              <a:rPr lang="en-US" smtClean="0"/>
+              <a:t>Fifth level</a:t>
             </a:r>
             <a:endParaRPr lang="es-ES"/>
           </a:p>
@@ -2914,7 +2808,7 @@
       </p:sp>
       <p:sp>
         <p:nvSpPr>
-          <p:cNvPr id="4" name="3 Marcador de fecha"/>
+          <p:cNvPr id="4" name="Date Placeholder 3"/>
           <p:cNvSpPr>
             <a:spLocks noGrp="1"/>
           </p:cNvSpPr>
@@ -2925,16 +2819,12 @@
         <p:spPr/>
         <p:txBody>
           <a:bodyPr/>
-          <a:lstStyle>
-            <a:lvl1pPr>
-              <a:defRPr/>
-            </a:lvl1pPr>
-          </a:lstStyle>
+          <a:lstStyle/>
           <a:p>
             <a:fld id="{807CB568-C05F-482F-9F26-AA302B8892DF}" type="datetimeFigureOut">
               <a:rPr lang="es-ES" smtClean="0"/>
               <a:pPr/>
-              <a:t>11/12/2013</a:t>
+              <a:t>10/10/14</a:t>
             </a:fld>
             <a:endParaRPr lang="es-ES"/>
           </a:p>
@@ -2942,7 +2832,7 @@
       </p:sp>
       <p:sp>
         <p:nvSpPr>
-          <p:cNvPr id="5" name="4 Marcador de pie de página"/>
+          <p:cNvPr id="5" name="Footer Placeholder 4"/>
           <p:cNvSpPr>
             <a:spLocks noGrp="1"/>
           </p:cNvSpPr>
@@ -2953,11 +2843,7 @@
         <p:spPr/>
         <p:txBody>
           <a:bodyPr/>
-          <a:lstStyle>
-            <a:lvl1pPr>
-              <a:defRPr/>
-            </a:lvl1pPr>
-          </a:lstStyle>
+          <a:lstStyle/>
           <a:p>
             <a:endParaRPr lang="es-ES"/>
           </a:p>
@@ -2965,7 +2851,7 @@
       </p:sp>
       <p:sp>
         <p:nvSpPr>
-          <p:cNvPr id="6" name="5 Marcador de número de diapositiva"/>
+          <p:cNvPr id="6" name="Slide Number Placeholder 5"/>
           <p:cNvSpPr>
             <a:spLocks noGrp="1"/>
           </p:cNvSpPr>
@@ -2976,22 +2862,23 @@
         <p:spPr/>
         <p:txBody>
           <a:bodyPr/>
-          <a:lstStyle>
-            <a:lvl1pPr>
-              <a:defRPr/>
-            </a:lvl1pPr>
-          </a:lstStyle>
+          <a:lstStyle/>
           <a:p>
             <a:fld id="{50178587-63F8-41F6-AE39-05E613E840AE}" type="slidenum">
               <a:rPr lang="es-ES" smtClean="0"/>
               <a:pPr/>
-              <a:t>‹Nº›</a:t>
+              <a:t>‹#›</a:t>
             </a:fld>
             <a:endParaRPr lang="es-ES"/>
           </a:p>
         </p:txBody>
       </p:sp>
     </p:spTree>
+    <p:extLst>
+      <p:ext uri="{BB962C8B-B14F-4D97-AF65-F5344CB8AC3E}">
+        <p14:creationId xmlns:p14="http://schemas.microsoft.com/office/powerpoint/2010/main" val="3360630980"/>
+      </p:ext>
+    </p:extLst>
   </p:cSld>
   <p:clrMapOvr>
     <a:masterClrMapping/>
@@ -3001,7 +2888,7 @@
 
 <file path=ppt/slideLayouts/slideLayout3.xml><?xml version="1.0" encoding="utf-8"?>
 <p:sldLayout xmlns:a="http://schemas.openxmlformats.org/drawingml/2006/main" xmlns:r="http://schemas.openxmlformats.org/officeDocument/2006/relationships" xmlns:p="http://schemas.openxmlformats.org/presentationml/2006/main" type="secHead" preserve="1">
-  <p:cSld name="Encabezado de sección">
+  <p:cSld name="Section Header">
     <p:spTree>
       <p:nvGrpSpPr>
         <p:cNvPr id="1" name=""/>
@@ -3018,7 +2905,7 @@
       </p:grpSpPr>
       <p:sp>
         <p:nvSpPr>
-          <p:cNvPr id="2" name="1 Título"/>
+          <p:cNvPr id="2" name="Title 1"/>
           <p:cNvSpPr>
             <a:spLocks noGrp="1"/>
           </p:cNvSpPr>
@@ -3028,7 +2915,7 @@
         </p:nvSpPr>
         <p:spPr>
           <a:xfrm>
-            <a:off x="722313" y="4406903"/>
+            <a:off x="722313" y="4406900"/>
             <a:ext cx="7772400" cy="1362075"/>
           </a:xfrm>
         </p:spPr>
@@ -3041,8 +2928,8 @@
           </a:lstStyle>
           <a:p>
             <a:r>
-              <a:rPr lang="es-ES" smtClean="0"/>
-              <a:t>Haga clic para modificar el estilo de título del patrón</a:t>
+              <a:rPr lang="en-US" smtClean="0"/>
+              <a:t>Click to edit Master title style</a:t>
             </a:r>
             <a:endParaRPr lang="es-ES"/>
           </a:p>
@@ -3050,7 +2937,7 @@
       </p:sp>
       <p:sp>
         <p:nvSpPr>
-          <p:cNvPr id="3" name="2 Marcador de texto"/>
+          <p:cNvPr id="3" name="Text Placeholder 2"/>
           <p:cNvSpPr>
             <a:spLocks noGrp="1"/>
           </p:cNvSpPr>
@@ -3161,15 +3048,15 @@
           <a:p>
             <a:pPr lvl="0"/>
             <a:r>
-              <a:rPr lang="es-ES" smtClean="0"/>
-              <a:t>Haga clic para modificar el estilo de texto del patrón</a:t>
-            </a:r>
-          </a:p>
-        </p:txBody>
-      </p:sp>
-      <p:sp>
-        <p:nvSpPr>
-          <p:cNvPr id="4" name="3 Marcador de fecha"/>
+              <a:rPr lang="en-US" smtClean="0"/>
+              <a:t>Click to edit Master text styles</a:t>
+            </a:r>
+          </a:p>
+        </p:txBody>
+      </p:sp>
+      <p:sp>
+        <p:nvSpPr>
+          <p:cNvPr id="4" name="Date Placeholder 3"/>
           <p:cNvSpPr>
             <a:spLocks noGrp="1"/>
           </p:cNvSpPr>
@@ -3180,16 +3067,12 @@
         <p:spPr/>
         <p:txBody>
           <a:bodyPr/>
-          <a:lstStyle>
-            <a:lvl1pPr>
-              <a:defRPr/>
-            </a:lvl1pPr>
-          </a:lstStyle>
+          <a:lstStyle/>
           <a:p>
             <a:fld id="{807CB568-C05F-482F-9F26-AA302B8892DF}" type="datetimeFigureOut">
               <a:rPr lang="es-ES" smtClean="0"/>
               <a:pPr/>
-              <a:t>11/12/2013</a:t>
+              <a:t>10/10/14</a:t>
             </a:fld>
             <a:endParaRPr lang="es-ES"/>
           </a:p>
@@ -3197,7 +3080,7 @@
       </p:sp>
       <p:sp>
         <p:nvSpPr>
-          <p:cNvPr id="5" name="4 Marcador de pie de página"/>
+          <p:cNvPr id="5" name="Footer Placeholder 4"/>
           <p:cNvSpPr>
             <a:spLocks noGrp="1"/>
           </p:cNvSpPr>
@@ -3208,11 +3091,7 @@
         <p:spPr/>
         <p:txBody>
           <a:bodyPr/>
-          <a:lstStyle>
-            <a:lvl1pPr>
-              <a:defRPr/>
-            </a:lvl1pPr>
-          </a:lstStyle>
+          <a:lstStyle/>
           <a:p>
             <a:endParaRPr lang="es-ES"/>
           </a:p>
@@ -3220,7 +3099,7 @@
       </p:sp>
       <p:sp>
         <p:nvSpPr>
-          <p:cNvPr id="6" name="5 Marcador de número de diapositiva"/>
+          <p:cNvPr id="6" name="Slide Number Placeholder 5"/>
           <p:cNvSpPr>
             <a:spLocks noGrp="1"/>
           </p:cNvSpPr>
@@ -3231,22 +3110,23 @@
         <p:spPr/>
         <p:txBody>
           <a:bodyPr/>
-          <a:lstStyle>
-            <a:lvl1pPr>
-              <a:defRPr/>
-            </a:lvl1pPr>
-          </a:lstStyle>
+          <a:lstStyle/>
           <a:p>
             <a:fld id="{50178587-63F8-41F6-AE39-05E613E840AE}" type="slidenum">
               <a:rPr lang="es-ES" smtClean="0"/>
               <a:pPr/>
-              <a:t>‹Nº›</a:t>
+              <a:t>‹#›</a:t>
             </a:fld>
             <a:endParaRPr lang="es-ES"/>
           </a:p>
         </p:txBody>
       </p:sp>
     </p:spTree>
+    <p:extLst>
+      <p:ext uri="{BB962C8B-B14F-4D97-AF65-F5344CB8AC3E}">
+        <p14:creationId xmlns:p14="http://schemas.microsoft.com/office/powerpoint/2010/main" val="975582006"/>
+      </p:ext>
+    </p:extLst>
   </p:cSld>
   <p:clrMapOvr>
     <a:masterClrMapping/>
@@ -3256,7 +3136,7 @@
 
 <file path=ppt/slideLayouts/slideLayout4.xml><?xml version="1.0" encoding="utf-8"?>
 <p:sldLayout xmlns:a="http://schemas.openxmlformats.org/drawingml/2006/main" xmlns:r="http://schemas.openxmlformats.org/officeDocument/2006/relationships" xmlns:p="http://schemas.openxmlformats.org/presentationml/2006/main" type="twoObj" preserve="1">
-  <p:cSld name="Dos objetos">
+  <p:cSld name="Two Content">
     <p:spTree>
       <p:nvGrpSpPr>
         <p:cNvPr id="1" name=""/>
@@ -3273,7 +3153,7 @@
       </p:grpSpPr>
       <p:sp>
         <p:nvSpPr>
-          <p:cNvPr id="2" name="1 Título"/>
+          <p:cNvPr id="2" name="Title 1"/>
           <p:cNvSpPr>
             <a:spLocks noGrp="1"/>
           </p:cNvSpPr>
@@ -3287,8 +3167,8 @@
           <a:lstStyle/>
           <a:p>
             <a:r>
-              <a:rPr lang="es-ES" smtClean="0"/>
-              <a:t>Haga clic para modificar el estilo de título del patrón</a:t>
+              <a:rPr lang="en-US" smtClean="0"/>
+              <a:t>Click to edit Master title style</a:t>
             </a:r>
             <a:endParaRPr lang="es-ES"/>
           </a:p>
@@ -3296,7 +3176,7 @@
       </p:sp>
       <p:sp>
         <p:nvSpPr>
-          <p:cNvPr id="3" name="2 Marcador de contenido"/>
+          <p:cNvPr id="3" name="Content Placeholder 2"/>
           <p:cNvSpPr>
             <a:spLocks noGrp="1"/>
           </p:cNvSpPr>
@@ -3306,7 +3186,7 @@
         </p:nvSpPr>
         <p:spPr>
           <a:xfrm>
-            <a:off x="457200" y="1600203"/>
+            <a:off x="457200" y="1600200"/>
             <a:ext cx="4038600" cy="4525963"/>
           </a:xfrm>
         </p:spPr>
@@ -3344,36 +3224,36 @@
           <a:p>
             <a:pPr lvl="0"/>
             <a:r>
-              <a:rPr lang="es-ES" smtClean="0"/>
-              <a:t>Haga clic para modificar el estilo de texto del patrón</a:t>
+              <a:rPr lang="en-US" smtClean="0"/>
+              <a:t>Click to edit Master text styles</a:t>
             </a:r>
           </a:p>
           <a:p>
             <a:pPr lvl="1"/>
             <a:r>
-              <a:rPr lang="es-ES" smtClean="0"/>
-              <a:t>Segundo nivel</a:t>
+              <a:rPr lang="en-US" smtClean="0"/>
+              <a:t>Second level</a:t>
             </a:r>
           </a:p>
           <a:p>
             <a:pPr lvl="2"/>
             <a:r>
-              <a:rPr lang="es-ES" smtClean="0"/>
-              <a:t>Tercer nivel</a:t>
+              <a:rPr lang="en-US" smtClean="0"/>
+              <a:t>Third level</a:t>
             </a:r>
           </a:p>
           <a:p>
             <a:pPr lvl="3"/>
             <a:r>
-              <a:rPr lang="es-ES" smtClean="0"/>
-              <a:t>Cuarto nivel</a:t>
+              <a:rPr lang="en-US" smtClean="0"/>
+              <a:t>Fourth level</a:t>
             </a:r>
           </a:p>
           <a:p>
             <a:pPr lvl="4"/>
             <a:r>
-              <a:rPr lang="es-ES" smtClean="0"/>
-              <a:t>Quinto nivel</a:t>
+              <a:rPr lang="en-US" smtClean="0"/>
+              <a:t>Fifth level</a:t>
             </a:r>
             <a:endParaRPr lang="es-ES"/>
           </a:p>
@@ -3381,7 +3261,7 @@
       </p:sp>
       <p:sp>
         <p:nvSpPr>
-          <p:cNvPr id="4" name="3 Marcador de contenido"/>
+          <p:cNvPr id="4" name="Content Placeholder 3"/>
           <p:cNvSpPr>
             <a:spLocks noGrp="1"/>
           </p:cNvSpPr>
@@ -3391,7 +3271,7 @@
         </p:nvSpPr>
         <p:spPr>
           <a:xfrm>
-            <a:off x="4648200" y="1600203"/>
+            <a:off x="4648200" y="1600200"/>
             <a:ext cx="4038600" cy="4525963"/>
           </a:xfrm>
         </p:spPr>
@@ -3429,36 +3309,36 @@
           <a:p>
             <a:pPr lvl="0"/>
             <a:r>
-              <a:rPr lang="es-ES" smtClean="0"/>
-              <a:t>Haga clic para modificar el estilo de texto del patrón</a:t>
+              <a:rPr lang="en-US" smtClean="0"/>
+              <a:t>Click to edit Master text styles</a:t>
             </a:r>
           </a:p>
           <a:p>
             <a:pPr lvl="1"/>
             <a:r>
-              <a:rPr lang="es-ES" smtClean="0"/>
-              <a:t>Segundo nivel</a:t>
+              <a:rPr lang="en-US" smtClean="0"/>
+              <a:t>Second level</a:t>
             </a:r>
           </a:p>
           <a:p>
             <a:pPr lvl="2"/>
             <a:r>
-              <a:rPr lang="es-ES" smtClean="0"/>
-              <a:t>Tercer nivel</a:t>
+              <a:rPr lang="en-US" smtClean="0"/>
+              <a:t>Third level</a:t>
             </a:r>
           </a:p>
           <a:p>
             <a:pPr lvl="3"/>
             <a:r>
-              <a:rPr lang="es-ES" smtClean="0"/>
-              <a:t>Cuarto nivel</a:t>
+              <a:rPr lang="en-US" smtClean="0"/>
+              <a:t>Fourth level</a:t>
             </a:r>
           </a:p>
           <a:p>
             <a:pPr lvl="4"/>
             <a:r>
-              <a:rPr lang="es-ES" smtClean="0"/>
-              <a:t>Quinto nivel</a:t>
+              <a:rPr lang="en-US" smtClean="0"/>
+              <a:t>Fifth level</a:t>
             </a:r>
             <a:endParaRPr lang="es-ES"/>
           </a:p>
@@ -3466,7 +3346,7 @@
       </p:sp>
       <p:sp>
         <p:nvSpPr>
-          <p:cNvPr id="5" name="3 Marcador de fecha"/>
+          <p:cNvPr id="5" name="Date Placeholder 4"/>
           <p:cNvSpPr>
             <a:spLocks noGrp="1"/>
           </p:cNvSpPr>
@@ -3477,16 +3357,12 @@
         <p:spPr/>
         <p:txBody>
           <a:bodyPr/>
-          <a:lstStyle>
-            <a:lvl1pPr>
-              <a:defRPr/>
-            </a:lvl1pPr>
-          </a:lstStyle>
+          <a:lstStyle/>
           <a:p>
             <a:fld id="{807CB568-C05F-482F-9F26-AA302B8892DF}" type="datetimeFigureOut">
               <a:rPr lang="es-ES" smtClean="0"/>
               <a:pPr/>
-              <a:t>11/12/2013</a:t>
+              <a:t>10/10/14</a:t>
             </a:fld>
             <a:endParaRPr lang="es-ES"/>
           </a:p>
@@ -3494,7 +3370,7 @@
       </p:sp>
       <p:sp>
         <p:nvSpPr>
-          <p:cNvPr id="6" name="4 Marcador de pie de página"/>
+          <p:cNvPr id="6" name="Footer Placeholder 5"/>
           <p:cNvSpPr>
             <a:spLocks noGrp="1"/>
           </p:cNvSpPr>
@@ -3505,11 +3381,7 @@
         <p:spPr/>
         <p:txBody>
           <a:bodyPr/>
-          <a:lstStyle>
-            <a:lvl1pPr>
-              <a:defRPr/>
-            </a:lvl1pPr>
-          </a:lstStyle>
+          <a:lstStyle/>
           <a:p>
             <a:endParaRPr lang="es-ES"/>
           </a:p>
@@ -3517,7 +3389,7 @@
       </p:sp>
       <p:sp>
         <p:nvSpPr>
-          <p:cNvPr id="7" name="5 Marcador de número de diapositiva"/>
+          <p:cNvPr id="7" name="Slide Number Placeholder 6"/>
           <p:cNvSpPr>
             <a:spLocks noGrp="1"/>
           </p:cNvSpPr>
@@ -3528,22 +3400,23 @@
         <p:spPr/>
         <p:txBody>
           <a:bodyPr/>
-          <a:lstStyle>
-            <a:lvl1pPr>
-              <a:defRPr/>
-            </a:lvl1pPr>
-          </a:lstStyle>
+          <a:lstStyle/>
           <a:p>
             <a:fld id="{50178587-63F8-41F6-AE39-05E613E840AE}" type="slidenum">
               <a:rPr lang="es-ES" smtClean="0"/>
               <a:pPr/>
-              <a:t>‹Nº›</a:t>
+              <a:t>‹#›</a:t>
             </a:fld>
             <a:endParaRPr lang="es-ES"/>
           </a:p>
         </p:txBody>
       </p:sp>
     </p:spTree>
+    <p:extLst>
+      <p:ext uri="{BB962C8B-B14F-4D97-AF65-F5344CB8AC3E}">
+        <p14:creationId xmlns:p14="http://schemas.microsoft.com/office/powerpoint/2010/main" val="2876867623"/>
+      </p:ext>
+    </p:extLst>
   </p:cSld>
   <p:clrMapOvr>
     <a:masterClrMapping/>
@@ -3553,7 +3426,7 @@
 
 <file path=ppt/slideLayouts/slideLayout5.xml><?xml version="1.0" encoding="utf-8"?>
 <p:sldLayout xmlns:a="http://schemas.openxmlformats.org/drawingml/2006/main" xmlns:r="http://schemas.openxmlformats.org/officeDocument/2006/relationships" xmlns:p="http://schemas.openxmlformats.org/presentationml/2006/main" type="twoTxTwoObj" preserve="1">
-  <p:cSld name="Comparación">
+  <p:cSld name="Comparison">
     <p:spTree>
       <p:nvGrpSpPr>
         <p:cNvPr id="1" name=""/>
@@ -3570,7 +3443,7 @@
       </p:grpSpPr>
       <p:sp>
         <p:nvSpPr>
-          <p:cNvPr id="2" name="1 Título"/>
+          <p:cNvPr id="2" name="Title 1"/>
           <p:cNvSpPr>
             <a:spLocks noGrp="1"/>
           </p:cNvSpPr>
@@ -3588,8 +3461,8 @@
           </a:lstStyle>
           <a:p>
             <a:r>
-              <a:rPr lang="es-ES" smtClean="0"/>
-              <a:t>Haga clic para modificar el estilo de título del patrón</a:t>
+              <a:rPr lang="en-US" smtClean="0"/>
+              <a:t>Click to edit Master title style</a:t>
             </a:r>
             <a:endParaRPr lang="es-ES"/>
           </a:p>
@@ -3597,7 +3470,7 @@
       </p:sp>
       <p:sp>
         <p:nvSpPr>
-          <p:cNvPr id="3" name="2 Marcador de texto"/>
+          <p:cNvPr id="3" name="Text Placeholder 2"/>
           <p:cNvSpPr>
             <a:spLocks noGrp="1"/>
           </p:cNvSpPr>
@@ -3607,8 +3480,8 @@
         </p:nvSpPr>
         <p:spPr>
           <a:xfrm>
-            <a:off x="457200" y="1535115"/>
-            <a:ext cx="4040188" cy="639763"/>
+            <a:off x="457200" y="1535113"/>
+            <a:ext cx="4040188" cy="639762"/>
           </a:xfrm>
         </p:spPr>
         <p:txBody>
@@ -3654,15 +3527,15 @@
           <a:p>
             <a:pPr lvl="0"/>
             <a:r>
-              <a:rPr lang="es-ES" smtClean="0"/>
-              <a:t>Haga clic para modificar el estilo de texto del patrón</a:t>
-            </a:r>
-          </a:p>
-        </p:txBody>
-      </p:sp>
-      <p:sp>
-        <p:nvSpPr>
-          <p:cNvPr id="4" name="3 Marcador de contenido"/>
+              <a:rPr lang="en-US" smtClean="0"/>
+              <a:t>Click to edit Master text styles</a:t>
+            </a:r>
+          </a:p>
+        </p:txBody>
+      </p:sp>
+      <p:sp>
+        <p:nvSpPr>
+          <p:cNvPr id="4" name="Content Placeholder 3"/>
           <p:cNvSpPr>
             <a:spLocks noGrp="1"/>
           </p:cNvSpPr>
@@ -3710,36 +3583,36 @@
           <a:p>
             <a:pPr lvl="0"/>
             <a:r>
-              <a:rPr lang="es-ES" smtClean="0"/>
-              <a:t>Haga clic para modificar el estilo de texto del patrón</a:t>
+              <a:rPr lang="en-US" smtClean="0"/>
+              <a:t>Click to edit Master text styles</a:t>
             </a:r>
           </a:p>
           <a:p>
             <a:pPr lvl="1"/>
             <a:r>
-              <a:rPr lang="es-ES" smtClean="0"/>
-              <a:t>Segundo nivel</a:t>
+              <a:rPr lang="en-US" smtClean="0"/>
+              <a:t>Second level</a:t>
             </a:r>
           </a:p>
           <a:p>
             <a:pPr lvl="2"/>
             <a:r>
-              <a:rPr lang="es-ES" smtClean="0"/>
-              <a:t>Tercer nivel</a:t>
+              <a:rPr lang="en-US" smtClean="0"/>
+              <a:t>Third level</a:t>
             </a:r>
           </a:p>
           <a:p>
             <a:pPr lvl="3"/>
             <a:r>
-              <a:rPr lang="es-ES" smtClean="0"/>
-              <a:t>Cuarto nivel</a:t>
+              <a:rPr lang="en-US" smtClean="0"/>
+              <a:t>Fourth level</a:t>
             </a:r>
           </a:p>
           <a:p>
             <a:pPr lvl="4"/>
             <a:r>
-              <a:rPr lang="es-ES" smtClean="0"/>
-              <a:t>Quinto nivel</a:t>
+              <a:rPr lang="en-US" smtClean="0"/>
+              <a:t>Fifth level</a:t>
             </a:r>
             <a:endParaRPr lang="es-ES"/>
           </a:p>
@@ -3747,7 +3620,7 @@
       </p:sp>
       <p:sp>
         <p:nvSpPr>
-          <p:cNvPr id="5" name="4 Marcador de texto"/>
+          <p:cNvPr id="5" name="Text Placeholder 4"/>
           <p:cNvSpPr>
             <a:spLocks noGrp="1"/>
           </p:cNvSpPr>
@@ -3757,8 +3630,8 @@
         </p:nvSpPr>
         <p:spPr>
           <a:xfrm>
-            <a:off x="4645028" y="1535115"/>
-            <a:ext cx="4041775" cy="639763"/>
+            <a:off x="4645025" y="1535113"/>
+            <a:ext cx="4041775" cy="639762"/>
           </a:xfrm>
         </p:spPr>
         <p:txBody>
@@ -3804,15 +3677,15 @@
           <a:p>
             <a:pPr lvl="0"/>
             <a:r>
-              <a:rPr lang="es-ES" smtClean="0"/>
-              <a:t>Haga clic para modificar el estilo de texto del patrón</a:t>
-            </a:r>
-          </a:p>
-        </p:txBody>
-      </p:sp>
-      <p:sp>
-        <p:nvSpPr>
-          <p:cNvPr id="6" name="5 Marcador de contenido"/>
+              <a:rPr lang="en-US" smtClean="0"/>
+              <a:t>Click to edit Master text styles</a:t>
+            </a:r>
+          </a:p>
+        </p:txBody>
+      </p:sp>
+      <p:sp>
+        <p:nvSpPr>
+          <p:cNvPr id="6" name="Content Placeholder 5"/>
           <p:cNvSpPr>
             <a:spLocks noGrp="1"/>
           </p:cNvSpPr>
@@ -3822,7 +3695,7 @@
         </p:nvSpPr>
         <p:spPr>
           <a:xfrm>
-            <a:off x="4645028" y="2174875"/>
+            <a:off x="4645025" y="2174875"/>
             <a:ext cx="4041775" cy="3951288"/>
           </a:xfrm>
         </p:spPr>
@@ -3860,36 +3733,36 @@
           <a:p>
             <a:pPr lvl="0"/>
             <a:r>
-              <a:rPr lang="es-ES" smtClean="0"/>
-              <a:t>Haga clic para modificar el estilo de texto del patrón</a:t>
+              <a:rPr lang="en-US" smtClean="0"/>
+              <a:t>Click to edit Master text styles</a:t>
             </a:r>
           </a:p>
           <a:p>
             <a:pPr lvl="1"/>
             <a:r>
-              <a:rPr lang="es-ES" smtClean="0"/>
-              <a:t>Segundo nivel</a:t>
+              <a:rPr lang="en-US" smtClean="0"/>
+              <a:t>Second level</a:t>
             </a:r>
           </a:p>
           <a:p>
             <a:pPr lvl="2"/>
             <a:r>
-              <a:rPr lang="es-ES" smtClean="0"/>
-              <a:t>Tercer nivel</a:t>
+              <a:rPr lang="en-US" smtClean="0"/>
+              <a:t>Third level</a:t>
             </a:r>
           </a:p>
           <a:p>
             <a:pPr lvl="3"/>
             <a:r>
-              <a:rPr lang="es-ES" smtClean="0"/>
-              <a:t>Cuarto nivel</a:t>
+              <a:rPr lang="en-US" smtClean="0"/>
+              <a:t>Fourth level</a:t>
             </a:r>
           </a:p>
           <a:p>
             <a:pPr lvl="4"/>
             <a:r>
-              <a:rPr lang="es-ES" smtClean="0"/>
-              <a:t>Quinto nivel</a:t>
+              <a:rPr lang="en-US" smtClean="0"/>
+              <a:t>Fifth level</a:t>
             </a:r>
             <a:endParaRPr lang="es-ES"/>
           </a:p>
@@ -3897,7 +3770,7 @@
       </p:sp>
       <p:sp>
         <p:nvSpPr>
-          <p:cNvPr id="7" name="3 Marcador de fecha"/>
+          <p:cNvPr id="7" name="Date Placeholder 6"/>
           <p:cNvSpPr>
             <a:spLocks noGrp="1"/>
           </p:cNvSpPr>
@@ -3908,16 +3781,12 @@
         <p:spPr/>
         <p:txBody>
           <a:bodyPr/>
-          <a:lstStyle>
-            <a:lvl1pPr>
-              <a:defRPr/>
-            </a:lvl1pPr>
-          </a:lstStyle>
+          <a:lstStyle/>
           <a:p>
             <a:fld id="{807CB568-C05F-482F-9F26-AA302B8892DF}" type="datetimeFigureOut">
               <a:rPr lang="es-ES" smtClean="0"/>
               <a:pPr/>
-              <a:t>11/12/2013</a:t>
+              <a:t>10/10/14</a:t>
             </a:fld>
             <a:endParaRPr lang="es-ES"/>
           </a:p>
@@ -3925,7 +3794,7 @@
       </p:sp>
       <p:sp>
         <p:nvSpPr>
-          <p:cNvPr id="8" name="4 Marcador de pie de página"/>
+          <p:cNvPr id="8" name="Footer Placeholder 7"/>
           <p:cNvSpPr>
             <a:spLocks noGrp="1"/>
           </p:cNvSpPr>
@@ -3936,11 +3805,7 @@
         <p:spPr/>
         <p:txBody>
           <a:bodyPr/>
-          <a:lstStyle>
-            <a:lvl1pPr>
-              <a:defRPr/>
-            </a:lvl1pPr>
-          </a:lstStyle>
+          <a:lstStyle/>
           <a:p>
             <a:endParaRPr lang="es-ES"/>
           </a:p>
@@ -3948,7 +3813,7 @@
       </p:sp>
       <p:sp>
         <p:nvSpPr>
-          <p:cNvPr id="9" name="5 Marcador de número de diapositiva"/>
+          <p:cNvPr id="9" name="Slide Number Placeholder 8"/>
           <p:cNvSpPr>
             <a:spLocks noGrp="1"/>
           </p:cNvSpPr>
@@ -3959,22 +3824,23 @@
         <p:spPr/>
         <p:txBody>
           <a:bodyPr/>
-          <a:lstStyle>
-            <a:lvl1pPr>
-              <a:defRPr/>
-            </a:lvl1pPr>
-          </a:lstStyle>
+          <a:lstStyle/>
           <a:p>
             <a:fld id="{50178587-63F8-41F6-AE39-05E613E840AE}" type="slidenum">
               <a:rPr lang="es-ES" smtClean="0"/>
               <a:pPr/>
-              <a:t>‹Nº›</a:t>
+              <a:t>‹#›</a:t>
             </a:fld>
             <a:endParaRPr lang="es-ES"/>
           </a:p>
         </p:txBody>
       </p:sp>
     </p:spTree>
+    <p:extLst>
+      <p:ext uri="{BB962C8B-B14F-4D97-AF65-F5344CB8AC3E}">
+        <p14:creationId xmlns:p14="http://schemas.microsoft.com/office/powerpoint/2010/main" val="3633488126"/>
+      </p:ext>
+    </p:extLst>
   </p:cSld>
   <p:clrMapOvr>
     <a:masterClrMapping/>
@@ -3984,7 +3850,7 @@
 
 <file path=ppt/slideLayouts/slideLayout6.xml><?xml version="1.0" encoding="utf-8"?>
 <p:sldLayout xmlns:a="http://schemas.openxmlformats.org/drawingml/2006/main" xmlns:r="http://schemas.openxmlformats.org/officeDocument/2006/relationships" xmlns:p="http://schemas.openxmlformats.org/presentationml/2006/main" type="titleOnly" preserve="1">
-  <p:cSld name="Sólo el título">
+  <p:cSld name="Title Only">
     <p:spTree>
       <p:nvGrpSpPr>
         <p:cNvPr id="1" name=""/>
@@ -4001,7 +3867,7 @@
       </p:grpSpPr>
       <p:sp>
         <p:nvSpPr>
-          <p:cNvPr id="2" name="1 Título"/>
+          <p:cNvPr id="2" name="Title 1"/>
           <p:cNvSpPr>
             <a:spLocks noGrp="1"/>
           </p:cNvSpPr>
@@ -4015,8 +3881,8 @@
           <a:lstStyle/>
           <a:p>
             <a:r>
-              <a:rPr lang="es-ES" smtClean="0"/>
-              <a:t>Haga clic para modificar el estilo de título del patrón</a:t>
+              <a:rPr lang="en-US" smtClean="0"/>
+              <a:t>Click to edit Master title style</a:t>
             </a:r>
             <a:endParaRPr lang="es-ES"/>
           </a:p>
@@ -4024,7 +3890,7 @@
       </p:sp>
       <p:sp>
         <p:nvSpPr>
-          <p:cNvPr id="3" name="3 Marcador de fecha"/>
+          <p:cNvPr id="3" name="Date Placeholder 2"/>
           <p:cNvSpPr>
             <a:spLocks noGrp="1"/>
           </p:cNvSpPr>
@@ -4035,16 +3901,12 @@
         <p:spPr/>
         <p:txBody>
           <a:bodyPr/>
-          <a:lstStyle>
-            <a:lvl1pPr>
-              <a:defRPr/>
-            </a:lvl1pPr>
-          </a:lstStyle>
+          <a:lstStyle/>
           <a:p>
             <a:fld id="{807CB568-C05F-482F-9F26-AA302B8892DF}" type="datetimeFigureOut">
               <a:rPr lang="es-ES" smtClean="0"/>
               <a:pPr/>
-              <a:t>11/12/2013</a:t>
+              <a:t>10/10/14</a:t>
             </a:fld>
             <a:endParaRPr lang="es-ES"/>
           </a:p>
@@ -4052,7 +3914,7 @@
       </p:sp>
       <p:sp>
         <p:nvSpPr>
-          <p:cNvPr id="4" name="4 Marcador de pie de página"/>
+          <p:cNvPr id="4" name="Footer Placeholder 3"/>
           <p:cNvSpPr>
             <a:spLocks noGrp="1"/>
           </p:cNvSpPr>
@@ -4063,11 +3925,7 @@
         <p:spPr/>
         <p:txBody>
           <a:bodyPr/>
-          <a:lstStyle>
-            <a:lvl1pPr>
-              <a:defRPr/>
-            </a:lvl1pPr>
-          </a:lstStyle>
+          <a:lstStyle/>
           <a:p>
             <a:endParaRPr lang="es-ES"/>
           </a:p>
@@ -4075,7 +3933,7 @@
       </p:sp>
       <p:sp>
         <p:nvSpPr>
-          <p:cNvPr id="5" name="5 Marcador de número de diapositiva"/>
+          <p:cNvPr id="5" name="Slide Number Placeholder 4"/>
           <p:cNvSpPr>
             <a:spLocks noGrp="1"/>
           </p:cNvSpPr>
@@ -4086,22 +3944,23 @@
         <p:spPr/>
         <p:txBody>
           <a:bodyPr/>
-          <a:lstStyle>
-            <a:lvl1pPr>
-              <a:defRPr/>
-            </a:lvl1pPr>
-          </a:lstStyle>
+          <a:lstStyle/>
           <a:p>
             <a:fld id="{50178587-63F8-41F6-AE39-05E613E840AE}" type="slidenum">
               <a:rPr lang="es-ES" smtClean="0"/>
               <a:pPr/>
-              <a:t>‹Nº›</a:t>
+              <a:t>‹#›</a:t>
             </a:fld>
             <a:endParaRPr lang="es-ES"/>
           </a:p>
         </p:txBody>
       </p:sp>
     </p:spTree>
+    <p:extLst>
+      <p:ext uri="{BB962C8B-B14F-4D97-AF65-F5344CB8AC3E}">
+        <p14:creationId xmlns:p14="http://schemas.microsoft.com/office/powerpoint/2010/main" val="2315349692"/>
+      </p:ext>
+    </p:extLst>
   </p:cSld>
   <p:clrMapOvr>
     <a:masterClrMapping/>
@@ -4111,7 +3970,7 @@
 
 <file path=ppt/slideLayouts/slideLayout7.xml><?xml version="1.0" encoding="utf-8"?>
 <p:sldLayout xmlns:a="http://schemas.openxmlformats.org/drawingml/2006/main" xmlns:r="http://schemas.openxmlformats.org/officeDocument/2006/relationships" xmlns:p="http://schemas.openxmlformats.org/presentationml/2006/main" type="blank" preserve="1">
-  <p:cSld name="En blanco">
+  <p:cSld name="Blank">
     <p:spTree>
       <p:nvGrpSpPr>
         <p:cNvPr id="1" name=""/>
@@ -4128,7 +3987,7 @@
       </p:grpSpPr>
       <p:sp>
         <p:nvSpPr>
-          <p:cNvPr id="2" name="3 Marcador de fecha"/>
+          <p:cNvPr id="2" name="Date Placeholder 1"/>
           <p:cNvSpPr>
             <a:spLocks noGrp="1"/>
           </p:cNvSpPr>
@@ -4139,16 +3998,12 @@
         <p:spPr/>
         <p:txBody>
           <a:bodyPr/>
-          <a:lstStyle>
-            <a:lvl1pPr>
-              <a:defRPr/>
-            </a:lvl1pPr>
-          </a:lstStyle>
+          <a:lstStyle/>
           <a:p>
             <a:fld id="{807CB568-C05F-482F-9F26-AA302B8892DF}" type="datetimeFigureOut">
               <a:rPr lang="es-ES" smtClean="0"/>
               <a:pPr/>
-              <a:t>11/12/2013</a:t>
+              <a:t>10/10/14</a:t>
             </a:fld>
             <a:endParaRPr lang="es-ES"/>
           </a:p>
@@ -4156,7 +4011,7 @@
       </p:sp>
       <p:sp>
         <p:nvSpPr>
-          <p:cNvPr id="3" name="4 Marcador de pie de página"/>
+          <p:cNvPr id="3" name="Footer Placeholder 2"/>
           <p:cNvSpPr>
             <a:spLocks noGrp="1"/>
           </p:cNvSpPr>
@@ -4167,11 +4022,7 @@
         <p:spPr/>
         <p:txBody>
           <a:bodyPr/>
-          <a:lstStyle>
-            <a:lvl1pPr>
-              <a:defRPr/>
-            </a:lvl1pPr>
-          </a:lstStyle>
+          <a:lstStyle/>
           <a:p>
             <a:endParaRPr lang="es-ES"/>
           </a:p>
@@ -4179,7 +4030,7 @@
       </p:sp>
       <p:sp>
         <p:nvSpPr>
-          <p:cNvPr id="4" name="5 Marcador de número de diapositiva"/>
+          <p:cNvPr id="4" name="Slide Number Placeholder 3"/>
           <p:cNvSpPr>
             <a:spLocks noGrp="1"/>
           </p:cNvSpPr>
@@ -4190,22 +4041,23 @@
         <p:spPr/>
         <p:txBody>
           <a:bodyPr/>
-          <a:lstStyle>
-            <a:lvl1pPr>
-              <a:defRPr/>
-            </a:lvl1pPr>
-          </a:lstStyle>
+          <a:lstStyle/>
           <a:p>
             <a:fld id="{50178587-63F8-41F6-AE39-05E613E840AE}" type="slidenum">
               <a:rPr lang="es-ES" smtClean="0"/>
               <a:pPr/>
-              <a:t>‹Nº›</a:t>
+              <a:t>‹#›</a:t>
             </a:fld>
             <a:endParaRPr lang="es-ES"/>
           </a:p>
         </p:txBody>
       </p:sp>
     </p:spTree>
+    <p:extLst>
+      <p:ext uri="{BB962C8B-B14F-4D97-AF65-F5344CB8AC3E}">
+        <p14:creationId xmlns:p14="http://schemas.microsoft.com/office/powerpoint/2010/main" val="969772868"/>
+      </p:ext>
+    </p:extLst>
   </p:cSld>
   <p:clrMapOvr>
     <a:masterClrMapping/>
@@ -4215,7 +4067,7 @@
 
 <file path=ppt/slideLayouts/slideLayout8.xml><?xml version="1.0" encoding="utf-8"?>
 <p:sldLayout xmlns:a="http://schemas.openxmlformats.org/drawingml/2006/main" xmlns:r="http://schemas.openxmlformats.org/officeDocument/2006/relationships" xmlns:p="http://schemas.openxmlformats.org/presentationml/2006/main" type="objTx" preserve="1">
-  <p:cSld name="Contenido con título">
+  <p:cSld name="Content with Caption">
     <p:spTree>
       <p:nvGrpSpPr>
         <p:cNvPr id="1" name=""/>
@@ -4232,7 +4084,7 @@
       </p:grpSpPr>
       <p:sp>
         <p:nvSpPr>
-          <p:cNvPr id="2" name="1 Título"/>
+          <p:cNvPr id="2" name="Title 1"/>
           <p:cNvSpPr>
             <a:spLocks noGrp="1"/>
           </p:cNvSpPr>
@@ -4242,8 +4094,8 @@
         </p:nvSpPr>
         <p:spPr>
           <a:xfrm>
-            <a:off x="457203" y="273051"/>
-            <a:ext cx="3008313" cy="1162051"/>
+            <a:off x="457200" y="273050"/>
+            <a:ext cx="3008313" cy="1162050"/>
           </a:xfrm>
         </p:spPr>
         <p:txBody>
@@ -4255,8 +4107,8 @@
           </a:lstStyle>
           <a:p>
             <a:r>
-              <a:rPr lang="es-ES" smtClean="0"/>
-              <a:t>Haga clic para modificar el estilo de título del patrón</a:t>
+              <a:rPr lang="en-US" smtClean="0"/>
+              <a:t>Click to edit Master title style</a:t>
             </a:r>
             <a:endParaRPr lang="es-ES"/>
           </a:p>
@@ -4264,7 +4116,7 @@
       </p:sp>
       <p:sp>
         <p:nvSpPr>
-          <p:cNvPr id="3" name="2 Marcador de contenido"/>
+          <p:cNvPr id="3" name="Content Placeholder 2"/>
           <p:cNvSpPr>
             <a:spLocks noGrp="1"/>
           </p:cNvSpPr>
@@ -4274,7 +4126,7 @@
         </p:nvSpPr>
         <p:spPr>
           <a:xfrm>
-            <a:off x="3575051" y="273054"/>
+            <a:off x="3575050" y="273050"/>
             <a:ext cx="5111750" cy="5853113"/>
           </a:xfrm>
         </p:spPr>
@@ -4312,36 +4164,36 @@
           <a:p>
             <a:pPr lvl="0"/>
             <a:r>
-              <a:rPr lang="es-ES" smtClean="0"/>
-              <a:t>Haga clic para modificar el estilo de texto del patrón</a:t>
+              <a:rPr lang="en-US" smtClean="0"/>
+              <a:t>Click to edit Master text styles</a:t>
             </a:r>
           </a:p>
           <a:p>
             <a:pPr lvl="1"/>
             <a:r>
-              <a:rPr lang="es-ES" smtClean="0"/>
-              <a:t>Segundo nivel</a:t>
+              <a:rPr lang="en-US" smtClean="0"/>
+              <a:t>Second level</a:t>
             </a:r>
           </a:p>
           <a:p>
             <a:pPr lvl="2"/>
             <a:r>
-              <a:rPr lang="es-ES" smtClean="0"/>
-              <a:t>Tercer nivel</a:t>
+              <a:rPr lang="en-US" smtClean="0"/>
+              <a:t>Third level</a:t>
             </a:r>
           </a:p>
           <a:p>
             <a:pPr lvl="3"/>
             <a:r>
-              <a:rPr lang="es-ES" smtClean="0"/>
-              <a:t>Cuarto nivel</a:t>
+              <a:rPr lang="en-US" smtClean="0"/>
+              <a:t>Fourth level</a:t>
             </a:r>
           </a:p>
           <a:p>
             <a:pPr lvl="4"/>
             <a:r>
-              <a:rPr lang="es-ES" smtClean="0"/>
-              <a:t>Quinto nivel</a:t>
+              <a:rPr lang="en-US" smtClean="0"/>
+              <a:t>Fifth level</a:t>
             </a:r>
             <a:endParaRPr lang="es-ES"/>
           </a:p>
@@ -4349,7 +4201,7 @@
       </p:sp>
       <p:sp>
         <p:nvSpPr>
-          <p:cNvPr id="4" name="3 Marcador de texto"/>
+          <p:cNvPr id="4" name="Text Placeholder 3"/>
           <p:cNvSpPr>
             <a:spLocks noGrp="1"/>
           </p:cNvSpPr>
@@ -4359,7 +4211,7 @@
         </p:nvSpPr>
         <p:spPr>
           <a:xfrm>
-            <a:off x="457203" y="1435103"/>
+            <a:off x="457200" y="1435100"/>
             <a:ext cx="3008313" cy="4691063"/>
           </a:xfrm>
         </p:spPr>
@@ -4406,15 +4258,15 @@
           <a:p>
             <a:pPr lvl="0"/>
             <a:r>
-              <a:rPr lang="es-ES" smtClean="0"/>
-              <a:t>Haga clic para modificar el estilo de texto del patrón</a:t>
-            </a:r>
-          </a:p>
-        </p:txBody>
-      </p:sp>
-      <p:sp>
-        <p:nvSpPr>
-          <p:cNvPr id="5" name="3 Marcador de fecha"/>
+              <a:rPr lang="en-US" smtClean="0"/>
+              <a:t>Click to edit Master text styles</a:t>
+            </a:r>
+          </a:p>
+        </p:txBody>
+      </p:sp>
+      <p:sp>
+        <p:nvSpPr>
+          <p:cNvPr id="5" name="Date Placeholder 4"/>
           <p:cNvSpPr>
             <a:spLocks noGrp="1"/>
           </p:cNvSpPr>
@@ -4425,16 +4277,12 @@
         <p:spPr/>
         <p:txBody>
           <a:bodyPr/>
-          <a:lstStyle>
-            <a:lvl1pPr>
-              <a:defRPr/>
-            </a:lvl1pPr>
-          </a:lstStyle>
+          <a:lstStyle/>
           <a:p>
             <a:fld id="{807CB568-C05F-482F-9F26-AA302B8892DF}" type="datetimeFigureOut">
               <a:rPr lang="es-ES" smtClean="0"/>
               <a:pPr/>
-              <a:t>11/12/2013</a:t>
+              <a:t>10/10/14</a:t>
             </a:fld>
             <a:endParaRPr lang="es-ES"/>
           </a:p>
@@ -4442,7 +4290,7 @@
       </p:sp>
       <p:sp>
         <p:nvSpPr>
-          <p:cNvPr id="6" name="4 Marcador de pie de página"/>
+          <p:cNvPr id="6" name="Footer Placeholder 5"/>
           <p:cNvSpPr>
             <a:spLocks noGrp="1"/>
           </p:cNvSpPr>
@@ -4453,11 +4301,7 @@
         <p:spPr/>
         <p:txBody>
           <a:bodyPr/>
-          <a:lstStyle>
-            <a:lvl1pPr>
-              <a:defRPr/>
-            </a:lvl1pPr>
-          </a:lstStyle>
+          <a:lstStyle/>
           <a:p>
             <a:endParaRPr lang="es-ES"/>
           </a:p>
@@ -4465,7 +4309,7 @@
       </p:sp>
       <p:sp>
         <p:nvSpPr>
-          <p:cNvPr id="7" name="5 Marcador de número de diapositiva"/>
+          <p:cNvPr id="7" name="Slide Number Placeholder 6"/>
           <p:cNvSpPr>
             <a:spLocks noGrp="1"/>
           </p:cNvSpPr>
@@ -4476,22 +4320,23 @@
         <p:spPr/>
         <p:txBody>
           <a:bodyPr/>
-          <a:lstStyle>
-            <a:lvl1pPr>
-              <a:defRPr/>
-            </a:lvl1pPr>
-          </a:lstStyle>
+          <a:lstStyle/>
           <a:p>
             <a:fld id="{50178587-63F8-41F6-AE39-05E613E840AE}" type="slidenum">
               <a:rPr lang="es-ES" smtClean="0"/>
               <a:pPr/>
-              <a:t>‹Nº›</a:t>
+              <a:t>‹#›</a:t>
             </a:fld>
             <a:endParaRPr lang="es-ES"/>
           </a:p>
         </p:txBody>
       </p:sp>
     </p:spTree>
+    <p:extLst>
+      <p:ext uri="{BB962C8B-B14F-4D97-AF65-F5344CB8AC3E}">
+        <p14:creationId xmlns:p14="http://schemas.microsoft.com/office/powerpoint/2010/main" val="1418585862"/>
+      </p:ext>
+    </p:extLst>
   </p:cSld>
   <p:clrMapOvr>
     <a:masterClrMapping/>
@@ -4501,7 +4346,7 @@
 
 <file path=ppt/slideLayouts/slideLayout9.xml><?xml version="1.0" encoding="utf-8"?>
 <p:sldLayout xmlns:a="http://schemas.openxmlformats.org/drawingml/2006/main" xmlns:r="http://schemas.openxmlformats.org/officeDocument/2006/relationships" xmlns:p="http://schemas.openxmlformats.org/presentationml/2006/main" type="picTx" preserve="1">
-  <p:cSld name="Imagen con título">
+  <p:cSld name="Picture with Caption">
     <p:spTree>
       <p:nvGrpSpPr>
         <p:cNvPr id="1" name=""/>
@@ -4518,7 +4363,7 @@
       </p:grpSpPr>
       <p:sp>
         <p:nvSpPr>
-          <p:cNvPr id="2" name="1 Título"/>
+          <p:cNvPr id="2" name="Title 1"/>
           <p:cNvSpPr>
             <a:spLocks noGrp="1"/>
           </p:cNvSpPr>
@@ -4528,8 +4373,8 @@
         </p:nvSpPr>
         <p:spPr>
           <a:xfrm>
-            <a:off x="1792288" y="4800602"/>
-            <a:ext cx="5486400" cy="566739"/>
+            <a:off x="1792288" y="4800600"/>
+            <a:ext cx="5486400" cy="566738"/>
           </a:xfrm>
         </p:spPr>
         <p:txBody>
@@ -4541,8 +4386,8 @@
           </a:lstStyle>
           <a:p>
             <a:r>
-              <a:rPr lang="es-ES" smtClean="0"/>
-              <a:t>Haga clic para modificar el estilo de título del patrón</a:t>
+              <a:rPr lang="en-US" smtClean="0"/>
+              <a:t>Click to edit Master title style</a:t>
             </a:r>
             <a:endParaRPr lang="es-ES"/>
           </a:p>
@@ -4550,7 +4395,7 @@
       </p:sp>
       <p:sp>
         <p:nvSpPr>
-          <p:cNvPr id="3" name="2 Marcador de posición de imagen"/>
+          <p:cNvPr id="3" name="Picture Placeholder 2"/>
           <p:cNvSpPr>
             <a:spLocks noGrp="1"/>
           </p:cNvSpPr>
@@ -4565,9 +4410,7 @@
           </a:xfrm>
         </p:spPr>
         <p:txBody>
-          <a:bodyPr rtlCol="0">
-            <a:normAutofit/>
-          </a:bodyPr>
+          <a:bodyPr/>
           <a:lstStyle>
             <a:lvl1pPr marL="0" indent="0">
               <a:buNone/>
@@ -4607,18 +4450,13 @@
             </a:lvl9pPr>
           </a:lstStyle>
           <a:p>
-            <a:pPr lvl="0"/>
-            <a:r>
-              <a:rPr lang="es-ES" noProof="0" smtClean="0"/>
-              <a:t>Haga clic en el icono para agregar una imagen</a:t>
-            </a:r>
-            <a:endParaRPr lang="es-ES" noProof="0"/>
-          </a:p>
-        </p:txBody>
-      </p:sp>
-      <p:sp>
-        <p:nvSpPr>
-          <p:cNvPr id="4" name="3 Marcador de texto"/>
+            <a:endParaRPr lang="es-ES"/>
+          </a:p>
+        </p:txBody>
+      </p:sp>
+      <p:sp>
+        <p:nvSpPr>
+          <p:cNvPr id="4" name="Text Placeholder 3"/>
           <p:cNvSpPr>
             <a:spLocks noGrp="1"/>
           </p:cNvSpPr>
@@ -4628,8 +4466,8 @@
         </p:nvSpPr>
         <p:spPr>
           <a:xfrm>
-            <a:off x="1792288" y="5367340"/>
-            <a:ext cx="5486400" cy="804863"/>
+            <a:off x="1792288" y="5367338"/>
+            <a:ext cx="5486400" cy="804862"/>
           </a:xfrm>
         </p:spPr>
         <p:txBody>
@@ -4675,15 +4513,15 @@
           <a:p>
             <a:pPr lvl="0"/>
             <a:r>
-              <a:rPr lang="es-ES" smtClean="0"/>
-              <a:t>Haga clic para modificar el estilo de texto del patrón</a:t>
-            </a:r>
-          </a:p>
-        </p:txBody>
-      </p:sp>
-      <p:sp>
-        <p:nvSpPr>
-          <p:cNvPr id="5" name="3 Marcador de fecha"/>
+              <a:rPr lang="en-US" smtClean="0"/>
+              <a:t>Click to edit Master text styles</a:t>
+            </a:r>
+          </a:p>
+        </p:txBody>
+      </p:sp>
+      <p:sp>
+        <p:nvSpPr>
+          <p:cNvPr id="5" name="Date Placeholder 4"/>
           <p:cNvSpPr>
             <a:spLocks noGrp="1"/>
           </p:cNvSpPr>
@@ -4694,16 +4532,12 @@
         <p:spPr/>
         <p:txBody>
           <a:bodyPr/>
-          <a:lstStyle>
-            <a:lvl1pPr>
-              <a:defRPr/>
-            </a:lvl1pPr>
-          </a:lstStyle>
+          <a:lstStyle/>
           <a:p>
             <a:fld id="{807CB568-C05F-482F-9F26-AA302B8892DF}" type="datetimeFigureOut">
               <a:rPr lang="es-ES" smtClean="0"/>
               <a:pPr/>
-              <a:t>11/12/2013</a:t>
+              <a:t>10/10/14</a:t>
             </a:fld>
             <a:endParaRPr lang="es-ES"/>
           </a:p>
@@ -4711,7 +4545,7 @@
       </p:sp>
       <p:sp>
         <p:nvSpPr>
-          <p:cNvPr id="6" name="4 Marcador de pie de página"/>
+          <p:cNvPr id="6" name="Footer Placeholder 5"/>
           <p:cNvSpPr>
             <a:spLocks noGrp="1"/>
           </p:cNvSpPr>
@@ -4722,11 +4556,7 @@
         <p:spPr/>
         <p:txBody>
           <a:bodyPr/>
-          <a:lstStyle>
-            <a:lvl1pPr>
-              <a:defRPr/>
-            </a:lvl1pPr>
-          </a:lstStyle>
+          <a:lstStyle/>
           <a:p>
             <a:endParaRPr lang="es-ES"/>
           </a:p>
@@ -4734,7 +4564,7 @@
       </p:sp>
       <p:sp>
         <p:nvSpPr>
-          <p:cNvPr id="7" name="5 Marcador de número de diapositiva"/>
+          <p:cNvPr id="7" name="Slide Number Placeholder 6"/>
           <p:cNvSpPr>
             <a:spLocks noGrp="1"/>
           </p:cNvSpPr>
@@ -4745,22 +4575,23 @@
         <p:spPr/>
         <p:txBody>
           <a:bodyPr/>
-          <a:lstStyle>
-            <a:lvl1pPr>
-              <a:defRPr/>
-            </a:lvl1pPr>
-          </a:lstStyle>
+          <a:lstStyle/>
           <a:p>
             <a:fld id="{50178587-63F8-41F6-AE39-05E613E840AE}" type="slidenum">
               <a:rPr lang="es-ES" smtClean="0"/>
               <a:pPr/>
-              <a:t>‹Nº›</a:t>
+              <a:t>‹#›</a:t>
             </a:fld>
             <a:endParaRPr lang="es-ES"/>
           </a:p>
         </p:txBody>
       </p:sp>
     </p:spTree>
+    <p:extLst>
+      <p:ext uri="{BB962C8B-B14F-4D97-AF65-F5344CB8AC3E}">
+        <p14:creationId xmlns:p14="http://schemas.microsoft.com/office/powerpoint/2010/main" val="4230804913"/>
+      </p:ext>
+    </p:extLst>
   </p:cSld>
   <p:clrMapOvr>
     <a:masterClrMapping/>
@@ -4772,18 +4603,9 @@
 <p:sldMaster xmlns:a="http://schemas.openxmlformats.org/drawingml/2006/main" xmlns:r="http://schemas.openxmlformats.org/officeDocument/2006/relationships" xmlns:p="http://schemas.openxmlformats.org/presentationml/2006/main">
   <p:cSld>
     <p:bg>
-      <p:bgPr>
-        <a:blipFill dpi="0" rotWithShape="1">
-          <a:blip r:embed="rId13" cstate="print">
-            <a:lum/>
-          </a:blip>
-          <a:srcRect/>
-          <a:stretch>
-            <a:fillRect/>
-          </a:stretch>
-        </a:blipFill>
-        <a:effectLst/>
-      </p:bgPr>
+      <p:bgRef idx="1001">
+        <a:schemeClr val="bg1"/>
+      </p:bgRef>
     </p:bg>
     <p:spTree>
       <p:nvGrpSpPr>
@@ -4801,7 +4623,7 @@
       </p:grpSpPr>
       <p:sp>
         <p:nvSpPr>
-          <p:cNvPr id="1026" name="1 Marcador de título"/>
+          <p:cNvPr id="2" name="Title Placeholder 1"/>
           <p:cNvSpPr>
             <a:spLocks noGrp="1"/>
           </p:cNvSpPr>
@@ -4809,41 +4631,32 @@
             <p:ph type="title"/>
           </p:nvPr>
         </p:nvSpPr>
-        <p:spPr bwMode="auto">
+        <p:spPr>
           <a:xfrm>
-            <a:off x="457200" y="274639"/>
+            <a:off x="457200" y="274638"/>
             <a:ext cx="8229600" cy="1143000"/>
           </a:xfrm>
           <a:prstGeom prst="rect">
             <a:avLst/>
           </a:prstGeom>
-          <a:noFill/>
-          <a:ln w="9525">
-            <a:noFill/>
-            <a:miter lim="800000"/>
-            <a:headEnd/>
-            <a:tailEnd/>
-          </a:ln>
         </p:spPr>
         <p:txBody>
-          <a:bodyPr vert="horz" wrap="square" lIns="91440" tIns="45720" rIns="91440" bIns="45720" numCol="1" anchor="ctr" anchorCtr="0" compatLnSpc="1">
-            <a:prstTxWarp prst="textNoShape">
-              <a:avLst/>
-            </a:prstTxWarp>
+          <a:bodyPr vert="horz" lIns="91440" tIns="45720" rIns="91440" bIns="45720" rtlCol="0" anchor="ctr">
+            <a:normAutofit/>
           </a:bodyPr>
           <a:lstStyle/>
           <a:p>
-            <a:pPr lvl="0"/>
-            <a:r>
-              <a:rPr lang="es-ES" smtClean="0"/>
-              <a:t>Haga clic para modificar el estilo de título del patrón</a:t>
-            </a:r>
-          </a:p>
-        </p:txBody>
-      </p:sp>
-      <p:sp>
-        <p:nvSpPr>
-          <p:cNvPr id="1027" name="2 Marcador de texto"/>
+            <a:r>
+              <a:rPr lang="en-US" smtClean="0"/>
+              <a:t>Click to edit Master title style</a:t>
+            </a:r>
+            <a:endParaRPr lang="es-ES"/>
+          </a:p>
+        </p:txBody>
+      </p:sp>
+      <p:sp>
+        <p:nvSpPr>
+          <p:cNvPr id="3" name="Text Placeholder 2"/>
           <p:cNvSpPr>
             <a:spLocks noGrp="1"/>
           </p:cNvSpPr>
@@ -4851,69 +4664,61 @@
             <p:ph type="body" idx="1"/>
           </p:nvPr>
         </p:nvSpPr>
-        <p:spPr bwMode="auto">
+        <p:spPr>
           <a:xfrm>
-            <a:off x="457200" y="1600203"/>
+            <a:off x="457200" y="1600200"/>
             <a:ext cx="8229600" cy="4525963"/>
           </a:xfrm>
           <a:prstGeom prst="rect">
             <a:avLst/>
           </a:prstGeom>
-          <a:noFill/>
-          <a:ln w="9525">
-            <a:noFill/>
-            <a:miter lim="800000"/>
-            <a:headEnd/>
-            <a:tailEnd/>
-          </a:ln>
         </p:spPr>
         <p:txBody>
-          <a:bodyPr vert="horz" wrap="square" lIns="91440" tIns="45720" rIns="91440" bIns="45720" numCol="1" anchor="t" anchorCtr="0" compatLnSpc="1">
-            <a:prstTxWarp prst="textNoShape">
-              <a:avLst/>
-            </a:prstTxWarp>
+          <a:bodyPr vert="horz" lIns="91440" tIns="45720" rIns="91440" bIns="45720" rtlCol="0">
+            <a:normAutofit/>
           </a:bodyPr>
           <a:lstStyle/>
           <a:p>
             <a:pPr lvl="0"/>
             <a:r>
-              <a:rPr lang="es-ES" smtClean="0"/>
-              <a:t>Haga clic para modificar el estilo de texto del patrón</a:t>
+              <a:rPr lang="en-US" smtClean="0"/>
+              <a:t>Click to edit Master text styles</a:t>
             </a:r>
           </a:p>
           <a:p>
             <a:pPr lvl="1"/>
             <a:r>
-              <a:rPr lang="es-ES" smtClean="0"/>
-              <a:t>Segundo nivel</a:t>
+              <a:rPr lang="en-US" smtClean="0"/>
+              <a:t>Second level</a:t>
             </a:r>
           </a:p>
           <a:p>
             <a:pPr lvl="2"/>
             <a:r>
-              <a:rPr lang="es-ES" smtClean="0"/>
-              <a:t>Tercer nivel</a:t>
+              <a:rPr lang="en-US" smtClean="0"/>
+              <a:t>Third level</a:t>
             </a:r>
           </a:p>
           <a:p>
             <a:pPr lvl="3"/>
             <a:r>
-              <a:rPr lang="es-ES" smtClean="0"/>
-              <a:t>Cuarto nivel</a:t>
+              <a:rPr lang="en-US" smtClean="0"/>
+              <a:t>Fourth level</a:t>
             </a:r>
           </a:p>
           <a:p>
             <a:pPr lvl="4"/>
             <a:r>
-              <a:rPr lang="es-ES" smtClean="0"/>
-              <a:t>Quinto nivel</a:t>
-            </a:r>
-          </a:p>
-        </p:txBody>
-      </p:sp>
-      <p:sp>
-        <p:nvSpPr>
-          <p:cNvPr id="4" name="3 Marcador de fecha"/>
+              <a:rPr lang="en-US" smtClean="0"/>
+              <a:t>Fifth level</a:t>
+            </a:r>
+            <a:endParaRPr lang="es-ES"/>
+          </a:p>
+        </p:txBody>
+      </p:sp>
+      <p:sp>
+        <p:nvSpPr>
+          <p:cNvPr id="4" name="Date Placeholder 3"/>
           <p:cNvSpPr>
             <a:spLocks noGrp="1"/>
           </p:cNvSpPr>
@@ -4923,7 +4728,7 @@
         </p:nvSpPr>
         <p:spPr>
           <a:xfrm>
-            <a:off x="457200" y="6356353"/>
+            <a:off x="457200" y="6356350"/>
             <a:ext cx="2133600" cy="365125"/>
           </a:xfrm>
           <a:prstGeom prst="rect">
@@ -4933,20 +4738,13 @@
         <p:txBody>
           <a:bodyPr vert="horz" lIns="91440" tIns="45720" rIns="91440" bIns="45720" rtlCol="0" anchor="ctr"/>
           <a:lstStyle>
-            <a:lvl1pPr algn="l" fontAlgn="auto">
-              <a:spcBef>
-                <a:spcPts val="0"/>
-              </a:spcBef>
-              <a:spcAft>
-                <a:spcPts val="0"/>
-              </a:spcAft>
-              <a:defRPr sz="1200" smtClean="0">
+            <a:lvl1pPr algn="l">
+              <a:defRPr sz="1200">
                 <a:solidFill>
                   <a:schemeClr val="tx1">
                     <a:tint val="75000"/>
                   </a:schemeClr>
                 </a:solidFill>
-                <a:latin typeface="+mn-lt"/>
               </a:defRPr>
             </a:lvl1pPr>
           </a:lstStyle>
@@ -4954,7 +4752,7 @@
             <a:fld id="{807CB568-C05F-482F-9F26-AA302B8892DF}" type="datetimeFigureOut">
               <a:rPr lang="es-ES" smtClean="0"/>
               <a:pPr/>
-              <a:t>11/12/2013</a:t>
+              <a:t>10/10/14</a:t>
             </a:fld>
             <a:endParaRPr lang="es-ES"/>
           </a:p>
@@ -4962,7 +4760,7 @@
       </p:sp>
       <p:sp>
         <p:nvSpPr>
-          <p:cNvPr id="5" name="4 Marcador de pie de página"/>
+          <p:cNvPr id="5" name="Footer Placeholder 4"/>
           <p:cNvSpPr>
             <a:spLocks noGrp="1"/>
           </p:cNvSpPr>
@@ -4972,7 +4770,7 @@
         </p:nvSpPr>
         <p:spPr>
           <a:xfrm>
-            <a:off x="3124200" y="6356353"/>
+            <a:off x="3124200" y="6356350"/>
             <a:ext cx="2895600" cy="365125"/>
           </a:xfrm>
           <a:prstGeom prst="rect">
@@ -4982,20 +4780,13 @@
         <p:txBody>
           <a:bodyPr vert="horz" lIns="91440" tIns="45720" rIns="91440" bIns="45720" rtlCol="0" anchor="ctr"/>
           <a:lstStyle>
-            <a:lvl1pPr algn="ctr" fontAlgn="auto">
-              <a:spcBef>
-                <a:spcPts val="0"/>
-              </a:spcBef>
-              <a:spcAft>
-                <a:spcPts val="0"/>
-              </a:spcAft>
+            <a:lvl1pPr algn="ctr">
               <a:defRPr sz="1200">
                 <a:solidFill>
                   <a:schemeClr val="tx1">
                     <a:tint val="75000"/>
                   </a:schemeClr>
                 </a:solidFill>
-                <a:latin typeface="+mn-lt"/>
               </a:defRPr>
             </a:lvl1pPr>
           </a:lstStyle>
@@ -5006,7 +4797,7 @@
       </p:sp>
       <p:sp>
         <p:nvSpPr>
-          <p:cNvPr id="6" name="5 Marcador de número de diapositiva"/>
+          <p:cNvPr id="6" name="Slide Number Placeholder 5"/>
           <p:cNvSpPr>
             <a:spLocks noGrp="1"/>
           </p:cNvSpPr>
@@ -5016,7 +4807,7 @@
         </p:nvSpPr>
         <p:spPr>
           <a:xfrm>
-            <a:off x="6553200" y="6356353"/>
+            <a:off x="6553200" y="6356350"/>
             <a:ext cx="2133600" cy="365125"/>
           </a:xfrm>
           <a:prstGeom prst="rect">
@@ -5026,20 +4817,13 @@
         <p:txBody>
           <a:bodyPr vert="horz" lIns="91440" tIns="45720" rIns="91440" bIns="45720" rtlCol="0" anchor="ctr"/>
           <a:lstStyle>
-            <a:lvl1pPr algn="r" fontAlgn="auto">
-              <a:spcBef>
-                <a:spcPts val="0"/>
-              </a:spcBef>
-              <a:spcAft>
-                <a:spcPts val="0"/>
-              </a:spcAft>
-              <a:defRPr sz="1200" smtClean="0">
+            <a:lvl1pPr algn="r">
+              <a:defRPr sz="1200">
                 <a:solidFill>
                   <a:schemeClr val="tx1">
                     <a:tint val="75000"/>
                   </a:schemeClr>
                 </a:solidFill>
-                <a:latin typeface="+mn-lt"/>
               </a:defRPr>
             </a:lvl1pPr>
           </a:lstStyle>
@@ -5047,37 +4831,40 @@
             <a:fld id="{50178587-63F8-41F6-AE39-05E613E840AE}" type="slidenum">
               <a:rPr lang="es-ES" smtClean="0"/>
               <a:pPr/>
-              <a:t>‹Nº›</a:t>
+              <a:t>‹#›</a:t>
             </a:fld>
             <a:endParaRPr lang="es-ES"/>
           </a:p>
         </p:txBody>
       </p:sp>
     </p:spTree>
+    <p:extLst>
+      <p:ext uri="{BB962C8B-B14F-4D97-AF65-F5344CB8AC3E}">
+        <p14:creationId xmlns:p14="http://schemas.microsoft.com/office/powerpoint/2010/main" val="1190264311"/>
+      </p:ext>
+    </p:extLst>
   </p:cSld>
-  <p:clrMap bg1="dk1" tx1="lt1" bg2="dk2" tx2="lt2" accent1="accent1" accent2="accent2" accent3="accent3" accent4="accent4" accent5="accent5" accent6="accent6" hlink="hlink" folHlink="folHlink"/>
+  <p:clrMap bg1="lt1" tx1="dk1" bg2="lt2" tx2="dk2" accent1="accent1" accent2="accent2" accent3="accent3" accent4="accent4" accent5="accent5" accent6="accent6" hlink="hlink" folHlink="folHlink"/>
   <p:sldLayoutIdLst>
-    <p:sldLayoutId id="2147483685" r:id="rId1"/>
-    <p:sldLayoutId id="2147483686" r:id="rId2"/>
-    <p:sldLayoutId id="2147483687" r:id="rId3"/>
-    <p:sldLayoutId id="2147483688" r:id="rId4"/>
-    <p:sldLayoutId id="2147483689" r:id="rId5"/>
-    <p:sldLayoutId id="2147483690" r:id="rId6"/>
-    <p:sldLayoutId id="2147483691" r:id="rId7"/>
-    <p:sldLayoutId id="2147483692" r:id="rId8"/>
-    <p:sldLayoutId id="2147483693" r:id="rId9"/>
-    <p:sldLayoutId id="2147483694" r:id="rId10"/>
-    <p:sldLayoutId id="2147483695" r:id="rId11"/>
+    <p:sldLayoutId id="2147483697" r:id="rId1"/>
+    <p:sldLayoutId id="2147483698" r:id="rId2"/>
+    <p:sldLayoutId id="2147483699" r:id="rId3"/>
+    <p:sldLayoutId id="2147483700" r:id="rId4"/>
+    <p:sldLayoutId id="2147483701" r:id="rId5"/>
+    <p:sldLayoutId id="2147483702" r:id="rId6"/>
+    <p:sldLayoutId id="2147483703" r:id="rId7"/>
+    <p:sldLayoutId id="2147483704" r:id="rId8"/>
+    <p:sldLayoutId id="2147483705" r:id="rId9"/>
+    <p:sldLayoutId id="2147483706" r:id="rId10"/>
+    <p:sldLayoutId id="2147483707" r:id="rId11"/>
   </p:sldLayoutIdLst>
   <p:txStyles>
     <p:titleStyle>
-      <a:lvl1pPr algn="ctr" rtl="0" eaLnBrk="1" fontAlgn="base" hangingPunct="1">
+      <a:lvl1pPr algn="ctr" defTabSz="457200" rtl="0" eaLnBrk="1" latinLnBrk="0" hangingPunct="1">
         <a:spcBef>
           <a:spcPct val="0"/>
         </a:spcBef>
-        <a:spcAft>
-          <a:spcPct val="0"/>
-        </a:spcAft>
+        <a:buNone/>
         <a:defRPr sz="4400" kern="1200">
           <a:solidFill>
             <a:schemeClr val="tx1"/>
@@ -5087,128 +4874,13 @@
           <a:cs typeface="+mj-cs"/>
         </a:defRPr>
       </a:lvl1pPr>
-      <a:lvl2pPr algn="ctr" rtl="0" eaLnBrk="1" fontAlgn="base" hangingPunct="1">
-        <a:spcBef>
-          <a:spcPct val="0"/>
-        </a:spcBef>
-        <a:spcAft>
-          <a:spcPct val="0"/>
-        </a:spcAft>
-        <a:defRPr sz="4400">
-          <a:solidFill>
-            <a:schemeClr val="tx1"/>
-          </a:solidFill>
-          <a:latin typeface="Calibri" pitchFamily="34" charset="0"/>
-        </a:defRPr>
-      </a:lvl2pPr>
-      <a:lvl3pPr algn="ctr" rtl="0" eaLnBrk="1" fontAlgn="base" hangingPunct="1">
-        <a:spcBef>
-          <a:spcPct val="0"/>
-        </a:spcBef>
-        <a:spcAft>
-          <a:spcPct val="0"/>
-        </a:spcAft>
-        <a:defRPr sz="4400">
-          <a:solidFill>
-            <a:schemeClr val="tx1"/>
-          </a:solidFill>
-          <a:latin typeface="Calibri" pitchFamily="34" charset="0"/>
-        </a:defRPr>
-      </a:lvl3pPr>
-      <a:lvl4pPr algn="ctr" rtl="0" eaLnBrk="1" fontAlgn="base" hangingPunct="1">
-        <a:spcBef>
-          <a:spcPct val="0"/>
-        </a:spcBef>
-        <a:spcAft>
-          <a:spcPct val="0"/>
-        </a:spcAft>
-        <a:defRPr sz="4400">
-          <a:solidFill>
-            <a:schemeClr val="tx1"/>
-          </a:solidFill>
-          <a:latin typeface="Calibri" pitchFamily="34" charset="0"/>
-        </a:defRPr>
-      </a:lvl4pPr>
-      <a:lvl5pPr algn="ctr" rtl="0" eaLnBrk="1" fontAlgn="base" hangingPunct="1">
-        <a:spcBef>
-          <a:spcPct val="0"/>
-        </a:spcBef>
-        <a:spcAft>
-          <a:spcPct val="0"/>
-        </a:spcAft>
-        <a:defRPr sz="4400">
-          <a:solidFill>
-            <a:schemeClr val="tx1"/>
-          </a:solidFill>
-          <a:latin typeface="Calibri" pitchFamily="34" charset="0"/>
-        </a:defRPr>
-      </a:lvl5pPr>
-      <a:lvl6pPr marL="457200" algn="ctr" rtl="0" eaLnBrk="1" fontAlgn="base" hangingPunct="1">
-        <a:spcBef>
-          <a:spcPct val="0"/>
-        </a:spcBef>
-        <a:spcAft>
-          <a:spcPct val="0"/>
-        </a:spcAft>
-        <a:defRPr sz="4400">
-          <a:solidFill>
-            <a:schemeClr val="tx1"/>
-          </a:solidFill>
-          <a:latin typeface="Calibri" pitchFamily="34" charset="0"/>
-        </a:defRPr>
-      </a:lvl6pPr>
-      <a:lvl7pPr marL="914400" algn="ctr" rtl="0" eaLnBrk="1" fontAlgn="base" hangingPunct="1">
-        <a:spcBef>
-          <a:spcPct val="0"/>
-        </a:spcBef>
-        <a:spcAft>
-          <a:spcPct val="0"/>
-        </a:spcAft>
-        <a:defRPr sz="4400">
-          <a:solidFill>
-            <a:schemeClr val="tx1"/>
-          </a:solidFill>
-          <a:latin typeface="Calibri" pitchFamily="34" charset="0"/>
-        </a:defRPr>
-      </a:lvl7pPr>
-      <a:lvl8pPr marL="1371600" algn="ctr" rtl="0" eaLnBrk="1" fontAlgn="base" hangingPunct="1">
-        <a:spcBef>
-          <a:spcPct val="0"/>
-        </a:spcBef>
-        <a:spcAft>
-          <a:spcPct val="0"/>
-        </a:spcAft>
-        <a:defRPr sz="4400">
-          <a:solidFill>
-            <a:schemeClr val="tx1"/>
-          </a:solidFill>
-          <a:latin typeface="Calibri" pitchFamily="34" charset="0"/>
-        </a:defRPr>
-      </a:lvl8pPr>
-      <a:lvl9pPr marL="1828800" algn="ctr" rtl="0" eaLnBrk="1" fontAlgn="base" hangingPunct="1">
-        <a:spcBef>
-          <a:spcPct val="0"/>
-        </a:spcBef>
-        <a:spcAft>
-          <a:spcPct val="0"/>
-        </a:spcAft>
-        <a:defRPr sz="4400">
-          <a:solidFill>
-            <a:schemeClr val="tx1"/>
-          </a:solidFill>
-          <a:latin typeface="Calibri" pitchFamily="34" charset="0"/>
-        </a:defRPr>
-      </a:lvl9pPr>
     </p:titleStyle>
     <p:bodyStyle>
-      <a:lvl1pPr marL="342900" indent="-342900" algn="l" rtl="0" eaLnBrk="1" fontAlgn="base" hangingPunct="1">
+      <a:lvl1pPr marL="342900" indent="-342900" algn="l" defTabSz="457200" rtl="0" eaLnBrk="1" latinLnBrk="0" hangingPunct="1">
         <a:spcBef>
           <a:spcPct val="20000"/>
         </a:spcBef>
-        <a:spcAft>
-          <a:spcPct val="0"/>
-        </a:spcAft>
-        <a:buFont typeface="Arial" charset="0"/>
+        <a:buFont typeface="Arial"/>
         <a:buChar char="•"/>
         <a:defRPr sz="3200" kern="1200">
           <a:solidFill>
@@ -5219,14 +4891,11 @@
           <a:cs typeface="+mn-cs"/>
         </a:defRPr>
       </a:lvl1pPr>
-      <a:lvl2pPr marL="742950" indent="-285750" algn="l" rtl="0" eaLnBrk="1" fontAlgn="base" hangingPunct="1">
+      <a:lvl2pPr marL="742950" indent="-285750" algn="l" defTabSz="457200" rtl="0" eaLnBrk="1" latinLnBrk="0" hangingPunct="1">
         <a:spcBef>
           <a:spcPct val="20000"/>
         </a:spcBef>
-        <a:spcAft>
-          <a:spcPct val="0"/>
-        </a:spcAft>
-        <a:buFont typeface="Arial" charset="0"/>
+        <a:buFont typeface="Arial"/>
         <a:buChar char="–"/>
         <a:defRPr sz="2800" kern="1200">
           <a:solidFill>
@@ -5237,14 +4906,11 @@
           <a:cs typeface="+mn-cs"/>
         </a:defRPr>
       </a:lvl2pPr>
-      <a:lvl3pPr marL="1143000" indent="-228600" algn="l" rtl="0" eaLnBrk="1" fontAlgn="base" hangingPunct="1">
+      <a:lvl3pPr marL="1143000" indent="-228600" algn="l" defTabSz="457200" rtl="0" eaLnBrk="1" latinLnBrk="0" hangingPunct="1">
         <a:spcBef>
           <a:spcPct val="20000"/>
         </a:spcBef>
-        <a:spcAft>
-          <a:spcPct val="0"/>
-        </a:spcAft>
-        <a:buFont typeface="Arial" charset="0"/>
+        <a:buFont typeface="Arial"/>
         <a:buChar char="•"/>
         <a:defRPr sz="2400" kern="1200">
           <a:solidFill>
@@ -5255,14 +4921,11 @@
           <a:cs typeface="+mn-cs"/>
         </a:defRPr>
       </a:lvl3pPr>
-      <a:lvl4pPr marL="1600200" indent="-228600" algn="l" rtl="0" eaLnBrk="1" fontAlgn="base" hangingPunct="1">
+      <a:lvl4pPr marL="1600200" indent="-228600" algn="l" defTabSz="457200" rtl="0" eaLnBrk="1" latinLnBrk="0" hangingPunct="1">
         <a:spcBef>
           <a:spcPct val="20000"/>
         </a:spcBef>
-        <a:spcAft>
-          <a:spcPct val="0"/>
-        </a:spcAft>
-        <a:buFont typeface="Arial" charset="0"/>
+        <a:buFont typeface="Arial"/>
         <a:buChar char="–"/>
         <a:defRPr sz="2000" kern="1200">
           <a:solidFill>
@@ -5273,14 +4936,11 @@
           <a:cs typeface="+mn-cs"/>
         </a:defRPr>
       </a:lvl4pPr>
-      <a:lvl5pPr marL="2057400" indent="-228600" algn="l" rtl="0" eaLnBrk="1" fontAlgn="base" hangingPunct="1">
+      <a:lvl5pPr marL="2057400" indent="-228600" algn="l" defTabSz="457200" rtl="0" eaLnBrk="1" latinLnBrk="0" hangingPunct="1">
         <a:spcBef>
           <a:spcPct val="20000"/>
         </a:spcBef>
-        <a:spcAft>
-          <a:spcPct val="0"/>
-        </a:spcAft>
-        <a:buFont typeface="Arial" charset="0"/>
+        <a:buFont typeface="Arial"/>
         <a:buChar char="»"/>
         <a:defRPr sz="2000" kern="1200">
           <a:solidFill>
@@ -5291,11 +4951,11 @@
           <a:cs typeface="+mn-cs"/>
         </a:defRPr>
       </a:lvl5pPr>
-      <a:lvl6pPr marL="2514600" indent="-228600" algn="l" defTabSz="914400" rtl="0" eaLnBrk="1" latinLnBrk="0" hangingPunct="1">
+      <a:lvl6pPr marL="2514600" indent="-228600" algn="l" defTabSz="457200" rtl="0" eaLnBrk="1" latinLnBrk="0" hangingPunct="1">
         <a:spcBef>
           <a:spcPct val="20000"/>
         </a:spcBef>
-        <a:buFont typeface="Arial" pitchFamily="34" charset="0"/>
+        <a:buFont typeface="Arial"/>
         <a:buChar char="•"/>
         <a:defRPr sz="2000" kern="1200">
           <a:solidFill>
@@ -5306,11 +4966,11 @@
           <a:cs typeface="+mn-cs"/>
         </a:defRPr>
       </a:lvl6pPr>
-      <a:lvl7pPr marL="2971800" indent="-228600" algn="l" defTabSz="914400" rtl="0" eaLnBrk="1" latinLnBrk="0" hangingPunct="1">
+      <a:lvl7pPr marL="2971800" indent="-228600" algn="l" defTabSz="457200" rtl="0" eaLnBrk="1" latinLnBrk="0" hangingPunct="1">
         <a:spcBef>
           <a:spcPct val="20000"/>
         </a:spcBef>
-        <a:buFont typeface="Arial" pitchFamily="34" charset="0"/>
+        <a:buFont typeface="Arial"/>
         <a:buChar char="•"/>
         <a:defRPr sz="2000" kern="1200">
           <a:solidFill>
@@ -5321,11 +4981,11 @@
           <a:cs typeface="+mn-cs"/>
         </a:defRPr>
       </a:lvl7pPr>
-      <a:lvl8pPr marL="3429000" indent="-228600" algn="l" defTabSz="914400" rtl="0" eaLnBrk="1" latinLnBrk="0" hangingPunct="1">
+      <a:lvl8pPr marL="3429000" indent="-228600" algn="l" defTabSz="457200" rtl="0" eaLnBrk="1" latinLnBrk="0" hangingPunct="1">
         <a:spcBef>
           <a:spcPct val="20000"/>
         </a:spcBef>
-        <a:buFont typeface="Arial" pitchFamily="34" charset="0"/>
+        <a:buFont typeface="Arial"/>
         <a:buChar char="•"/>
         <a:defRPr sz="2000" kern="1200">
           <a:solidFill>
@@ -5336,11 +4996,11 @@
           <a:cs typeface="+mn-cs"/>
         </a:defRPr>
       </a:lvl8pPr>
-      <a:lvl9pPr marL="3886200" indent="-228600" algn="l" defTabSz="914400" rtl="0" eaLnBrk="1" latinLnBrk="0" hangingPunct="1">
+      <a:lvl9pPr marL="3886200" indent="-228600" algn="l" defTabSz="457200" rtl="0" eaLnBrk="1" latinLnBrk="0" hangingPunct="1">
         <a:spcBef>
           <a:spcPct val="20000"/>
         </a:spcBef>
-        <a:buFont typeface="Arial" pitchFamily="34" charset="0"/>
+        <a:buFont typeface="Arial"/>
         <a:buChar char="•"/>
         <a:defRPr sz="2000" kern="1200">
           <a:solidFill>
@@ -5354,9 +5014,9 @@
     </p:bodyStyle>
     <p:otherStyle>
       <a:defPPr>
-        <a:defRPr lang="es-ES"/>
+        <a:defRPr lang="en-US"/>
       </a:defPPr>
-      <a:lvl1pPr marL="0" algn="l" defTabSz="914400" rtl="0" eaLnBrk="1" latinLnBrk="0" hangingPunct="1">
+      <a:lvl1pPr marL="0" algn="l" defTabSz="457200" rtl="0" eaLnBrk="1" latinLnBrk="0" hangingPunct="1">
         <a:defRPr sz="1800" kern="1200">
           <a:solidFill>
             <a:schemeClr val="tx1"/>
@@ -5366,7 +5026,7 @@
           <a:cs typeface="+mn-cs"/>
         </a:defRPr>
       </a:lvl1pPr>
-      <a:lvl2pPr marL="457200" algn="l" defTabSz="914400" rtl="0" eaLnBrk="1" latinLnBrk="0" hangingPunct="1">
+      <a:lvl2pPr marL="457200" algn="l" defTabSz="457200" rtl="0" eaLnBrk="1" latinLnBrk="0" hangingPunct="1">
         <a:defRPr sz="1800" kern="1200">
           <a:solidFill>
             <a:schemeClr val="tx1"/>
@@ -5376,7 +5036,7 @@
           <a:cs typeface="+mn-cs"/>
         </a:defRPr>
       </a:lvl2pPr>
-      <a:lvl3pPr marL="914400" algn="l" defTabSz="914400" rtl="0" eaLnBrk="1" latinLnBrk="0" hangingPunct="1">
+      <a:lvl3pPr marL="914400" algn="l" defTabSz="457200" rtl="0" eaLnBrk="1" latinLnBrk="0" hangingPunct="1">
         <a:defRPr sz="1800" kern="1200">
           <a:solidFill>
             <a:schemeClr val="tx1"/>
@@ -5386,7 +5046,7 @@
           <a:cs typeface="+mn-cs"/>
         </a:defRPr>
       </a:lvl3pPr>
-      <a:lvl4pPr marL="1371600" algn="l" defTabSz="914400" rtl="0" eaLnBrk="1" latinLnBrk="0" hangingPunct="1">
+      <a:lvl4pPr marL="1371600" algn="l" defTabSz="457200" rtl="0" eaLnBrk="1" latinLnBrk="0" hangingPunct="1">
         <a:defRPr sz="1800" kern="1200">
           <a:solidFill>
             <a:schemeClr val="tx1"/>
@@ -5396,7 +5056,7 @@
           <a:cs typeface="+mn-cs"/>
         </a:defRPr>
       </a:lvl4pPr>
-      <a:lvl5pPr marL="1828800" algn="l" defTabSz="914400" rtl="0" eaLnBrk="1" latinLnBrk="0" hangingPunct="1">
+      <a:lvl5pPr marL="1828800" algn="l" defTabSz="457200" rtl="0" eaLnBrk="1" latinLnBrk="0" hangingPunct="1">
         <a:defRPr sz="1800" kern="1200">
           <a:solidFill>
             <a:schemeClr val="tx1"/>
@@ -5406,7 +5066,7 @@
           <a:cs typeface="+mn-cs"/>
         </a:defRPr>
       </a:lvl5pPr>
-      <a:lvl6pPr marL="2286000" algn="l" defTabSz="914400" rtl="0" eaLnBrk="1" latinLnBrk="0" hangingPunct="1">
+      <a:lvl6pPr marL="2286000" algn="l" defTabSz="457200" rtl="0" eaLnBrk="1" latinLnBrk="0" hangingPunct="1">
         <a:defRPr sz="1800" kern="1200">
           <a:solidFill>
             <a:schemeClr val="tx1"/>
@@ -5416,7 +5076,7 @@
           <a:cs typeface="+mn-cs"/>
         </a:defRPr>
       </a:lvl6pPr>
-      <a:lvl7pPr marL="2743200" algn="l" defTabSz="914400" rtl="0" eaLnBrk="1" latinLnBrk="0" hangingPunct="1">
+      <a:lvl7pPr marL="2743200" algn="l" defTabSz="457200" rtl="0" eaLnBrk="1" latinLnBrk="0" hangingPunct="1">
         <a:defRPr sz="1800" kern="1200">
           <a:solidFill>
             <a:schemeClr val="tx1"/>
@@ -5426,7 +5086,7 @@
           <a:cs typeface="+mn-cs"/>
         </a:defRPr>
       </a:lvl7pPr>
-      <a:lvl8pPr marL="3200400" algn="l" defTabSz="914400" rtl="0" eaLnBrk="1" latinLnBrk="0" hangingPunct="1">
+      <a:lvl8pPr marL="3200400" algn="l" defTabSz="457200" rtl="0" eaLnBrk="1" latinLnBrk="0" hangingPunct="1">
         <a:defRPr sz="1800" kern="1200">
           <a:solidFill>
             <a:schemeClr val="tx1"/>
@@ -5436,7 +5096,7 @@
           <a:cs typeface="+mn-cs"/>
         </a:defRPr>
       </a:lvl8pPr>
-      <a:lvl9pPr marL="3657600" algn="l" defTabSz="914400" rtl="0" eaLnBrk="1" latinLnBrk="0" hangingPunct="1">
+      <a:lvl9pPr marL="3657600" algn="l" defTabSz="457200" rtl="0" eaLnBrk="1" latinLnBrk="0" hangingPunct="1">
         <a:defRPr sz="1800" kern="1200">
           <a:solidFill>
             <a:schemeClr val="tx1"/>
@@ -5470,287 +5130,278 @@
       </p:grpSpPr>
       <p:sp>
         <p:nvSpPr>
-          <p:cNvPr id="6" name="2 Título"/>
-          <p:cNvSpPr>
-            <a:spLocks noGrp="1"/>
-          </p:cNvSpPr>
-          <p:nvPr>
-            <p:ph type="title"/>
+          <p:cNvPr id="2" name="1 Título"/>
+          <p:cNvSpPr>
+            <a:spLocks noGrp="1"/>
+          </p:cNvSpPr>
+          <p:nvPr>
+            <p:ph type="ctrTitle"/>
           </p:nvPr>
         </p:nvSpPr>
         <p:spPr>
           <a:xfrm>
-            <a:off x="529208" y="44624"/>
-            <a:ext cx="8229600" cy="792088"/>
+            <a:off x="472008" y="1268760"/>
+            <a:ext cx="8204448" cy="2592288"/>
           </a:xfrm>
         </p:spPr>
         <p:txBody>
-          <a:bodyPr/>
-          <a:lstStyle/>
-          <a:p>
-            <a:r>
-              <a:rPr lang="es-PE" dirty="0" smtClean="0">
-                <a:solidFill>
-                  <a:srgbClr val="00823B"/>
+          <a:bodyPr>
+            <a:normAutofit fontScale="90000"/>
+          </a:bodyPr>
+          <a:lstStyle/>
+          <a:p>
+            <a:r>
+              <a:rPr lang="en-US" sz="11500" b="1" dirty="0" smtClean="0">
+                <a:solidFill>
+                  <a:srgbClr val="FF0000"/>
                 </a:solidFill>
               </a:rPr>
-              <a:t>Licencia de Uso</a:t>
-            </a:r>
-            <a:endParaRPr lang="es-PE" dirty="0">
+              <a:t>Legacy Code</a:t>
+            </a:r>
+            <a:br>
+              <a:rPr lang="en-US" sz="11500" b="1" dirty="0" smtClean="0">
+                <a:solidFill>
+                  <a:srgbClr val="FF0000"/>
+                </a:solidFill>
+              </a:rPr>
+            </a:br>
+            <a:r>
+              <a:rPr lang="en-US" sz="7200" b="1" dirty="0"/>
+              <a:t>Test Automation</a:t>
+            </a:r>
+            <a:endParaRPr lang="en-US" sz="7200" b="1" dirty="0">
               <a:solidFill>
-                <a:srgbClr val="00823B"/>
+                <a:srgbClr val="FF0000"/>
               </a:solidFill>
             </a:endParaRPr>
           </a:p>
         </p:txBody>
       </p:sp>
-      <p:pic>
-        <p:nvPicPr>
-          <p:cNvPr id="1028" name="Picture 4"/>
-          <p:cNvPicPr>
-            <a:picLocks noChangeAspect="1" noChangeArrowheads="1"/>
-          </p:cNvPicPr>
+      <p:sp>
+        <p:nvSpPr>
+          <p:cNvPr id="5" name="2 Subtítulo"/>
+          <p:cNvSpPr txBox="1">
+            <a:spLocks/>
+          </p:cNvSpPr>
           <p:nvPr/>
-        </p:nvPicPr>
-        <p:blipFill>
-          <a:blip r:embed="rId3">
-            <a:extLst>
-              <a:ext uri="{28A0092B-C50C-407E-A947-70E740481C1C}">
-                <a14:useLocalDpi xmlns:a14="http://schemas.microsoft.com/office/drawing/2010/main" val="0"/>
-              </a:ext>
-            </a:extLst>
-          </a:blip>
-          <a:srcRect/>
-          <a:stretch>
-            <a:fillRect/>
-          </a:stretch>
-        </p:blipFill>
+        </p:nvSpPr>
         <p:spPr bwMode="auto">
           <a:xfrm>
-            <a:off x="228576" y="839624"/>
-            <a:ext cx="8686848" cy="4706722"/>
+            <a:off x="179512" y="5407164"/>
+            <a:ext cx="3214709" cy="515717"/>
           </a:xfrm>
           <a:prstGeom prst="rect">
             <a:avLst/>
           </a:prstGeom>
           <a:noFill/>
-          <a:ln>
+          <a:ln w="9525">
             <a:noFill/>
+            <a:miter lim="800000"/>
+            <a:headEnd/>
+            <a:tailEnd/>
           </a:ln>
-          <a:effectLst/>
-          <a:extLst>
-            <a:ext uri="{909E8E84-426E-40DD-AFC4-6F175D3DCCD1}">
-              <a14:hiddenFill xmlns:a14="http://schemas.microsoft.com/office/drawing/2010/main">
-                <a:solidFill>
-                  <a:schemeClr val="accent1"/>
-                </a:solidFill>
-              </a14:hiddenFill>
-            </a:ext>
-            <a:ext uri="{91240B29-F687-4F45-9708-019B960494DF}">
-              <a14:hiddenLine xmlns:a14="http://schemas.microsoft.com/office/drawing/2010/main" w="9525">
-                <a:solidFill>
-                  <a:schemeClr val="tx1"/>
-                </a:solidFill>
-                <a:miter lim="800000"/>
-                <a:headEnd/>
-                <a:tailEnd/>
-              </a14:hiddenLine>
-            </a:ext>
-            <a:ext uri="{AF507438-7753-43E0-B8FC-AC1667EBCBE1}">
-              <a14:hiddenEffects xmlns:a14="http://schemas.microsoft.com/office/drawing/2010/main">
-                <a:effectLst>
-                  <a:outerShdw dist="35921" dir="2700000" algn="ctr" rotWithShape="0">
-                    <a:schemeClr val="bg2"/>
-                  </a:outerShdw>
-                </a:effectLst>
-              </a14:hiddenEffects>
-            </a:ext>
-          </a:extLst>
         </p:spPr>
-      </p:pic>
-      <p:sp>
-        <p:nvSpPr>
-          <p:cNvPr id="5" name="4 Rectángulo"/>
-          <p:cNvSpPr/>
-          <p:nvPr/>
-        </p:nvSpPr>
-        <p:spPr>
-          <a:xfrm>
-            <a:off x="135422" y="5567000"/>
-            <a:ext cx="8334672" cy="1138773"/>
-          </a:xfrm>
-          <a:prstGeom prst="rect">
-            <a:avLst/>
-          </a:prstGeom>
-        </p:spPr>
-        <p:txBody>
-          <a:bodyPr wrap="square">
-            <a:spAutoFit/>
+        <p:txBody>
+          <a:bodyPr vert="horz" wrap="square" lIns="91440" tIns="45720" rIns="91440" bIns="45720" numCol="1" rtlCol="0" anchor="t" anchorCtr="0" compatLnSpc="1">
+            <a:prstTxWarp prst="textNoShape">
+              <a:avLst/>
+            </a:prstTxWarp>
+            <a:noAutofit/>
           </a:bodyPr>
           <a:lstStyle/>
           <a:p>
-            <a:r>
-              <a:rPr lang="en-US" sz="2200" dirty="0" smtClean="0"/>
-              <a:t>"</a:t>
-            </a:r>
-            <a:r>
-              <a:rPr lang="en-US" sz="2200" smtClean="0"/>
-              <a:t>Test Automation .NET"</a:t>
-            </a:r>
-            <a:r>
-              <a:rPr lang="en-US" sz="2200" dirty="0"/>
-              <a:t>  is licensed under a </a:t>
-            </a:r>
-            <a:r>
-              <a:rPr lang="en-US" sz="2200" dirty="0" smtClean="0"/>
-              <a:t/>
-            </a:r>
-            <a:br>
-              <a:rPr lang="en-US" sz="2200" dirty="0" smtClean="0"/>
-            </a:br>
-            <a:r>
-              <a:rPr lang="en-US" sz="2200" dirty="0" smtClean="0">
-                <a:solidFill>
-                  <a:srgbClr val="FFC000"/>
-                </a:solidFill>
+            <a:pPr marL="0" marR="0" lvl="0" indent="0" algn="ctr" defTabSz="914400" rtl="0" eaLnBrk="1" fontAlgn="auto" latinLnBrk="0" hangingPunct="1">
+              <a:lnSpc>
+                <a:spcPct val="100000"/>
+              </a:lnSpc>
+              <a:spcBef>
+                <a:spcPct val="20000"/>
+              </a:spcBef>
+              <a:spcAft>
+                <a:spcPts val="0"/>
+              </a:spcAft>
+              <a:buClrTx/>
+              <a:buSzTx/>
+              <a:buFont typeface="Arial" pitchFamily="34" charset="0"/>
+              <a:buNone/>
+              <a:tabLst/>
+              <a:defRPr/>
+            </a:pPr>
+            <a:r>
+              <a:rPr kumimoji="0" lang="es-PE" sz="2600" b="1" i="0" u="none" strike="noStrike" kern="1200" cap="none" spc="0" normalizeH="0" baseline="0" noProof="0" dirty="0" smtClean="0">
+                <a:ln>
+                  <a:noFill/>
+                </a:ln>
+                <a:solidFill>
+                  <a:srgbClr val="00B050"/>
+                </a:solidFill>
+                <a:effectLst/>
+                <a:uLnTx/>
+                <a:uFillTx/>
               </a:rPr>
-              <a:t>Creative </a:t>
-            </a:r>
-            <a:r>
-              <a:rPr lang="en-US" sz="2200" dirty="0">
-                <a:solidFill>
-                  <a:srgbClr val="FFC000"/>
-                </a:solidFill>
-              </a:rPr>
-              <a:t>Commons Attribution-</a:t>
-            </a:r>
-            <a:r>
-              <a:rPr lang="en-US" sz="2200" dirty="0" err="1">
-                <a:solidFill>
-                  <a:srgbClr val="FFC000"/>
-                </a:solidFill>
-              </a:rPr>
-              <a:t>ShareAlike</a:t>
-            </a:r>
-            <a:r>
-              <a:rPr lang="en-US" sz="2200" dirty="0">
-                <a:solidFill>
-                  <a:srgbClr val="FFC000"/>
-                </a:solidFill>
-              </a:rPr>
-              <a:t> 3.0 </a:t>
-            </a:r>
-            <a:r>
-              <a:rPr lang="en-US" sz="2200" dirty="0" err="1">
-                <a:solidFill>
-                  <a:srgbClr val="FFC000"/>
-                </a:solidFill>
-              </a:rPr>
-              <a:t>Unported</a:t>
-            </a:r>
-            <a:r>
-              <a:rPr lang="en-US" sz="2200" dirty="0">
-                <a:solidFill>
-                  <a:srgbClr val="FFC000"/>
-                </a:solidFill>
-              </a:rPr>
-              <a:t> </a:t>
-            </a:r>
-            <a:r>
-              <a:rPr lang="en-US" sz="2200" dirty="0" smtClean="0">
-                <a:solidFill>
-                  <a:srgbClr val="FFC000"/>
-                </a:solidFill>
-              </a:rPr>
-              <a:t>License</a:t>
-            </a:r>
-          </a:p>
-          <a:p>
-            <a:r>
-              <a:rPr lang="es-PE" sz="2200" dirty="0"/>
-              <a:t>http://creativecommons.org/licenses/by-nc-sa/3.0/deed.es</a:t>
-            </a:r>
-            <a:endParaRPr lang="es-PE" sz="2200" dirty="0">
-              <a:solidFill>
-                <a:srgbClr val="FFC000"/>
-              </a:solidFill>
-            </a:endParaRPr>
-          </a:p>
-        </p:txBody>
-      </p:sp>
-      <p:sp>
-        <p:nvSpPr>
-          <p:cNvPr id="9" name="AutoShape 10" descr="http://i.creativecommons.org/l/by-sa/3.0/88x31.png"/>
-          <p:cNvSpPr>
-            <a:spLocks noChangeAspect="1" noChangeArrowheads="1"/>
+              <a:t>Angel Núñez Salazar</a:t>
+            </a:r>
+          </a:p>
+        </p:txBody>
+      </p:sp>
+      <p:sp>
+        <p:nvSpPr>
+          <p:cNvPr id="7" name="Rectangle 1"/>
+          <p:cNvSpPr>
+            <a:spLocks noChangeArrowheads="1"/>
           </p:cNvSpPr>
           <p:nvPr/>
         </p:nvSpPr>
         <p:spPr bwMode="auto">
           <a:xfrm>
-            <a:off x="155575" y="-144463"/>
-            <a:ext cx="304800" cy="304801"/>
+            <a:off x="3715072" y="5157192"/>
+            <a:ext cx="5105400" cy="1015663"/>
           </a:xfrm>
           <a:prstGeom prst="rect">
             <a:avLst/>
           </a:prstGeom>
           <a:noFill/>
-          <a:extLst>
-            <a:ext uri="{909E8E84-426E-40DD-AFC4-6F175D3DCCD1}">
-              <a14:hiddenFill xmlns:a14="http://schemas.microsoft.com/office/drawing/2010/main">
-                <a:solidFill>
-                  <a:srgbClr val="FFFFFF"/>
-                </a:solidFill>
-              </a14:hiddenFill>
-            </a:ext>
-          </a:extLst>
+          <a:ln w="9525">
+            <a:noFill/>
+            <a:miter lim="800000"/>
+            <a:headEnd/>
+            <a:tailEnd/>
+          </a:ln>
+          <a:effectLst/>
         </p:spPr>
         <p:txBody>
-          <a:bodyPr vert="horz" wrap="square" lIns="91440" tIns="45720" rIns="91440" bIns="45720" numCol="1" anchor="t" anchorCtr="0" compatLnSpc="1">
+          <a:bodyPr vert="horz" wrap="square" lIns="91440" tIns="45720" rIns="91440" bIns="45720" numCol="1" anchor="ctr" anchorCtr="0" compatLnSpc="1">
             <a:prstTxWarp prst="textNoShape">
               <a:avLst/>
             </a:prstTxWarp>
+            <a:spAutoFit/>
           </a:bodyPr>
           <a:lstStyle/>
           <a:p>
-            <a:endParaRPr lang="es-PE"/>
-          </a:p>
-        </p:txBody>
-      </p:sp>
-      <p:pic>
-        <p:nvPicPr>
-          <p:cNvPr id="15" name="14 Imagen"/>
-          <p:cNvPicPr>
-            <a:picLocks noChangeAspect="1"/>
-          </p:cNvPicPr>
-          <p:nvPr/>
-        </p:nvPicPr>
-        <p:blipFill>
-          <a:blip r:embed="rId4">
-            <a:extLst>
-              <a:ext uri="{28A0092B-C50C-407E-A947-70E740481C1C}">
-                <a14:useLocalDpi xmlns:a14="http://schemas.microsoft.com/office/drawing/2010/main" val="0"/>
-              </a:ext>
-            </a:extLst>
-          </a:blip>
-          <a:stretch>
-            <a:fillRect/>
-          </a:stretch>
-        </p:blipFill>
-        <p:spPr>
-          <a:xfrm>
-            <a:off x="7669841" y="5916993"/>
-            <a:ext cx="1245583" cy="438785"/>
-          </a:xfrm>
-          <a:prstGeom prst="rect">
-            <a:avLst/>
-          </a:prstGeom>
-        </p:spPr>
-      </p:pic>
+            <a:pPr lvl="0" algn="r" fontAlgn="base">
+              <a:spcBef>
+                <a:spcPct val="0"/>
+              </a:spcBef>
+              <a:spcAft>
+                <a:spcPct val="0"/>
+              </a:spcAft>
+            </a:pPr>
+            <a:r>
+              <a:rPr lang="en-US" sz="2000" dirty="0" smtClean="0">
+                <a:latin typeface="Trebuchet MS" pitchFamily="34" charset="0"/>
+                <a:ea typeface="Calibri" pitchFamily="34" charset="0"/>
+                <a:cs typeface="Arial" pitchFamily="34" charset="0"/>
+              </a:rPr>
+              <a:t>Email: </a:t>
+            </a:r>
+            <a:r>
+              <a:rPr lang="en-US" sz="2000" dirty="0">
+                <a:solidFill>
+                  <a:srgbClr val="FFC000"/>
+                </a:solidFill>
+                <a:latin typeface="Trebuchet MS" pitchFamily="34" charset="0"/>
+                <a:ea typeface="Calibri" pitchFamily="34" charset="0"/>
+                <a:cs typeface="Arial" pitchFamily="34" charset="0"/>
+              </a:rPr>
+              <a:t>angel.nunez.salazar@gmail.com</a:t>
+            </a:r>
+          </a:p>
+          <a:p>
+            <a:pPr lvl="0" algn="r" eaLnBrk="0" fontAlgn="base" hangingPunct="0">
+              <a:spcBef>
+                <a:spcPct val="0"/>
+              </a:spcBef>
+              <a:spcAft>
+                <a:spcPct val="0"/>
+              </a:spcAft>
+            </a:pPr>
+            <a:r>
+              <a:rPr lang="en-US" sz="2000" dirty="0" smtClean="0">
+                <a:latin typeface="Trebuchet MS" pitchFamily="34" charset="0"/>
+                <a:ea typeface="Calibri" pitchFamily="34" charset="0"/>
+                <a:cs typeface="Arial" pitchFamily="34" charset="0"/>
+              </a:rPr>
+              <a:t>Blog: </a:t>
+            </a:r>
+            <a:r>
+              <a:rPr lang="en-US" sz="2000" dirty="0">
+                <a:solidFill>
+                  <a:srgbClr val="FFC000"/>
+                </a:solidFill>
+                <a:latin typeface="Trebuchet MS" pitchFamily="34" charset="0"/>
+                <a:ea typeface="Calibri" pitchFamily="34" charset="0"/>
+                <a:cs typeface="Arial" pitchFamily="34" charset="0"/>
+              </a:rPr>
+              <a:t>http://</a:t>
+            </a:r>
+            <a:r>
+              <a:rPr lang="en-US" sz="2000" dirty="0" smtClean="0">
+                <a:solidFill>
+                  <a:srgbClr val="FFC000"/>
+                </a:solidFill>
+                <a:latin typeface="Trebuchet MS" pitchFamily="34" charset="0"/>
+                <a:ea typeface="Calibri" pitchFamily="34" charset="0"/>
+                <a:cs typeface="Arial" pitchFamily="34" charset="0"/>
+              </a:rPr>
+              <a:t>snahider.blogspot.com</a:t>
+            </a:r>
+          </a:p>
+          <a:p>
+            <a:pPr lvl="0" algn="r" eaLnBrk="0" fontAlgn="base" hangingPunct="0">
+              <a:spcBef>
+                <a:spcPct val="0"/>
+              </a:spcBef>
+              <a:spcAft>
+                <a:spcPct val="0"/>
+              </a:spcAft>
+            </a:pPr>
+            <a:r>
+              <a:rPr lang="en-US" sz="2000" dirty="0" smtClean="0">
+                <a:latin typeface="Trebuchet MS" pitchFamily="34" charset="0"/>
+                <a:ea typeface="Calibri" pitchFamily="34" charset="0"/>
+                <a:cs typeface="Arial" pitchFamily="34" charset="0"/>
+              </a:rPr>
+              <a:t>Twitter: </a:t>
+            </a:r>
+            <a:r>
+              <a:rPr lang="en-US" sz="2000" dirty="0" smtClean="0">
+                <a:solidFill>
+                  <a:srgbClr val="FFC000"/>
+                </a:solidFill>
+                <a:latin typeface="Trebuchet MS" pitchFamily="34" charset="0"/>
+                <a:ea typeface="Calibri" pitchFamily="34" charset="0"/>
+                <a:cs typeface="Arial" pitchFamily="34" charset="0"/>
+              </a:rPr>
+              <a:t>@</a:t>
+            </a:r>
+            <a:r>
+              <a:rPr lang="en-US" sz="2000" dirty="0" err="1" smtClean="0">
+                <a:solidFill>
+                  <a:srgbClr val="FFC000"/>
+                </a:solidFill>
+                <a:latin typeface="Trebuchet MS" pitchFamily="34" charset="0"/>
+                <a:ea typeface="Calibri" pitchFamily="34" charset="0"/>
+                <a:cs typeface="Arial" pitchFamily="34" charset="0"/>
+              </a:rPr>
+              <a:t>snahider</a:t>
+            </a:r>
+            <a:r>
+              <a:rPr lang="en-US" sz="2000" dirty="0" smtClean="0">
+                <a:solidFill>
+                  <a:srgbClr val="FFC000"/>
+                </a:solidFill>
+                <a:latin typeface="Trebuchet MS" pitchFamily="34" charset="0"/>
+                <a:cs typeface="Arial" pitchFamily="34" charset="0"/>
+              </a:rPr>
+              <a:t> </a:t>
+            </a:r>
+          </a:p>
+        </p:txBody>
+      </p:sp>
     </p:spTree>
     <p:extLst>
       <p:ext uri="{BB962C8B-B14F-4D97-AF65-F5344CB8AC3E}">
-        <p14:creationId xmlns:p14="http://schemas.microsoft.com/office/powerpoint/2010/main" val="3626734535"/>
+        <p14:creationId xmlns:p14="http://schemas.microsoft.com/office/powerpoint/2010/main" val="417568029"/>
       </p:ext>
     </p:extLst>
   </p:cSld>
@@ -5760,7 +5411,7 @@
   <p:timing>
     <p:tnLst>
       <p:par>
-        <p:cTn id="1" dur="indefinite" restart="never" nodeType="tmRoot"/>
+        <p:cTn xmlns:p14="http://schemas.microsoft.com/office/powerpoint/2010/main" id="1" dur="indefinite" restart="never" nodeType="tmRoot"/>
       </p:par>
     </p:tnLst>
   </p:timing>
@@ -5796,149 +5447,6 @@
         </p:nvSpPr>
         <p:spPr>
           <a:xfrm>
-            <a:off x="179512" y="332656"/>
-            <a:ext cx="8712968" cy="844646"/>
-          </a:xfrm>
-        </p:spPr>
-        <p:txBody>
-          <a:bodyPr/>
-          <a:lstStyle/>
-          <a:p>
-            <a:r>
-              <a:rPr lang="es-PE" dirty="0" err="1" smtClean="0">
-                <a:solidFill>
-                  <a:srgbClr val="00823B"/>
-                </a:solidFill>
-              </a:rPr>
-              <a:t>Characterization</a:t>
-            </a:r>
-            <a:r>
-              <a:rPr lang="es-PE" dirty="0" smtClean="0">
-                <a:solidFill>
-                  <a:srgbClr val="00823B"/>
-                </a:solidFill>
-              </a:rPr>
-              <a:t> </a:t>
-            </a:r>
-            <a:r>
-              <a:rPr lang="es-PE" dirty="0" err="1" smtClean="0">
-                <a:solidFill>
-                  <a:srgbClr val="00823B"/>
-                </a:solidFill>
-              </a:rPr>
-              <a:t>Tests</a:t>
-            </a:r>
-            <a:endParaRPr lang="es-PE" dirty="0">
-              <a:solidFill>
-                <a:srgbClr val="00823B"/>
-              </a:solidFill>
-            </a:endParaRPr>
-          </a:p>
-        </p:txBody>
-      </p:sp>
-      <p:pic>
-        <p:nvPicPr>
-          <p:cNvPr id="4" name="Picture 2"/>
-          <p:cNvPicPr>
-            <a:picLocks noChangeAspect="1" noChangeArrowheads="1"/>
-          </p:cNvPicPr>
-          <p:nvPr/>
-        </p:nvPicPr>
-        <p:blipFill>
-          <a:blip r:embed="rId3">
-            <a:extLst>
-              <a:ext uri="{28A0092B-C50C-407E-A947-70E740481C1C}">
-                <a14:useLocalDpi xmlns:a14="http://schemas.microsoft.com/office/drawing/2010/main" val="0"/>
-              </a:ext>
-            </a:extLst>
-          </a:blip>
-          <a:srcRect/>
-          <a:stretch>
-            <a:fillRect/>
-          </a:stretch>
-        </p:blipFill>
-        <p:spPr bwMode="auto">
-          <a:xfrm>
-            <a:off x="449044" y="1916832"/>
-            <a:ext cx="8279085" cy="4480060"/>
-          </a:xfrm>
-          <a:prstGeom prst="rect">
-            <a:avLst/>
-          </a:prstGeom>
-          <a:noFill/>
-          <a:ln>
-            <a:noFill/>
-          </a:ln>
-          <a:extLst>
-            <a:ext uri="{909E8E84-426E-40DD-AFC4-6F175D3DCCD1}">
-              <a14:hiddenFill xmlns:a14="http://schemas.microsoft.com/office/drawing/2010/main">
-                <a:solidFill>
-                  <a:schemeClr val="accent1"/>
-                </a:solidFill>
-              </a14:hiddenFill>
-            </a:ext>
-            <a:ext uri="{91240B29-F687-4F45-9708-019B960494DF}">
-              <a14:hiddenLine xmlns:a14="http://schemas.microsoft.com/office/drawing/2010/main" w="9525">
-                <a:solidFill>
-                  <a:schemeClr val="tx1"/>
-                </a:solidFill>
-                <a:miter lim="800000"/>
-                <a:headEnd/>
-                <a:tailEnd/>
-              </a14:hiddenLine>
-            </a:ext>
-          </a:extLst>
-        </p:spPr>
-      </p:pic>
-    </p:spTree>
-    <p:extLst>
-      <p:ext uri="{BB962C8B-B14F-4D97-AF65-F5344CB8AC3E}">
-        <p14:creationId xmlns:p14="http://schemas.microsoft.com/office/powerpoint/2010/main" val="2842127067"/>
-      </p:ext>
-    </p:extLst>
-  </p:cSld>
-  <p:clrMapOvr>
-    <a:masterClrMapping/>
-  </p:clrMapOvr>
-  <p:timing>
-    <p:tnLst>
-      <p:par>
-        <p:cTn id="1" dur="indefinite" restart="never" nodeType="tmRoot"/>
-      </p:par>
-    </p:tnLst>
-  </p:timing>
-</p:sld>
-</file>
-
-<file path=ppt/slides/slide11.xml><?xml version="1.0" encoding="utf-8"?>
-<p:sld xmlns:a="http://schemas.openxmlformats.org/drawingml/2006/main" xmlns:r="http://schemas.openxmlformats.org/officeDocument/2006/relationships" xmlns:p="http://schemas.openxmlformats.org/presentationml/2006/main">
-  <p:cSld>
-    <p:spTree>
-      <p:nvGrpSpPr>
-        <p:cNvPr id="1" name=""/>
-        <p:cNvGrpSpPr/>
-        <p:nvPr/>
-      </p:nvGrpSpPr>
-      <p:grpSpPr>
-        <a:xfrm>
-          <a:off x="0" y="0"/>
-          <a:ext cx="0" cy="0"/>
-          <a:chOff x="0" y="0"/>
-          <a:chExt cx="0" cy="0"/>
-        </a:xfrm>
-      </p:grpSpPr>
-      <p:sp>
-        <p:nvSpPr>
-          <p:cNvPr id="5" name="2 Título"/>
-          <p:cNvSpPr>
-            <a:spLocks noGrp="1"/>
-          </p:cNvSpPr>
-          <p:nvPr>
-            <p:ph type="title"/>
-          </p:nvPr>
-        </p:nvSpPr>
-        <p:spPr>
-          <a:xfrm>
             <a:off x="539552" y="1325086"/>
             <a:ext cx="8229600" cy="1143000"/>
           </a:xfrm>
@@ -6075,7 +5583,7 @@
   <p:timing>
     <p:tnLst>
       <p:par>
-        <p:cTn id="1" dur="indefinite" restart="never" nodeType="tmRoot">
+        <p:cTn xmlns:p14="http://schemas.microsoft.com/office/powerpoint/2010/main" id="1" dur="indefinite" restart="never" nodeType="tmRoot">
           <p:childTnLst>
             <p:seq concurrent="1" nextAc="seek">
               <p:cTn id="2" dur="indefinite" nodeType="mainSeq">
@@ -6240,7 +5748,7 @@
 </p:sld>
 </file>
 
-<file path=ppt/slides/slide12.xml><?xml version="1.0" encoding="utf-8"?>
+<file path=ppt/slides/slide11.xml><?xml version="1.0" encoding="utf-8"?>
 <p:sld xmlns:a="http://schemas.openxmlformats.org/drawingml/2006/main" xmlns:r="http://schemas.openxmlformats.org/officeDocument/2006/relationships" xmlns:p="http://schemas.openxmlformats.org/presentationml/2006/main">
   <p:cSld>
     <p:spTree>
@@ -6461,7 +5969,7 @@
   <p:timing>
     <p:tnLst>
       <p:par>
-        <p:cTn id="1" dur="indefinite" restart="never" nodeType="tmRoot">
+        <p:cTn xmlns:p14="http://schemas.microsoft.com/office/powerpoint/2010/main" id="1" dur="indefinite" restart="never" nodeType="tmRoot">
           <p:childTnLst>
             <p:seq concurrent="1" nextAc="seek">
               <p:cTn id="2" dur="indefinite" nodeType="mainSeq">
@@ -6563,7 +6071,7 @@
 </p:sld>
 </file>
 
-<file path=ppt/slides/slide13.xml><?xml version="1.0" encoding="utf-8"?>
+<file path=ppt/slides/slide12.xml><?xml version="1.0" encoding="utf-8"?>
 <p:sld xmlns:a="http://schemas.openxmlformats.org/drawingml/2006/main" xmlns:r="http://schemas.openxmlformats.org/officeDocument/2006/relationships" xmlns:p="http://schemas.openxmlformats.org/presentationml/2006/main">
   <p:cSld>
     <p:spTree>
@@ -6597,7 +6105,9 @@
           </a:xfrm>
         </p:spPr>
         <p:txBody>
-          <a:bodyPr/>
+          <a:bodyPr>
+            <a:normAutofit fontScale="90000"/>
+          </a:bodyPr>
           <a:lstStyle/>
           <a:p>
             <a:r>
@@ -6731,14 +6241,14 @@
   <p:timing>
     <p:tnLst>
       <p:par>
-        <p:cTn id="1" dur="indefinite" restart="never" nodeType="tmRoot"/>
+        <p:cTn xmlns:p14="http://schemas.microsoft.com/office/powerpoint/2010/main" id="1" dur="indefinite" restart="never" nodeType="tmRoot"/>
       </p:par>
     </p:tnLst>
   </p:timing>
 </p:sld>
 </file>
 
-<file path=ppt/slides/slide14.xml><?xml version="1.0" encoding="utf-8"?>
+<file path=ppt/slides/slide13.xml><?xml version="1.0" encoding="utf-8"?>
 <p:sld xmlns:a="http://schemas.openxmlformats.org/drawingml/2006/main" xmlns:r="http://schemas.openxmlformats.org/officeDocument/2006/relationships" xmlns:p="http://schemas.openxmlformats.org/presentationml/2006/main">
   <p:cSld>
     <p:spTree>
@@ -6772,7 +6282,9 @@
           </a:xfrm>
         </p:spPr>
         <p:txBody>
-          <a:bodyPr/>
+          <a:bodyPr>
+            <a:normAutofit fontScale="90000"/>
+          </a:bodyPr>
           <a:lstStyle/>
           <a:p>
             <a:r>
@@ -6875,14 +6387,14 @@
   <p:timing>
     <p:tnLst>
       <p:par>
-        <p:cTn id="1" dur="indefinite" restart="never" nodeType="tmRoot"/>
+        <p:cTn xmlns:p14="http://schemas.microsoft.com/office/powerpoint/2010/main" id="1" dur="indefinite" restart="never" nodeType="tmRoot"/>
       </p:par>
     </p:tnLst>
   </p:timing>
 </p:sld>
 </file>
 
-<file path=ppt/slides/slide15.xml><?xml version="1.0" encoding="utf-8"?>
+<file path=ppt/slides/slide14.xml><?xml version="1.0" encoding="utf-8"?>
 <p:sld xmlns:a="http://schemas.openxmlformats.org/drawingml/2006/main" xmlns:r="http://schemas.openxmlformats.org/officeDocument/2006/relationships" xmlns:p="http://schemas.openxmlformats.org/presentationml/2006/main">
   <p:cSld>
     <p:spTree>
@@ -6916,7 +6428,9 @@
           </a:xfrm>
         </p:spPr>
         <p:txBody>
-          <a:bodyPr/>
+          <a:bodyPr>
+            <a:normAutofit fontScale="90000"/>
+          </a:bodyPr>
           <a:lstStyle/>
           <a:p>
             <a:r>
@@ -7019,14 +6533,14 @@
   <p:timing>
     <p:tnLst>
       <p:par>
-        <p:cTn id="1" dur="indefinite" restart="never" nodeType="tmRoot"/>
+        <p:cTn xmlns:p14="http://schemas.microsoft.com/office/powerpoint/2010/main" id="1" dur="indefinite" restart="never" nodeType="tmRoot"/>
       </p:par>
     </p:tnLst>
   </p:timing>
 </p:sld>
 </file>
 
-<file path=ppt/slides/slide16.xml><?xml version="1.0" encoding="utf-8"?>
+<file path=ppt/slides/slide15.xml><?xml version="1.0" encoding="utf-8"?>
 <p:sld xmlns:a="http://schemas.openxmlformats.org/drawingml/2006/main" xmlns:r="http://schemas.openxmlformats.org/officeDocument/2006/relationships" xmlns:p="http://schemas.openxmlformats.org/presentationml/2006/main">
   <p:cSld>
     <p:spTree>
@@ -7163,14 +6677,14 @@
   <p:timing>
     <p:tnLst>
       <p:par>
-        <p:cTn id="1" dur="indefinite" restart="never" nodeType="tmRoot"/>
+        <p:cTn xmlns:p14="http://schemas.microsoft.com/office/powerpoint/2010/main" id="1" dur="indefinite" restart="never" nodeType="tmRoot"/>
       </p:par>
     </p:tnLst>
   </p:timing>
 </p:sld>
 </file>
 
-<file path=ppt/slides/slide17.xml><?xml version="1.0" encoding="utf-8"?>
+<file path=ppt/slides/slide16.xml><?xml version="1.0" encoding="utf-8"?>
 <p:sld xmlns:a="http://schemas.openxmlformats.org/drawingml/2006/main" xmlns:r="http://schemas.openxmlformats.org/officeDocument/2006/relationships" xmlns:p="http://schemas.openxmlformats.org/presentationml/2006/main">
   <p:cSld>
     <p:spTree>
@@ -7276,14 +6790,14 @@
   <p:timing>
     <p:tnLst>
       <p:par>
-        <p:cTn id="1" dur="indefinite" restart="never" nodeType="tmRoot"/>
+        <p:cTn xmlns:p14="http://schemas.microsoft.com/office/powerpoint/2010/main" id="1" dur="indefinite" restart="never" nodeType="tmRoot"/>
       </p:par>
     </p:tnLst>
   </p:timing>
 </p:sld>
 </file>
 
-<file path=ppt/slides/slide18.xml><?xml version="1.0" encoding="utf-8"?>
+<file path=ppt/slides/slide17.xml><?xml version="1.0" encoding="utf-8"?>
 <p:sld xmlns:a="http://schemas.openxmlformats.org/drawingml/2006/main" xmlns:r="http://schemas.openxmlformats.org/officeDocument/2006/relationships" xmlns:p="http://schemas.openxmlformats.org/presentationml/2006/main">
   <p:cSld>
     <p:spTree>
@@ -7389,14 +6903,14 @@
   <p:timing>
     <p:tnLst>
       <p:par>
-        <p:cTn id="1" dur="indefinite" restart="never" nodeType="tmRoot"/>
+        <p:cTn xmlns:p14="http://schemas.microsoft.com/office/powerpoint/2010/main" id="1" dur="indefinite" restart="never" nodeType="tmRoot"/>
       </p:par>
     </p:tnLst>
   </p:timing>
 </p:sld>
 </file>
 
-<file path=ppt/slides/slide19.xml><?xml version="1.0" encoding="utf-8"?>
+<file path=ppt/slides/slide18.xml><?xml version="1.0" encoding="utf-8"?>
 <p:sld xmlns:a="http://schemas.openxmlformats.org/drawingml/2006/main" xmlns:r="http://schemas.openxmlformats.org/officeDocument/2006/relationships" xmlns:p="http://schemas.openxmlformats.org/presentationml/2006/main">
   <p:cSld>
     <p:spTree>
@@ -7540,319 +7054,14 @@
   <p:timing>
     <p:tnLst>
       <p:par>
-        <p:cTn id="1" dur="indefinite" restart="never" nodeType="tmRoot"/>
+        <p:cTn xmlns:p14="http://schemas.microsoft.com/office/powerpoint/2010/main" id="1" dur="indefinite" restart="never" nodeType="tmRoot"/>
       </p:par>
     </p:tnLst>
   </p:timing>
 </p:sld>
 </file>
 
-<file path=ppt/slides/slide2.xml><?xml version="1.0" encoding="utf-8"?>
-<p:sld xmlns:a="http://schemas.openxmlformats.org/drawingml/2006/main" xmlns:r="http://schemas.openxmlformats.org/officeDocument/2006/relationships" xmlns:p="http://schemas.openxmlformats.org/presentationml/2006/main">
-  <p:cSld>
-    <p:spTree>
-      <p:nvGrpSpPr>
-        <p:cNvPr id="1" name=""/>
-        <p:cNvGrpSpPr/>
-        <p:nvPr/>
-      </p:nvGrpSpPr>
-      <p:grpSpPr>
-        <a:xfrm>
-          <a:off x="0" y="0"/>
-          <a:ext cx="0" cy="0"/>
-          <a:chOff x="0" y="0"/>
-          <a:chExt cx="0" cy="0"/>
-        </a:xfrm>
-      </p:grpSpPr>
-      <p:sp>
-        <p:nvSpPr>
-          <p:cNvPr id="2" name="1 Título"/>
-          <p:cNvSpPr>
-            <a:spLocks noGrp="1"/>
-          </p:cNvSpPr>
-          <p:nvPr>
-            <p:ph type="ctrTitle"/>
-          </p:nvPr>
-        </p:nvSpPr>
-        <p:spPr>
-          <a:xfrm>
-            <a:off x="472008" y="1268760"/>
-            <a:ext cx="8204448" cy="2592288"/>
-          </a:xfrm>
-        </p:spPr>
-        <p:txBody>
-          <a:bodyPr/>
-          <a:lstStyle/>
-          <a:p>
-            <a:r>
-              <a:rPr lang="en-US" sz="11500" b="1" dirty="0" smtClean="0">
-                <a:solidFill>
-                  <a:srgbClr val="FF0000"/>
-                </a:solidFill>
-              </a:rPr>
-              <a:t>Legacy Code</a:t>
-            </a:r>
-            <a:br>
-              <a:rPr lang="en-US" sz="11500" b="1" dirty="0" smtClean="0">
-                <a:solidFill>
-                  <a:srgbClr val="FF0000"/>
-                </a:solidFill>
-              </a:rPr>
-            </a:br>
-            <a:r>
-              <a:rPr lang="en-US" sz="7200" b="1" dirty="0"/>
-              <a:t>Test Automation</a:t>
-            </a:r>
-            <a:endParaRPr lang="en-US" sz="7200" b="1" dirty="0">
-              <a:solidFill>
-                <a:srgbClr val="FF0000"/>
-              </a:solidFill>
-            </a:endParaRPr>
-          </a:p>
-        </p:txBody>
-      </p:sp>
-      <p:sp>
-        <p:nvSpPr>
-          <p:cNvPr id="5" name="2 Subtítulo"/>
-          <p:cNvSpPr txBox="1">
-            <a:spLocks/>
-          </p:cNvSpPr>
-          <p:nvPr/>
-        </p:nvSpPr>
-        <p:spPr bwMode="auto">
-          <a:xfrm>
-            <a:off x="179512" y="5407164"/>
-            <a:ext cx="3214709" cy="515717"/>
-          </a:xfrm>
-          <a:prstGeom prst="rect">
-            <a:avLst/>
-          </a:prstGeom>
-          <a:noFill/>
-          <a:ln w="9525">
-            <a:noFill/>
-            <a:miter lim="800000"/>
-            <a:headEnd/>
-            <a:tailEnd/>
-          </a:ln>
-        </p:spPr>
-        <p:txBody>
-          <a:bodyPr vert="horz" wrap="square" lIns="91440" tIns="45720" rIns="91440" bIns="45720" numCol="1" rtlCol="0" anchor="t" anchorCtr="0" compatLnSpc="1">
-            <a:prstTxWarp prst="textNoShape">
-              <a:avLst/>
-            </a:prstTxWarp>
-            <a:noAutofit/>
-          </a:bodyPr>
-          <a:lstStyle/>
-          <a:p>
-            <a:pPr marL="0" marR="0" lvl="0" indent="0" algn="ctr" defTabSz="914400" rtl="0" eaLnBrk="1" fontAlgn="auto" latinLnBrk="0" hangingPunct="1">
-              <a:lnSpc>
-                <a:spcPct val="100000"/>
-              </a:lnSpc>
-              <a:spcBef>
-                <a:spcPct val="20000"/>
-              </a:spcBef>
-              <a:spcAft>
-                <a:spcPts val="0"/>
-              </a:spcAft>
-              <a:buClrTx/>
-              <a:buSzTx/>
-              <a:buFont typeface="Arial" pitchFamily="34" charset="0"/>
-              <a:buNone/>
-              <a:tabLst/>
-              <a:defRPr/>
-            </a:pPr>
-            <a:r>
-              <a:rPr kumimoji="0" lang="es-PE" sz="2600" b="1" i="0" u="none" strike="noStrike" kern="1200" cap="none" spc="0" normalizeH="0" baseline="0" noProof="0" dirty="0" smtClean="0">
-                <a:ln>
-                  <a:noFill/>
-                </a:ln>
-                <a:solidFill>
-                  <a:srgbClr val="00B050"/>
-                </a:solidFill>
-                <a:effectLst/>
-                <a:uLnTx/>
-                <a:uFillTx/>
-              </a:rPr>
-              <a:t>Angel Núñez Salazar</a:t>
-            </a:r>
-          </a:p>
-        </p:txBody>
-      </p:sp>
-      <p:sp>
-        <p:nvSpPr>
-          <p:cNvPr id="7" name="Rectangle 1"/>
-          <p:cNvSpPr>
-            <a:spLocks noChangeArrowheads="1"/>
-          </p:cNvSpPr>
-          <p:nvPr/>
-        </p:nvSpPr>
-        <p:spPr bwMode="auto">
-          <a:xfrm>
-            <a:off x="3715072" y="5157192"/>
-            <a:ext cx="5105400" cy="1015663"/>
-          </a:xfrm>
-          <a:prstGeom prst="rect">
-            <a:avLst/>
-          </a:prstGeom>
-          <a:noFill/>
-          <a:ln w="9525">
-            <a:noFill/>
-            <a:miter lim="800000"/>
-            <a:headEnd/>
-            <a:tailEnd/>
-          </a:ln>
-          <a:effectLst/>
-        </p:spPr>
-        <p:txBody>
-          <a:bodyPr vert="horz" wrap="square" lIns="91440" tIns="45720" rIns="91440" bIns="45720" numCol="1" anchor="ctr" anchorCtr="0" compatLnSpc="1">
-            <a:prstTxWarp prst="textNoShape">
-              <a:avLst/>
-            </a:prstTxWarp>
-            <a:spAutoFit/>
-          </a:bodyPr>
-          <a:lstStyle/>
-          <a:p>
-            <a:pPr lvl="0" algn="r" fontAlgn="base">
-              <a:spcBef>
-                <a:spcPct val="0"/>
-              </a:spcBef>
-              <a:spcAft>
-                <a:spcPct val="0"/>
-              </a:spcAft>
-            </a:pPr>
-            <a:r>
-              <a:rPr lang="en-US" sz="2000" dirty="0" smtClean="0">
-                <a:latin typeface="Trebuchet MS" pitchFamily="34" charset="0"/>
-                <a:ea typeface="Calibri" pitchFamily="34" charset="0"/>
-                <a:cs typeface="Arial" pitchFamily="34" charset="0"/>
-              </a:rPr>
-              <a:t>Email: </a:t>
-            </a:r>
-            <a:r>
-              <a:rPr lang="en-US" sz="2000" dirty="0">
-                <a:solidFill>
-                  <a:srgbClr val="FFC000"/>
-                </a:solidFill>
-                <a:latin typeface="Trebuchet MS" pitchFamily="34" charset="0"/>
-                <a:ea typeface="Calibri" pitchFamily="34" charset="0"/>
-                <a:cs typeface="Arial" pitchFamily="34" charset="0"/>
-              </a:rPr>
-              <a:t>angel.nunez.salazar@gmail.com</a:t>
-            </a:r>
-          </a:p>
-          <a:p>
-            <a:pPr lvl="0" algn="r" eaLnBrk="0" fontAlgn="base" hangingPunct="0">
-              <a:spcBef>
-                <a:spcPct val="0"/>
-              </a:spcBef>
-              <a:spcAft>
-                <a:spcPct val="0"/>
-              </a:spcAft>
-            </a:pPr>
-            <a:r>
-              <a:rPr lang="en-US" sz="2000" dirty="0" smtClean="0">
-                <a:latin typeface="Trebuchet MS" pitchFamily="34" charset="0"/>
-                <a:ea typeface="Calibri" pitchFamily="34" charset="0"/>
-                <a:cs typeface="Arial" pitchFamily="34" charset="0"/>
-              </a:rPr>
-              <a:t>Blog: </a:t>
-            </a:r>
-            <a:r>
-              <a:rPr lang="en-US" sz="2000" dirty="0">
-                <a:solidFill>
-                  <a:srgbClr val="FFC000"/>
-                </a:solidFill>
-                <a:latin typeface="Trebuchet MS" pitchFamily="34" charset="0"/>
-                <a:ea typeface="Calibri" pitchFamily="34" charset="0"/>
-                <a:cs typeface="Arial" pitchFamily="34" charset="0"/>
-              </a:rPr>
-              <a:t>http://</a:t>
-            </a:r>
-            <a:r>
-              <a:rPr lang="en-US" sz="2000" dirty="0" smtClean="0">
-                <a:solidFill>
-                  <a:srgbClr val="FFC000"/>
-                </a:solidFill>
-                <a:latin typeface="Trebuchet MS" pitchFamily="34" charset="0"/>
-                <a:ea typeface="Calibri" pitchFamily="34" charset="0"/>
-                <a:cs typeface="Arial" pitchFamily="34" charset="0"/>
-              </a:rPr>
-              <a:t>snahider.blogspot.com</a:t>
-            </a:r>
-          </a:p>
-          <a:p>
-            <a:pPr lvl="0" algn="r" eaLnBrk="0" fontAlgn="base" hangingPunct="0">
-              <a:spcBef>
-                <a:spcPct val="0"/>
-              </a:spcBef>
-              <a:spcAft>
-                <a:spcPct val="0"/>
-              </a:spcAft>
-            </a:pPr>
-            <a:r>
-              <a:rPr lang="en-US" sz="2000" dirty="0" smtClean="0">
-                <a:latin typeface="Trebuchet MS" pitchFamily="34" charset="0"/>
-                <a:ea typeface="Calibri" pitchFamily="34" charset="0"/>
-                <a:cs typeface="Arial" pitchFamily="34" charset="0"/>
-              </a:rPr>
-              <a:t>Twitter: </a:t>
-            </a:r>
-            <a:r>
-              <a:rPr lang="en-US" sz="2000" dirty="0" smtClean="0">
-                <a:solidFill>
-                  <a:srgbClr val="FFC000"/>
-                </a:solidFill>
-                <a:latin typeface="Trebuchet MS" pitchFamily="34" charset="0"/>
-                <a:ea typeface="Calibri" pitchFamily="34" charset="0"/>
-                <a:cs typeface="Arial" pitchFamily="34" charset="0"/>
-              </a:rPr>
-              <a:t>@</a:t>
-            </a:r>
-            <a:r>
-              <a:rPr lang="en-US" sz="2000" dirty="0" err="1" smtClean="0">
-                <a:solidFill>
-                  <a:srgbClr val="FFC000"/>
-                </a:solidFill>
-                <a:latin typeface="Trebuchet MS" pitchFamily="34" charset="0"/>
-                <a:ea typeface="Calibri" pitchFamily="34" charset="0"/>
-                <a:cs typeface="Arial" pitchFamily="34" charset="0"/>
-              </a:rPr>
-              <a:t>snahider</a:t>
-            </a:r>
-            <a:r>
-              <a:rPr lang="en-US" sz="2000" dirty="0" smtClean="0">
-                <a:solidFill>
-                  <a:srgbClr val="FFC000"/>
-                </a:solidFill>
-                <a:latin typeface="Trebuchet MS" pitchFamily="34" charset="0"/>
-                <a:cs typeface="Arial" pitchFamily="34" charset="0"/>
-              </a:rPr>
-              <a:t> </a:t>
-            </a:r>
-          </a:p>
-        </p:txBody>
-      </p:sp>
-    </p:spTree>
-    <p:extLst>
-      <p:ext uri="{BB962C8B-B14F-4D97-AF65-F5344CB8AC3E}">
-        <p14:creationId xmlns:p14="http://schemas.microsoft.com/office/powerpoint/2010/main" val="417568029"/>
-      </p:ext>
-    </p:extLst>
-  </p:cSld>
-  <p:clrMapOvr>
-    <a:masterClrMapping/>
-  </p:clrMapOvr>
-  <p:timing>
-    <p:tnLst>
-      <p:par>
-        <p:cTn id="1" dur="indefinite" restart="never" nodeType="tmRoot"/>
-      </p:par>
-    </p:tnLst>
-  </p:timing>
-</p:sld>
-</file>
-
-<file path=ppt/slides/slide20.xml><?xml version="1.0" encoding="utf-8"?>
+<file path=ppt/slides/slide19.xml><?xml version="1.0" encoding="utf-8"?>
 <p:sld xmlns:a="http://schemas.openxmlformats.org/drawingml/2006/main" xmlns:r="http://schemas.openxmlformats.org/officeDocument/2006/relationships" xmlns:p="http://schemas.openxmlformats.org/presentationml/2006/main">
   <p:cSld>
     <p:spTree>
@@ -7965,14 +7174,14 @@
   <p:timing>
     <p:tnLst>
       <p:par>
-        <p:cTn id="1" dur="indefinite" restart="never" nodeType="tmRoot"/>
+        <p:cTn xmlns:p14="http://schemas.microsoft.com/office/powerpoint/2010/main" id="1" dur="indefinite" restart="never" nodeType="tmRoot"/>
       </p:par>
     </p:tnLst>
   </p:timing>
 </p:sld>
 </file>
 
-<file path=ppt/slides/slide3.xml><?xml version="1.0" encoding="utf-8"?>
+<file path=ppt/slides/slide2.xml><?xml version="1.0" encoding="utf-8"?>
 <p:sld xmlns:a="http://schemas.openxmlformats.org/drawingml/2006/main" xmlns:r="http://schemas.openxmlformats.org/officeDocument/2006/relationships" xmlns:p="http://schemas.openxmlformats.org/presentationml/2006/main">
   <p:cSld>
     <p:spTree>
@@ -8176,7 +7385,7 @@
   <p:timing>
     <p:tnLst>
       <p:par>
-        <p:cTn id="1" dur="indefinite" restart="never" nodeType="tmRoot">
+        <p:cTn xmlns:p14="http://schemas.microsoft.com/office/powerpoint/2010/main" id="1" dur="indefinite" restart="never" nodeType="tmRoot">
           <p:childTnLst>
             <p:seq concurrent="1" nextAc="seek">
               <p:cTn id="2" dur="indefinite" nodeType="mainSeq">
@@ -8386,7 +7595,7 @@
 </p:sld>
 </file>
 
-<file path=ppt/slides/slide4.xml><?xml version="1.0" encoding="utf-8"?>
+<file path=ppt/slides/slide3.xml><?xml version="1.0" encoding="utf-8"?>
 <p:sld xmlns:a="http://schemas.openxmlformats.org/drawingml/2006/main" xmlns:r="http://schemas.openxmlformats.org/officeDocument/2006/relationships" xmlns:p="http://schemas.openxmlformats.org/presentationml/2006/main">
   <p:cSld>
     <p:spTree>
@@ -8504,14 +7713,14 @@
               <a:r>
                 <a:rPr lang="es-PE" sz="2000" b="1" dirty="0" smtClean="0">
                   <a:solidFill>
-                    <a:schemeClr val="tx1"/>
+                    <a:schemeClr val="bg1"/>
                   </a:solidFill>
                 </a:rPr>
                 <a:t>Algoritmos</a:t>
               </a:r>
               <a:endParaRPr lang="es-ES" sz="2000" b="1" dirty="0">
                 <a:solidFill>
-                  <a:schemeClr val="tx1"/>
+                  <a:schemeClr val="bg1"/>
                 </a:solidFill>
               </a:endParaRPr>
             </a:p>
@@ -8568,7 +7777,7 @@
               <a:r>
                 <a:rPr lang="es-ES" sz="2000" b="1" dirty="0" smtClean="0">
                   <a:solidFill>
-                    <a:schemeClr val="tx1"/>
+                    <a:schemeClr val="bg1"/>
                   </a:solidFill>
                 </a:rPr>
                 <a:t>Código complicado – Necesita </a:t>
@@ -8576,7 +7785,7 @@
               <a:r>
                 <a:rPr lang="es-ES" sz="2000" b="1" dirty="0" err="1">
                   <a:solidFill>
-                    <a:schemeClr val="tx1"/>
+                    <a:schemeClr val="bg1"/>
                   </a:solidFill>
                 </a:rPr>
                 <a:t>r</a:t>
@@ -8584,14 +7793,14 @@
               <a:r>
                 <a:rPr lang="es-ES" sz="2000" b="1" dirty="0" err="1" smtClean="0">
                   <a:solidFill>
-                    <a:schemeClr val="tx1"/>
+                    <a:schemeClr val="bg1"/>
                   </a:solidFill>
                 </a:rPr>
                 <a:t>efactorizar</a:t>
               </a:r>
               <a:endParaRPr lang="es-ES" sz="2000" b="1" dirty="0">
                 <a:solidFill>
-                  <a:schemeClr val="tx1"/>
+                  <a:schemeClr val="bg1"/>
                 </a:solidFill>
               </a:endParaRPr>
             </a:p>
@@ -8648,7 +7857,7 @@
               <a:r>
                 <a:rPr lang="es-ES" sz="2000" b="1" dirty="0">
                   <a:solidFill>
-                    <a:schemeClr val="tx1"/>
+                    <a:schemeClr val="bg1"/>
                   </a:solidFill>
                 </a:rPr>
                 <a:t>Código Trivial</a:t>
@@ -8707,14 +7916,14 @@
               <a:r>
                 <a:rPr lang="es-PE" sz="2000" b="1" dirty="0">
                   <a:solidFill>
-                    <a:schemeClr val="tx1"/>
+                    <a:schemeClr val="bg1"/>
                   </a:solidFill>
                 </a:rPr>
                 <a:t>Coordinadores</a:t>
               </a:r>
               <a:endParaRPr lang="es-ES" sz="2000" b="1" dirty="0">
                 <a:solidFill>
-                  <a:schemeClr val="tx1"/>
+                  <a:schemeClr val="bg1"/>
                 </a:solidFill>
               </a:endParaRPr>
             </a:p>
@@ -9067,14 +8276,14 @@
   <p:timing>
     <p:tnLst>
       <p:par>
-        <p:cTn id="1" dur="indefinite" restart="never" nodeType="tmRoot"/>
+        <p:cTn xmlns:p14="http://schemas.microsoft.com/office/powerpoint/2010/main" id="1" dur="indefinite" restart="never" nodeType="tmRoot"/>
       </p:par>
     </p:tnLst>
   </p:timing>
 </p:sld>
 </file>
 
-<file path=ppt/slides/slide5.xml><?xml version="1.0" encoding="utf-8"?>
+<file path=ppt/slides/slide4.xml><?xml version="1.0" encoding="utf-8"?>
 <p:sld xmlns:a="http://schemas.openxmlformats.org/drawingml/2006/main" xmlns:r="http://schemas.openxmlformats.org/officeDocument/2006/relationships" xmlns:p="http://schemas.openxmlformats.org/presentationml/2006/main">
   <p:cSld>
     <p:spTree>
@@ -10062,14 +9271,14 @@
   <p:timing>
     <p:tnLst>
       <p:par>
-        <p:cTn id="1" dur="indefinite" restart="never" nodeType="tmRoot"/>
+        <p:cTn xmlns:p14="http://schemas.microsoft.com/office/powerpoint/2010/main" id="1" dur="indefinite" restart="never" nodeType="tmRoot"/>
       </p:par>
     </p:tnLst>
   </p:timing>
 </p:sld>
 </file>
 
-<file path=ppt/slides/slide6.xml><?xml version="1.0" encoding="utf-8"?>
+<file path=ppt/slides/slide5.xml><?xml version="1.0" encoding="utf-8"?>
 <p:sld xmlns:a="http://schemas.openxmlformats.org/drawingml/2006/main" xmlns:r="http://schemas.openxmlformats.org/officeDocument/2006/relationships" xmlns:p="http://schemas.openxmlformats.org/presentationml/2006/main">
   <p:cSld>
     <p:spTree>
@@ -10158,14 +9367,14 @@
             <a:softEdge rad="112500"/>
           </a:effectLst>
           <a:extLst>
-            <a:ext uri="{909E8E84-426E-40DD-AFC4-6F175D3DCCD1}">
+            <a:ext uri="{909E8E84-426E-40dd-AFC4-6F175D3DCCD1}">
               <a14:hiddenFill xmlns:a14="http://schemas.microsoft.com/office/drawing/2010/main">
                 <a:solidFill>
                   <a:schemeClr val="accent1"/>
                 </a:solidFill>
               </a14:hiddenFill>
             </a:ext>
-            <a:ext uri="{91240B29-F687-4F45-9708-019B960494DF}">
+            <a:ext uri="{91240B29-F687-4f45-9708-019B960494DF}">
               <a14:hiddenLine xmlns:a14="http://schemas.microsoft.com/office/drawing/2010/main" w="9525">
                 <a:solidFill>
                   <a:schemeClr val="tx1"/>
@@ -10191,7 +9400,119 @@
   <p:timing>
     <p:tnLst>
       <p:par>
-        <p:cTn id="1" dur="indefinite" restart="never" nodeType="tmRoot"/>
+        <p:cTn xmlns:p14="http://schemas.microsoft.com/office/powerpoint/2010/main" id="1" dur="indefinite" restart="never" nodeType="tmRoot"/>
+      </p:par>
+    </p:tnLst>
+  </p:timing>
+</p:sld>
+</file>
+
+<file path=ppt/slides/slide6.xml><?xml version="1.0" encoding="utf-8"?>
+<p:sld xmlns:a="http://schemas.openxmlformats.org/drawingml/2006/main" xmlns:r="http://schemas.openxmlformats.org/officeDocument/2006/relationships" xmlns:p="http://schemas.openxmlformats.org/presentationml/2006/main">
+  <p:cSld>
+    <p:spTree>
+      <p:nvGrpSpPr>
+        <p:cNvPr id="1" name=""/>
+        <p:cNvGrpSpPr/>
+        <p:nvPr/>
+      </p:nvGrpSpPr>
+      <p:grpSpPr>
+        <a:xfrm>
+          <a:off x="0" y="0"/>
+          <a:ext cx="0" cy="0"/>
+          <a:chOff x="0" y="0"/>
+          <a:chExt cx="0" cy="0"/>
+        </a:xfrm>
+      </p:grpSpPr>
+      <p:sp>
+        <p:nvSpPr>
+          <p:cNvPr id="5" name="2 Título"/>
+          <p:cNvSpPr>
+            <a:spLocks noGrp="1"/>
+          </p:cNvSpPr>
+          <p:nvPr>
+            <p:ph type="title"/>
+          </p:nvPr>
+        </p:nvSpPr>
+        <p:spPr>
+          <a:xfrm>
+            <a:off x="143508" y="1556792"/>
+            <a:ext cx="8712968" cy="844646"/>
+          </a:xfrm>
+        </p:spPr>
+        <p:txBody>
+          <a:bodyPr/>
+          <a:lstStyle/>
+          <a:p>
+            <a:r>
+              <a:rPr lang="es-PE" dirty="0" err="1" smtClean="0">
+                <a:solidFill>
+                  <a:srgbClr val="00823B"/>
+                </a:solidFill>
+              </a:rPr>
+              <a:t>Boy</a:t>
+            </a:r>
+            <a:r>
+              <a:rPr lang="es-PE" dirty="0" smtClean="0">
+                <a:solidFill>
+                  <a:srgbClr val="00823B"/>
+                </a:solidFill>
+              </a:rPr>
+              <a:t> Scout Rule</a:t>
+            </a:r>
+            <a:endParaRPr lang="es-PE" dirty="0">
+              <a:solidFill>
+                <a:srgbClr val="00823B"/>
+              </a:solidFill>
+            </a:endParaRPr>
+          </a:p>
+        </p:txBody>
+      </p:sp>
+      <p:sp>
+        <p:nvSpPr>
+          <p:cNvPr id="2" name="1 CuadroTexto"/>
+          <p:cNvSpPr txBox="1"/>
+          <p:nvPr/>
+        </p:nvSpPr>
+        <p:spPr>
+          <a:xfrm>
+            <a:off x="1115616" y="2924944"/>
+            <a:ext cx="6768752" cy="1077218"/>
+          </a:xfrm>
+          <a:prstGeom prst="rect">
+            <a:avLst/>
+          </a:prstGeom>
+          <a:noFill/>
+        </p:spPr>
+        <p:txBody>
+          <a:bodyPr wrap="square" rtlCol="0">
+            <a:spAutoFit/>
+          </a:bodyPr>
+          <a:lstStyle/>
+          <a:p>
+            <a:pPr algn="ctr"/>
+            <a:r>
+              <a:rPr lang="en-US" sz="3200" dirty="0"/>
+              <a:t>"Always leave the campground cleaner than you found it."</a:t>
+            </a:r>
+            <a:endParaRPr lang="es-PE" sz="3200" dirty="0"/>
+          </a:p>
+        </p:txBody>
+      </p:sp>
+    </p:spTree>
+    <p:extLst>
+      <p:ext uri="{BB962C8B-B14F-4D97-AF65-F5344CB8AC3E}">
+        <p14:creationId xmlns:p14="http://schemas.microsoft.com/office/powerpoint/2010/main" val="2546519582"/>
+      </p:ext>
+    </p:extLst>
+  </p:cSld>
+  <p:clrMapOvr>
+    <a:masterClrMapping/>
+  </p:clrMapOvr>
+  <p:timing>
+    <p:tnLst>
+      <p:par>
+        <p:cTn xmlns:p14="http://schemas.microsoft.com/office/powerpoint/2010/main" id="1" dur="indefinite" restart="never" nodeType="tmRoot"/>
       </p:par>
     </p:tnLst>
   </p:timing>
@@ -10227,7 +9548,7 @@
         </p:nvSpPr>
         <p:spPr>
           <a:xfrm>
-            <a:off x="143508" y="1556792"/>
+            <a:off x="179512" y="332656"/>
             <a:ext cx="8712968" cy="844646"/>
           </a:xfrm>
         </p:spPr>
@@ -10241,7 +9562,7 @@
                   <a:srgbClr val="00823B"/>
                 </a:solidFill>
               </a:rPr>
-              <a:t>Boy</a:t>
+              <a:t>Characterization</a:t>
             </a:r>
             <a:r>
               <a:rPr lang="es-PE" dirty="0" smtClean="0">
@@ -10249,7 +9570,15 @@
                   <a:srgbClr val="00823B"/>
                 </a:solidFill>
               </a:rPr>
-              <a:t> Scout Rule</a:t>
+              <a:t> </a:t>
+            </a:r>
+            <a:r>
+              <a:rPr lang="es-PE" dirty="0" err="1" smtClean="0">
+                <a:solidFill>
+                  <a:srgbClr val="00823B"/>
+                </a:solidFill>
+              </a:rPr>
+              <a:t>Tests</a:t>
             </a:r>
             <a:endParaRPr lang="es-PE" dirty="0">
               <a:solidFill>
@@ -10267,8 +9596,8 @@
         </p:nvSpPr>
         <p:spPr>
           <a:xfrm>
-            <a:off x="1115616" y="2924944"/>
-            <a:ext cx="6768752" cy="1077218"/>
+            <a:off x="755576" y="1772816"/>
+            <a:ext cx="8028384" cy="3231654"/>
           </a:xfrm>
           <a:prstGeom prst="rect">
             <a:avLst/>
@@ -10281,19 +9610,185 @@
           </a:bodyPr>
           <a:lstStyle/>
           <a:p>
-            <a:pPr algn="ctr"/>
-            <a:r>
-              <a:rPr lang="en-US" sz="3200" dirty="0"/>
-              <a:t>"Always leave the campground cleaner than you found it."</a:t>
-            </a:r>
-            <a:endParaRPr lang="es-PE" sz="3200" dirty="0"/>
+            <a:pPr marL="457200" indent="-457200">
+              <a:buFont typeface="Arial" panose="020B0604020202020204" pitchFamily="34" charset="0"/>
+              <a:buChar char="•"/>
+            </a:pPr>
+            <a:r>
+              <a:rPr lang="en-US" sz="3200" dirty="0">
+                <a:solidFill>
+                  <a:srgbClr val="FFC000"/>
+                </a:solidFill>
+              </a:rPr>
+              <a:t>Specification: </a:t>
+            </a:r>
+            <a:r>
+              <a:rPr lang="en-US" sz="2800" dirty="0" err="1" smtClean="0"/>
+              <a:t>Verificar</a:t>
+            </a:r>
+            <a:r>
+              <a:rPr lang="en-US" sz="2800" dirty="0" smtClean="0"/>
+              <a:t> </a:t>
+            </a:r>
+            <a:r>
+              <a:rPr lang="en-US" sz="2800" dirty="0" err="1" smtClean="0"/>
+              <a:t>que</a:t>
+            </a:r>
+            <a:r>
+              <a:rPr lang="en-US" sz="2800" dirty="0" smtClean="0"/>
+              <a:t> </a:t>
+            </a:r>
+            <a:r>
+              <a:rPr lang="en-US" sz="2800" dirty="0"/>
+              <a:t>un </a:t>
+            </a:r>
+            <a:r>
+              <a:rPr lang="en-US" sz="2800" dirty="0" err="1"/>
+              <a:t>método</a:t>
+            </a:r>
+            <a:r>
+              <a:rPr lang="en-US" sz="2800" dirty="0"/>
+              <a:t> </a:t>
+            </a:r>
+            <a:r>
+              <a:rPr lang="en-US" sz="2800" dirty="0" err="1"/>
+              <a:t>haga</a:t>
+            </a:r>
+            <a:r>
+              <a:rPr lang="en-US" sz="2800" dirty="0"/>
+              <a:t> lo </a:t>
+            </a:r>
+            <a:r>
+              <a:rPr lang="en-US" sz="2800" dirty="0" err="1"/>
+              <a:t>que</a:t>
+            </a:r>
+            <a:r>
+              <a:rPr lang="en-US" sz="2800" dirty="0"/>
+              <a:t> </a:t>
+            </a:r>
+            <a:r>
+              <a:rPr lang="en-US" sz="2800" dirty="0" err="1"/>
+              <a:t>debe</a:t>
+            </a:r>
+            <a:r>
+              <a:rPr lang="en-US" sz="2800" dirty="0"/>
+              <a:t> </a:t>
+            </a:r>
+            <a:r>
+              <a:rPr lang="en-US" sz="2800" dirty="0" err="1" smtClean="0"/>
+              <a:t>hacer</a:t>
+            </a:r>
+            <a:r>
+              <a:rPr lang="en-US" sz="2800" dirty="0" smtClean="0"/>
+              <a:t>.</a:t>
+            </a:r>
+            <a:endParaRPr lang="es-PE" sz="2800" dirty="0"/>
+          </a:p>
+          <a:p>
+            <a:pPr marL="457200" indent="-457200">
+              <a:buFont typeface="Arial" panose="020B0604020202020204" pitchFamily="34" charset="0"/>
+              <a:buChar char="•"/>
+            </a:pPr>
+            <a:endParaRPr lang="en-US" sz="2800" dirty="0" smtClean="0"/>
+          </a:p>
+          <a:p>
+            <a:pPr marL="457200" indent="-457200">
+              <a:buFont typeface="Arial" panose="020B0604020202020204" pitchFamily="34" charset="0"/>
+              <a:buChar char="•"/>
+            </a:pPr>
+            <a:endParaRPr lang="en-US" sz="2800" dirty="0"/>
+          </a:p>
+          <a:p>
+            <a:pPr marL="457200" indent="-457200">
+              <a:buFont typeface="Arial" panose="020B0604020202020204" pitchFamily="34" charset="0"/>
+              <a:buChar char="•"/>
+            </a:pPr>
+            <a:r>
+              <a:rPr lang="en-US" sz="3200" dirty="0" smtClean="0">
+                <a:solidFill>
+                  <a:srgbClr val="FFC000"/>
+                </a:solidFill>
+              </a:rPr>
+              <a:t>Characterization: </a:t>
+            </a:r>
+            <a:r>
+              <a:rPr lang="en-US" sz="2800" dirty="0" err="1" smtClean="0"/>
+              <a:t>Verifica</a:t>
+            </a:r>
+            <a:r>
+              <a:rPr lang="en-US" sz="2800" dirty="0" smtClean="0"/>
+              <a:t> </a:t>
+            </a:r>
+            <a:r>
+              <a:rPr lang="en-US" sz="2800" dirty="0" err="1" smtClean="0"/>
+              <a:t>que</a:t>
+            </a:r>
+            <a:r>
+              <a:rPr lang="en-US" sz="2800" dirty="0" smtClean="0"/>
+              <a:t> un </a:t>
+            </a:r>
+            <a:r>
+              <a:rPr lang="en-US" sz="2800" dirty="0" err="1" smtClean="0"/>
+              <a:t>método</a:t>
+            </a:r>
+            <a:r>
+              <a:rPr lang="en-US" sz="2800" dirty="0" smtClean="0"/>
+              <a:t> </a:t>
+            </a:r>
+            <a:r>
+              <a:rPr lang="en-US" sz="2800" dirty="0" err="1" smtClean="0"/>
+              <a:t>siga</a:t>
+            </a:r>
+            <a:r>
+              <a:rPr lang="en-US" sz="2800" dirty="0" smtClean="0"/>
+              <a:t> </a:t>
+            </a:r>
+            <a:r>
+              <a:rPr lang="en-US" sz="2800" dirty="0" err="1" smtClean="0"/>
+              <a:t>haciendo</a:t>
+            </a:r>
+            <a:r>
+              <a:rPr lang="en-US" sz="2800" dirty="0" smtClean="0"/>
+              <a:t> lo </a:t>
+            </a:r>
+            <a:r>
+              <a:rPr lang="en-US" sz="2800" dirty="0" err="1" smtClean="0"/>
+              <a:t>que</a:t>
+            </a:r>
+            <a:r>
+              <a:rPr lang="en-US" sz="2800" dirty="0" smtClean="0"/>
+              <a:t> </a:t>
+            </a:r>
+            <a:r>
+              <a:rPr lang="en-US" sz="2800" dirty="0" err="1" smtClean="0"/>
+              <a:t>hace</a:t>
+            </a:r>
+            <a:r>
+              <a:rPr lang="en-US" sz="2800" dirty="0" smtClean="0"/>
+              <a:t> </a:t>
+            </a:r>
+            <a:r>
+              <a:rPr lang="en-US" sz="2800" dirty="0" err="1" smtClean="0"/>
+              <a:t>actualmente</a:t>
+            </a:r>
+            <a:r>
+              <a:rPr lang="en-US" sz="2800" dirty="0" smtClean="0"/>
+              <a:t>. </a:t>
+            </a:r>
+          </a:p>
+          <a:p>
+            <a:pPr marL="457200" indent="-457200">
+              <a:buFont typeface="Arial" panose="020B0604020202020204" pitchFamily="34" charset="0"/>
+              <a:buChar char="•"/>
+            </a:pPr>
+            <a:endParaRPr lang="en-US" sz="2800" dirty="0"/>
           </a:p>
         </p:txBody>
       </p:sp>
     </p:spTree>
     <p:extLst>
       <p:ext uri="{BB962C8B-B14F-4D97-AF65-F5344CB8AC3E}">
-        <p14:creationId xmlns:p14="http://schemas.microsoft.com/office/powerpoint/2010/main" val="2546519582"/>
+        <p14:creationId xmlns:p14="http://schemas.microsoft.com/office/powerpoint/2010/main" val="3726030334"/>
       </p:ext>
     </p:extLst>
   </p:cSld>
@@ -10303,7 +9798,7 @@
   <p:timing>
     <p:tnLst>
       <p:par>
-        <p:cTn id="1" dur="indefinite" restart="never" nodeType="tmRoot"/>
+        <p:cTn xmlns:p14="http://schemas.microsoft.com/office/powerpoint/2010/main" id="1" dur="indefinite" restart="never" nodeType="tmRoot"/>
       </p:par>
     </p:tnLst>
   </p:timing>
@@ -10339,298 +9834,14 @@
         </p:nvSpPr>
         <p:spPr>
           <a:xfrm>
-            <a:off x="179512" y="332656"/>
-            <a:ext cx="8712968" cy="844646"/>
-          </a:xfrm>
-        </p:spPr>
-        <p:txBody>
-          <a:bodyPr/>
-          <a:lstStyle/>
-          <a:p>
-            <a:r>
-              <a:rPr lang="es-PE" dirty="0" err="1" smtClean="0">
-                <a:solidFill>
-                  <a:srgbClr val="00823B"/>
-                </a:solidFill>
-              </a:rPr>
-              <a:t>Characterization</a:t>
-            </a:r>
-            <a:r>
-              <a:rPr lang="es-PE" dirty="0" smtClean="0">
-                <a:solidFill>
-                  <a:srgbClr val="00823B"/>
-                </a:solidFill>
-              </a:rPr>
-              <a:t> </a:t>
-            </a:r>
-            <a:r>
-              <a:rPr lang="es-PE" dirty="0" err="1" smtClean="0">
-                <a:solidFill>
-                  <a:srgbClr val="00823B"/>
-                </a:solidFill>
-              </a:rPr>
-              <a:t>Tests</a:t>
-            </a:r>
-            <a:endParaRPr lang="es-PE" dirty="0">
-              <a:solidFill>
-                <a:srgbClr val="00823B"/>
-              </a:solidFill>
-            </a:endParaRPr>
-          </a:p>
-        </p:txBody>
-      </p:sp>
-      <p:sp>
-        <p:nvSpPr>
-          <p:cNvPr id="2" name="1 CuadroTexto"/>
-          <p:cNvSpPr txBox="1"/>
-          <p:nvPr/>
-        </p:nvSpPr>
-        <p:spPr>
-          <a:xfrm>
-            <a:off x="755576" y="1772816"/>
-            <a:ext cx="8028384" cy="3231654"/>
-          </a:xfrm>
-          <a:prstGeom prst="rect">
-            <a:avLst/>
-          </a:prstGeom>
-          <a:noFill/>
-        </p:spPr>
-        <p:txBody>
-          <a:bodyPr wrap="square" rtlCol="0">
-            <a:spAutoFit/>
-          </a:bodyPr>
-          <a:lstStyle/>
-          <a:p>
-            <a:pPr marL="457200" indent="-457200">
-              <a:buFont typeface="Arial" panose="020B0604020202020204" pitchFamily="34" charset="0"/>
-              <a:buChar char="•"/>
-            </a:pPr>
-            <a:r>
-              <a:rPr lang="en-US" sz="3200" dirty="0">
-                <a:solidFill>
-                  <a:srgbClr val="FFC000"/>
-                </a:solidFill>
-              </a:rPr>
-              <a:t>Specification: </a:t>
-            </a:r>
-            <a:r>
-              <a:rPr lang="en-US" sz="2800" dirty="0" err="1" smtClean="0"/>
-              <a:t>Verificar</a:t>
-            </a:r>
-            <a:r>
-              <a:rPr lang="en-US" sz="2800" dirty="0" smtClean="0"/>
-              <a:t> </a:t>
-            </a:r>
-            <a:r>
-              <a:rPr lang="en-US" sz="2800" dirty="0" err="1" smtClean="0"/>
-              <a:t>que</a:t>
-            </a:r>
-            <a:r>
-              <a:rPr lang="en-US" sz="2800" dirty="0" smtClean="0"/>
-              <a:t> </a:t>
-            </a:r>
-            <a:r>
-              <a:rPr lang="en-US" sz="2800" dirty="0"/>
-              <a:t>un </a:t>
-            </a:r>
-            <a:r>
-              <a:rPr lang="en-US" sz="2800" dirty="0" err="1"/>
-              <a:t>método</a:t>
-            </a:r>
-            <a:r>
-              <a:rPr lang="en-US" sz="2800" dirty="0"/>
-              <a:t> </a:t>
-            </a:r>
-            <a:r>
-              <a:rPr lang="en-US" sz="2800" dirty="0" err="1"/>
-              <a:t>haga</a:t>
-            </a:r>
-            <a:r>
-              <a:rPr lang="en-US" sz="2800" dirty="0"/>
-              <a:t> lo </a:t>
-            </a:r>
-            <a:r>
-              <a:rPr lang="en-US" sz="2800" dirty="0" err="1"/>
-              <a:t>que</a:t>
-            </a:r>
-            <a:r>
-              <a:rPr lang="en-US" sz="2800" dirty="0"/>
-              <a:t> </a:t>
-            </a:r>
-            <a:r>
-              <a:rPr lang="en-US" sz="2800" dirty="0" err="1"/>
-              <a:t>debe</a:t>
-            </a:r>
-            <a:r>
-              <a:rPr lang="en-US" sz="2800" dirty="0"/>
-              <a:t> </a:t>
-            </a:r>
-            <a:r>
-              <a:rPr lang="en-US" sz="2800" dirty="0" err="1" smtClean="0"/>
-              <a:t>hacer</a:t>
-            </a:r>
-            <a:r>
-              <a:rPr lang="en-US" sz="2800" dirty="0" smtClean="0"/>
-              <a:t>.</a:t>
-            </a:r>
-            <a:endParaRPr lang="es-PE" sz="2800" dirty="0"/>
-          </a:p>
-          <a:p>
-            <a:pPr marL="457200" indent="-457200">
-              <a:buFont typeface="Arial" panose="020B0604020202020204" pitchFamily="34" charset="0"/>
-              <a:buChar char="•"/>
-            </a:pPr>
-            <a:endParaRPr lang="en-US" sz="2800" dirty="0" smtClean="0"/>
-          </a:p>
-          <a:p>
-            <a:pPr marL="457200" indent="-457200">
-              <a:buFont typeface="Arial" panose="020B0604020202020204" pitchFamily="34" charset="0"/>
-              <a:buChar char="•"/>
-            </a:pPr>
-            <a:endParaRPr lang="en-US" sz="2800" dirty="0"/>
-          </a:p>
-          <a:p>
-            <a:pPr marL="457200" indent="-457200">
-              <a:buFont typeface="Arial" panose="020B0604020202020204" pitchFamily="34" charset="0"/>
-              <a:buChar char="•"/>
-            </a:pPr>
-            <a:r>
-              <a:rPr lang="en-US" sz="3200" dirty="0" smtClean="0">
-                <a:solidFill>
-                  <a:srgbClr val="FFC000"/>
-                </a:solidFill>
-              </a:rPr>
-              <a:t>Characterization: </a:t>
-            </a:r>
-            <a:r>
-              <a:rPr lang="en-US" sz="2800" dirty="0" err="1" smtClean="0"/>
-              <a:t>Verifica</a:t>
-            </a:r>
-            <a:r>
-              <a:rPr lang="en-US" sz="2800" dirty="0" smtClean="0"/>
-              <a:t> </a:t>
-            </a:r>
-            <a:r>
-              <a:rPr lang="en-US" sz="2800" dirty="0" err="1" smtClean="0"/>
-              <a:t>que</a:t>
-            </a:r>
-            <a:r>
-              <a:rPr lang="en-US" sz="2800" dirty="0" smtClean="0"/>
-              <a:t> un </a:t>
-            </a:r>
-            <a:r>
-              <a:rPr lang="en-US" sz="2800" dirty="0" err="1" smtClean="0"/>
-              <a:t>método</a:t>
-            </a:r>
-            <a:r>
-              <a:rPr lang="en-US" sz="2800" dirty="0" smtClean="0"/>
-              <a:t> </a:t>
-            </a:r>
-            <a:r>
-              <a:rPr lang="en-US" sz="2800" dirty="0" err="1" smtClean="0"/>
-              <a:t>siga</a:t>
-            </a:r>
-            <a:r>
-              <a:rPr lang="en-US" sz="2800" dirty="0" smtClean="0"/>
-              <a:t> </a:t>
-            </a:r>
-            <a:r>
-              <a:rPr lang="en-US" sz="2800" dirty="0" err="1" smtClean="0"/>
-              <a:t>haciendo</a:t>
-            </a:r>
-            <a:r>
-              <a:rPr lang="en-US" sz="2800" dirty="0" smtClean="0"/>
-              <a:t> lo </a:t>
-            </a:r>
-            <a:r>
-              <a:rPr lang="en-US" sz="2800" dirty="0" err="1" smtClean="0"/>
-              <a:t>que</a:t>
-            </a:r>
-            <a:r>
-              <a:rPr lang="en-US" sz="2800" dirty="0" smtClean="0"/>
-              <a:t> </a:t>
-            </a:r>
-            <a:r>
-              <a:rPr lang="en-US" sz="2800" dirty="0" err="1" smtClean="0"/>
-              <a:t>hace</a:t>
-            </a:r>
-            <a:r>
-              <a:rPr lang="en-US" sz="2800" dirty="0" smtClean="0"/>
-              <a:t> </a:t>
-            </a:r>
-            <a:r>
-              <a:rPr lang="en-US" sz="2800" dirty="0" err="1" smtClean="0"/>
-              <a:t>actualmente</a:t>
-            </a:r>
-            <a:r>
-              <a:rPr lang="en-US" sz="2800" dirty="0" smtClean="0"/>
-              <a:t>. </a:t>
-            </a:r>
-          </a:p>
-          <a:p>
-            <a:pPr marL="457200" indent="-457200">
-              <a:buFont typeface="Arial" panose="020B0604020202020204" pitchFamily="34" charset="0"/>
-              <a:buChar char="•"/>
-            </a:pPr>
-            <a:endParaRPr lang="en-US" sz="2800" dirty="0"/>
-          </a:p>
-        </p:txBody>
-      </p:sp>
-    </p:spTree>
-    <p:extLst>
-      <p:ext uri="{BB962C8B-B14F-4D97-AF65-F5344CB8AC3E}">
-        <p14:creationId xmlns:p14="http://schemas.microsoft.com/office/powerpoint/2010/main" val="3726030334"/>
-      </p:ext>
-    </p:extLst>
-  </p:cSld>
-  <p:clrMapOvr>
-    <a:masterClrMapping/>
-  </p:clrMapOvr>
-  <p:timing>
-    <p:tnLst>
-      <p:par>
-        <p:cTn id="1" dur="indefinite" restart="never" nodeType="tmRoot"/>
-      </p:par>
-    </p:tnLst>
-  </p:timing>
-</p:sld>
-</file>
-
-<file path=ppt/slides/slide9.xml><?xml version="1.0" encoding="utf-8"?>
-<p:sld xmlns:a="http://schemas.openxmlformats.org/drawingml/2006/main" xmlns:r="http://schemas.openxmlformats.org/officeDocument/2006/relationships" xmlns:p="http://schemas.openxmlformats.org/presentationml/2006/main">
-  <p:cSld>
-    <p:spTree>
-      <p:nvGrpSpPr>
-        <p:cNvPr id="1" name=""/>
-        <p:cNvGrpSpPr/>
-        <p:nvPr/>
-      </p:nvGrpSpPr>
-      <p:grpSpPr>
-        <a:xfrm>
-          <a:off x="0" y="0"/>
-          <a:ext cx="0" cy="0"/>
-          <a:chOff x="0" y="0"/>
-          <a:chExt cx="0" cy="0"/>
-        </a:xfrm>
-      </p:grpSpPr>
-      <p:sp>
-        <p:nvSpPr>
-          <p:cNvPr id="5" name="2 Título"/>
-          <p:cNvSpPr>
-            <a:spLocks noGrp="1"/>
-          </p:cNvSpPr>
-          <p:nvPr>
-            <p:ph type="title"/>
-          </p:nvPr>
-        </p:nvSpPr>
-        <p:spPr>
-          <a:xfrm>
             <a:off x="575556" y="620688"/>
             <a:ext cx="7992888" cy="844646"/>
           </a:xfrm>
         </p:spPr>
         <p:txBody>
-          <a:bodyPr/>
+          <a:bodyPr>
+            <a:normAutofit fontScale="90000"/>
+          </a:bodyPr>
           <a:lstStyle/>
           <a:p>
             <a:r>
@@ -10798,14 +10009,14 @@
             <a:noFill/>
           </a:ln>
           <a:extLst>
-            <a:ext uri="{909E8E84-426E-40DD-AFC4-6F175D3DCCD1}">
+            <a:ext uri="{909E8E84-426E-40dd-AFC4-6F175D3DCCD1}">
               <a14:hiddenFill xmlns:a14="http://schemas.microsoft.com/office/drawing/2010/main">
                 <a:solidFill>
                   <a:schemeClr val="accent1"/>
                 </a:solidFill>
               </a14:hiddenFill>
             </a:ext>
-            <a:ext uri="{91240B29-F687-4F45-9708-019B960494DF}">
+            <a:ext uri="{91240B29-F687-4f45-9708-019B960494DF}">
               <a14:hiddenLine xmlns:a14="http://schemas.microsoft.com/office/drawing/2010/main" w="9525">
                 <a:solidFill>
                   <a:schemeClr val="tx1"/>
@@ -10831,7 +10042,150 @@
   <p:timing>
     <p:tnLst>
       <p:par>
-        <p:cTn id="1" dur="indefinite" restart="never" nodeType="tmRoot"/>
+        <p:cTn xmlns:p14="http://schemas.microsoft.com/office/powerpoint/2010/main" id="1" dur="indefinite" restart="never" nodeType="tmRoot"/>
+      </p:par>
+    </p:tnLst>
+  </p:timing>
+</p:sld>
+</file>
+
+<file path=ppt/slides/slide9.xml><?xml version="1.0" encoding="utf-8"?>
+<p:sld xmlns:a="http://schemas.openxmlformats.org/drawingml/2006/main" xmlns:r="http://schemas.openxmlformats.org/officeDocument/2006/relationships" xmlns:p="http://schemas.openxmlformats.org/presentationml/2006/main">
+  <p:cSld>
+    <p:spTree>
+      <p:nvGrpSpPr>
+        <p:cNvPr id="1" name=""/>
+        <p:cNvGrpSpPr/>
+        <p:nvPr/>
+      </p:nvGrpSpPr>
+      <p:grpSpPr>
+        <a:xfrm>
+          <a:off x="0" y="0"/>
+          <a:ext cx="0" cy="0"/>
+          <a:chOff x="0" y="0"/>
+          <a:chExt cx="0" cy="0"/>
+        </a:xfrm>
+      </p:grpSpPr>
+      <p:sp>
+        <p:nvSpPr>
+          <p:cNvPr id="5" name="2 Título"/>
+          <p:cNvSpPr>
+            <a:spLocks noGrp="1"/>
+          </p:cNvSpPr>
+          <p:nvPr>
+            <p:ph type="title"/>
+          </p:nvPr>
+        </p:nvSpPr>
+        <p:spPr>
+          <a:xfrm>
+            <a:off x="179512" y="332656"/>
+            <a:ext cx="8712968" cy="844646"/>
+          </a:xfrm>
+        </p:spPr>
+        <p:txBody>
+          <a:bodyPr/>
+          <a:lstStyle/>
+          <a:p>
+            <a:r>
+              <a:rPr lang="es-PE" dirty="0" err="1" smtClean="0">
+                <a:solidFill>
+                  <a:srgbClr val="00823B"/>
+                </a:solidFill>
+              </a:rPr>
+              <a:t>Characterization</a:t>
+            </a:r>
+            <a:r>
+              <a:rPr lang="es-PE" dirty="0" smtClean="0">
+                <a:solidFill>
+                  <a:srgbClr val="00823B"/>
+                </a:solidFill>
+              </a:rPr>
+              <a:t> </a:t>
+            </a:r>
+            <a:r>
+              <a:rPr lang="es-PE" dirty="0" err="1" smtClean="0">
+                <a:solidFill>
+                  <a:srgbClr val="00823B"/>
+                </a:solidFill>
+              </a:rPr>
+              <a:t>Tests</a:t>
+            </a:r>
+            <a:endParaRPr lang="es-PE" dirty="0">
+              <a:solidFill>
+                <a:srgbClr val="00823B"/>
+              </a:solidFill>
+            </a:endParaRPr>
+          </a:p>
+        </p:txBody>
+      </p:sp>
+      <p:pic>
+        <p:nvPicPr>
+          <p:cNvPr id="4" name="Picture 2"/>
+          <p:cNvPicPr>
+            <a:picLocks noChangeAspect="1" noChangeArrowheads="1"/>
+          </p:cNvPicPr>
+          <p:nvPr/>
+        </p:nvPicPr>
+        <p:blipFill>
+          <a:blip r:embed="rId3">
+            <a:extLst>
+              <a:ext uri="{28A0092B-C50C-407E-A947-70E740481C1C}">
+                <a14:useLocalDpi xmlns:a14="http://schemas.microsoft.com/office/drawing/2010/main" val="0"/>
+              </a:ext>
+            </a:extLst>
+          </a:blip>
+          <a:srcRect/>
+          <a:stretch>
+            <a:fillRect/>
+          </a:stretch>
+        </p:blipFill>
+        <p:spPr bwMode="auto">
+          <a:xfrm>
+            <a:off x="449044" y="1916832"/>
+            <a:ext cx="8279085" cy="4480060"/>
+          </a:xfrm>
+          <a:prstGeom prst="rect">
+            <a:avLst/>
+          </a:prstGeom>
+          <a:noFill/>
+          <a:ln>
+            <a:noFill/>
+          </a:ln>
+          <a:extLst>
+            <a:ext uri="{909E8E84-426E-40dd-AFC4-6F175D3DCCD1}">
+              <a14:hiddenFill xmlns:a14="http://schemas.microsoft.com/office/drawing/2010/main">
+                <a:solidFill>
+                  <a:schemeClr val="accent1"/>
+                </a:solidFill>
+              </a14:hiddenFill>
+            </a:ext>
+            <a:ext uri="{91240B29-F687-4f45-9708-019B960494DF}">
+              <a14:hiddenLine xmlns:a14="http://schemas.microsoft.com/office/drawing/2010/main" w="9525">
+                <a:solidFill>
+                  <a:schemeClr val="tx1"/>
+                </a:solidFill>
+                <a:miter lim="800000"/>
+                <a:headEnd/>
+                <a:tailEnd/>
+              </a14:hiddenLine>
+            </a:ext>
+          </a:extLst>
+        </p:spPr>
+      </p:pic>
+    </p:spTree>
+    <p:extLst>
+      <p:ext uri="{BB962C8B-B14F-4D97-AF65-F5344CB8AC3E}">
+        <p14:creationId xmlns:p14="http://schemas.microsoft.com/office/powerpoint/2010/main" val="2842127067"/>
+      </p:ext>
+    </p:extLst>
+  </p:cSld>
+  <p:clrMapOvr>
+    <a:masterClrMapping/>
+  </p:clrMapOvr>
+  <p:timing>
+    <p:tnLst>
+      <p:par>
+        <p:cTn xmlns:p14="http://schemas.microsoft.com/office/powerpoint/2010/main" id="1" dur="indefinite" restart="never" nodeType="tmRoot"/>
       </p:par>
     </p:tnLst>
   </p:timing>
@@ -10839,7 +10193,7 @@
 </file>
 
 <file path=ppt/theme/theme1.xml><?xml version="1.0" encoding="utf-8"?>
-<a:theme xmlns:a="http://schemas.openxmlformats.org/drawingml/2006/main" name="BlackTheme">
+<a:theme xmlns:a="http://schemas.openxmlformats.org/drawingml/2006/main" name="Office Theme">
   <a:themeElements>
     <a:clrScheme name="Office">
       <a:dk1>
@@ -10913,6 +10267,7 @@
         <a:font script="Mong" typeface="Mongolian Baiti"/>
         <a:font script="Viet" typeface="Times New Roman"/>
         <a:font script="Uigh" typeface="Microsoft Uighur"/>
+        <a:font script="Geor" typeface="Sylfaen"/>
       </a:majorFont>
       <a:minorFont>
         <a:latin typeface="Calibri"/>
@@ -10947,6 +10302,7 @@
         <a:font script="Mong" typeface="Mongolian Baiti"/>
         <a:font script="Viet" typeface="Arial"/>
         <a:font script="Uigh" typeface="Microsoft Uighur"/>
+        <a:font script="Geor" typeface="Sylfaen"/>
       </a:minorFont>
     </a:fontScheme>
     <a:fmtScheme name="Office">
@@ -10981,20 +10337,16 @@
           <a:gsLst>
             <a:gs pos="0">
               <a:schemeClr val="phClr">
-                <a:shade val="51000"/>
-                <a:satMod val="130000"/>
-              </a:schemeClr>
-            </a:gs>
-            <a:gs pos="80000">
-              <a:schemeClr val="phClr">
-                <a:shade val="93000"/>
+                <a:tint val="100000"/>
+                <a:shade val="100000"/>
                 <a:satMod val="130000"/>
               </a:schemeClr>
             </a:gs>
             <a:gs pos="100000">
               <a:schemeClr val="phClr">
-                <a:shade val="94000"/>
-                <a:satMod val="135000"/>
+                <a:tint val="50000"/>
+                <a:shade val="100000"/>
+                <a:satMod val="350000"/>
               </a:schemeClr>
             </a:gs>
           </a:gsLst>
@@ -11116,7 +10468,46 @@
       </a:bgFillStyleLst>
     </a:fmtScheme>
   </a:themeElements>
-  <a:objectDefaults/>
+  <a:objectDefaults>
+    <a:spDef>
+      <a:spPr/>
+      <a:bodyPr/>
+      <a:lstStyle/>
+      <a:style>
+        <a:lnRef idx="1">
+          <a:schemeClr val="accent1"/>
+        </a:lnRef>
+        <a:fillRef idx="3">
+          <a:schemeClr val="accent1"/>
+        </a:fillRef>
+        <a:effectRef idx="2">
+          <a:schemeClr val="accent1"/>
+        </a:effectRef>
+        <a:fontRef idx="minor">
+          <a:schemeClr val="lt1"/>
+        </a:fontRef>
+      </a:style>
+    </a:spDef>
+    <a:lnDef>
+      <a:spPr/>
+      <a:bodyPr/>
+      <a:lstStyle/>
+      <a:style>
+        <a:lnRef idx="2">
+          <a:schemeClr val="accent1"/>
+        </a:lnRef>
+        <a:fillRef idx="0">
+          <a:schemeClr val="accent1"/>
+        </a:fillRef>
+        <a:effectRef idx="1">
+          <a:schemeClr val="accent1"/>
+        </a:effectRef>
+        <a:fontRef idx="minor">
+          <a:schemeClr val="tx1"/>
+        </a:fontRef>
+      </a:style>
+    </a:lnDef>
+  </a:objectDefaults>
   <a:extraClrSchemeLst/>
 </a:theme>
 </file>
